--- a/Презентация.pptx
+++ b/Презентация.pptx
@@ -1,14 +1,20 @@
 
 <file path=ppt/presentation.xml><?xml version="1.0" encoding="utf-8"?>
-<p:presentation xmlns:a="http://schemas.openxmlformats.org/drawingml/2006/main" xmlns:r="http://schemas.openxmlformats.org/officeDocument/2006/relationships" xmlns:p="http://schemas.openxmlformats.org/presentationml/2006/main" xmlns:m="http://schemas.openxmlformats.org/officeDocument/2006/math" xmlns:a14="http://schemas.microsoft.com/office/drawing/2010/main">
+<p:presentation xmlns:a="http://schemas.openxmlformats.org/drawingml/2006/main" xmlns:r="http://schemas.openxmlformats.org/officeDocument/2006/relationships" xmlns:p="http://schemas.openxmlformats.org/presentationml/2006/main">
   <p:sldMasterIdLst>
-    <p:sldMasterId id="2147483648" r:id="rId5"/>
+    <p:sldMasterId id="2147483648" r:id="rId1"/>
   </p:sldMasterIdLst>
   <p:notesMasterIdLst>
-    <p:notesMasterId r:id="rId7"/>
+    <p:notesMasterId r:id="rId9"/>
   </p:notesMasterIdLst>
   <p:sldIdLst>
-    <p:sldId id="256" r:id="rId8"/>
+    <p:sldId id="256" r:id="rId2"/>
+    <p:sldId id="257" r:id="rId3"/>
+    <p:sldId id="258" r:id="rId4"/>
+    <p:sldId id="260" r:id="rId5"/>
+    <p:sldId id="259" r:id="rId6"/>
+    <p:sldId id="261" r:id="rId7"/>
+    <p:sldId id="262" r:id="rId8"/>
   </p:sldIdLst>
   <p:sldSz cx="24384000" cy="13716000"/>
   <p:notesSz cx="6858000" cy="9144000"/>
@@ -28,7 +34,7 @@
       <a:buFontTx/>
       <a:buNone/>
       <a:tabLst/>
-      <a:defRPr b="0" baseline="0" cap="none" i="0" spc="0" strike="noStrike" sz="1800" u="none" kumimoji="0" normalizeH="0">
+      <a:defRPr kumimoji="0" sz="1800" b="0" i="0" u="none" strike="noStrike" cap="none" spc="0" normalizeH="0" baseline="0">
         <a:ln>
           <a:noFill/>
         </a:ln>
@@ -54,7 +60,7 @@
       <a:buFontTx/>
       <a:buNone/>
       <a:tabLst/>
-      <a:defRPr b="0" baseline="0" cap="none" i="0" spc="0" strike="noStrike" sz="2400" u="none" kumimoji="0" normalizeH="0">
+      <a:defRPr kumimoji="0" sz="2400" b="0" i="0" u="none" strike="noStrike" cap="none" spc="0" normalizeH="0" baseline="0">
         <a:ln>
           <a:noFill/>
         </a:ln>
@@ -84,7 +90,7 @@
       <a:buFontTx/>
       <a:buNone/>
       <a:tabLst/>
-      <a:defRPr b="0" baseline="0" cap="none" i="0" spc="0" strike="noStrike" sz="2400" u="none" kumimoji="0" normalizeH="0">
+      <a:defRPr kumimoji="0" sz="2400" b="0" i="0" u="none" strike="noStrike" cap="none" spc="0" normalizeH="0" baseline="0">
         <a:ln>
           <a:noFill/>
         </a:ln>
@@ -114,7 +120,7 @@
       <a:buFontTx/>
       <a:buNone/>
       <a:tabLst/>
-      <a:defRPr b="0" baseline="0" cap="none" i="0" spc="0" strike="noStrike" sz="2400" u="none" kumimoji="0" normalizeH="0">
+      <a:defRPr kumimoji="0" sz="2400" b="0" i="0" u="none" strike="noStrike" cap="none" spc="0" normalizeH="0" baseline="0">
         <a:ln>
           <a:noFill/>
         </a:ln>
@@ -144,7 +150,7 @@
       <a:buFontTx/>
       <a:buNone/>
       <a:tabLst/>
-      <a:defRPr b="0" baseline="0" cap="none" i="0" spc="0" strike="noStrike" sz="2400" u="none" kumimoji="0" normalizeH="0">
+      <a:defRPr kumimoji="0" sz="2400" b="0" i="0" u="none" strike="noStrike" cap="none" spc="0" normalizeH="0" baseline="0">
         <a:ln>
           <a:noFill/>
         </a:ln>
@@ -174,7 +180,7 @@
       <a:buFontTx/>
       <a:buNone/>
       <a:tabLst/>
-      <a:defRPr b="0" baseline="0" cap="none" i="0" spc="0" strike="noStrike" sz="2400" u="none" kumimoji="0" normalizeH="0">
+      <a:defRPr kumimoji="0" sz="2400" b="0" i="0" u="none" strike="noStrike" cap="none" spc="0" normalizeH="0" baseline="0">
         <a:ln>
           <a:noFill/>
         </a:ln>
@@ -204,7 +210,7 @@
       <a:buFontTx/>
       <a:buNone/>
       <a:tabLst/>
-      <a:defRPr b="0" baseline="0" cap="none" i="0" spc="0" strike="noStrike" sz="2400" u="none" kumimoji="0" normalizeH="0">
+      <a:defRPr kumimoji="0" sz="2400" b="0" i="0" u="none" strike="noStrike" cap="none" spc="0" normalizeH="0" baseline="0">
         <a:ln>
           <a:noFill/>
         </a:ln>
@@ -234,7 +240,7 @@
       <a:buFontTx/>
       <a:buNone/>
       <a:tabLst/>
-      <a:defRPr b="0" baseline="0" cap="none" i="0" spc="0" strike="noStrike" sz="2400" u="none" kumimoji="0" normalizeH="0">
+      <a:defRPr kumimoji="0" sz="2400" b="0" i="0" u="none" strike="noStrike" cap="none" spc="0" normalizeH="0" baseline="0">
         <a:ln>
           <a:noFill/>
         </a:ln>
@@ -264,7 +270,7 @@
       <a:buFontTx/>
       <a:buNone/>
       <a:tabLst/>
-      <a:defRPr b="0" baseline="0" cap="none" i="0" spc="0" strike="noStrike" sz="2400" u="none" kumimoji="0" normalizeH="0">
+      <a:defRPr kumimoji="0" sz="2400" b="0" i="0" u="none" strike="noStrike" cap="none" spc="0" normalizeH="0" baseline="0">
         <a:ln>
           <a:noFill/>
         </a:ln>
@@ -294,7 +300,7 @@
       <a:buFontTx/>
       <a:buNone/>
       <a:tabLst/>
-      <a:defRPr b="0" baseline="0" cap="none" i="0" spc="0" strike="noStrike" sz="2400" u="none" kumimoji="0" normalizeH="0">
+      <a:defRPr kumimoji="0" sz="2400" b="0" i="0" u="none" strike="noStrike" cap="none" spc="0" normalizeH="0" baseline="0">
         <a:ln>
           <a:noFill/>
         </a:ln>
@@ -313,13 +319,14 @@
 </p:presentation>
 </file>
 
-<file path=ppt/commentAuthors.xml><?xml version="1.0" encoding="utf-8"?>
-<p:cmAuthorLst xmlns:a="http://schemas.openxmlformats.org/drawingml/2006/main" xmlns:r="http://schemas.openxmlformats.org/officeDocument/2006/relationships" xmlns:p="http://schemas.openxmlformats.org/presentationml/2006/main" xmlns:m="http://schemas.openxmlformats.org/officeDocument/2006/math" xmlns:a14="http://schemas.microsoft.com/office/drawing/2010/main"/>
-</file>
-
 <file path=ppt/notesMasters/notesMaster1.xml><?xml version="1.0" encoding="utf-8"?>
-<p:notesMaster xmlns:a="http://schemas.openxmlformats.org/drawingml/2006/main" xmlns:r="http://schemas.openxmlformats.org/officeDocument/2006/relationships" xmlns:p="http://schemas.openxmlformats.org/presentationml/2006/main" xmlns:m="http://schemas.openxmlformats.org/officeDocument/2006/math" xmlns:a14="http://schemas.microsoft.com/office/drawing/2010/main">
+<p:notesMaster xmlns:a="http://schemas.openxmlformats.org/drawingml/2006/main" xmlns:r="http://schemas.openxmlformats.org/officeDocument/2006/relationships" xmlns:p="http://schemas.openxmlformats.org/presentationml/2006/main">
   <p:cSld>
+    <p:bg>
+      <p:bgRef idx="1001">
+        <a:schemeClr val="bg1"/>
+      </p:bgRef>
+    </p:bg>
     <p:spTree>
       <p:nvGrpSpPr>
         <p:cNvPr id="1" name=""/>
@@ -337,7 +344,9 @@
       <p:sp>
         <p:nvSpPr>
           <p:cNvPr id="148" name="Shape 148"/>
-          <p:cNvSpPr/>
+          <p:cNvSpPr>
+            <a:spLocks noGrp="1" noRot="1" noChangeAspect="1"/>
+          </p:cNvSpPr>
           <p:nvPr>
             <p:ph type="sldImg"/>
           </p:nvPr>
@@ -355,14 +364,16 @@
           <a:bodyPr/>
           <a:lstStyle/>
           <a:p>
-            <a:pPr/>
+            <a:endParaRPr/>
           </a:p>
         </p:txBody>
       </p:sp>
       <p:sp>
         <p:nvSpPr>
           <p:cNvPr id="149" name="Shape 149"/>
-          <p:cNvSpPr/>
+          <p:cNvSpPr>
+            <a:spLocks noGrp="1"/>
+          </p:cNvSpPr>
           <p:nvPr>
             <p:ph type="body" sz="quarter" idx="1"/>
           </p:nvPr>
@@ -380,7 +391,7 @@
           <a:bodyPr/>
           <a:lstStyle/>
           <a:p>
-            <a:pPr/>
+            <a:endParaRPr/>
           </a:p>
         </p:txBody>
       </p:sp>
@@ -492,7 +503,7 @@
 </file>
 
 <file path=ppt/slideLayouts/slideLayout1.xml><?xml version="1.0" encoding="utf-8"?>
-<p:sldLayout xmlns:a="http://schemas.openxmlformats.org/drawingml/2006/main" xmlns:r="http://schemas.openxmlformats.org/officeDocument/2006/relationships" xmlns:p="http://schemas.openxmlformats.org/presentationml/2006/main" xmlns:m="http://schemas.openxmlformats.org/officeDocument/2006/math" xmlns:a14="http://schemas.microsoft.com/office/drawing/2010/main" type="title" showMasterSp="1" showMasterPhAnim="1">
+<p:sldLayout xmlns:a="http://schemas.openxmlformats.org/drawingml/2006/main" xmlns:r="http://schemas.openxmlformats.org/officeDocument/2006/relationships" xmlns:p="http://schemas.openxmlformats.org/presentationml/2006/main" type="title">
   <p:cSld name="Заголовок">
     <p:spTree>
       <p:nvGrpSpPr>
@@ -511,7 +522,9 @@
       <p:sp>
         <p:nvSpPr>
           <p:cNvPr id="11" name="Автор и дата"/>
-          <p:cNvSpPr txBox="1"/>
+          <p:cNvSpPr txBox="1">
+            <a:spLocks noGrp="1"/>
+          </p:cNvSpPr>
           <p:nvPr>
             <p:ph type="body" sz="quarter" idx="21" hasCustomPrompt="1"/>
           </p:nvPr>
@@ -537,7 +550,7 @@
               </a:spcBef>
               <a:buSzTx/>
               <a:buNone/>
-              <a:defRPr spc="-29" sz="2940">
+              <a:defRPr sz="2940" spc="-29">
                 <a:latin typeface="Avenir Next Medium"/>
                 <a:ea typeface="Avenir Next Medium"/>
                 <a:cs typeface="Avenir Next Medium"/>
@@ -546,7 +559,6 @@
             </a:lvl1pPr>
           </a:lstStyle>
           <a:p>
-            <a:pPr/>
             <a:r>
               <a:t>Автор и дата</a:t>
             </a:r>
@@ -556,7 +568,9 @@
       <p:sp>
         <p:nvSpPr>
           <p:cNvPr id="12" name="Заголовок презентации"/>
-          <p:cNvSpPr txBox="1"/>
+          <p:cNvSpPr txBox="1">
+            <a:spLocks noGrp="1"/>
+          </p:cNvSpPr>
           <p:nvPr>
             <p:ph type="title" hasCustomPrompt="1"/>
           </p:nvPr>
@@ -574,11 +588,10 @@
           <a:bodyPr anchor="b"/>
           <a:lstStyle>
             <a:lvl1pPr>
-              <a:defRPr spc="-128" sz="12800"/>
+              <a:defRPr sz="12800" spc="-128"/>
             </a:lvl1pPr>
           </a:lstStyle>
           <a:p>
-            <a:pPr/>
             <a:r>
               <a:t>Заголовок презентации</a:t>
             </a:r>
@@ -588,7 +601,9 @@
       <p:sp>
         <p:nvSpPr>
           <p:cNvPr id="13" name="Уровень текста 1…"/>
-          <p:cNvSpPr txBox="1"/>
+          <p:cNvSpPr txBox="1">
+            <a:spLocks noGrp="1"/>
+          </p:cNvSpPr>
           <p:nvPr>
             <p:ph type="body" sz="quarter" idx="1" hasCustomPrompt="1"/>
           </p:nvPr>
@@ -614,7 +629,7 @@
               </a:spcBef>
               <a:buSzTx/>
               <a:buNone/>
-              <a:defRPr spc="-59" sz="6000">
+              <a:defRPr sz="6000" spc="-59">
                 <a:latin typeface="Avenir Next Demi Bold"/>
                 <a:ea typeface="Avenir Next Demi Bold"/>
                 <a:cs typeface="Avenir Next Demi Bold"/>
@@ -630,7 +645,7 @@
               </a:spcBef>
               <a:buSzTx/>
               <a:buNone/>
-              <a:defRPr spc="-59" sz="6000">
+              <a:defRPr sz="6000" spc="-59">
                 <a:latin typeface="Avenir Next Demi Bold"/>
                 <a:ea typeface="Avenir Next Demi Bold"/>
                 <a:cs typeface="Avenir Next Demi Bold"/>
@@ -646,7 +661,7 @@
               </a:spcBef>
               <a:buSzTx/>
               <a:buNone/>
-              <a:defRPr spc="-59" sz="6000">
+              <a:defRPr sz="6000" spc="-59">
                 <a:latin typeface="Avenir Next Demi Bold"/>
                 <a:ea typeface="Avenir Next Demi Bold"/>
                 <a:cs typeface="Avenir Next Demi Bold"/>
@@ -662,7 +677,7 @@
               </a:spcBef>
               <a:buSzTx/>
               <a:buNone/>
-              <a:defRPr spc="-59" sz="6000">
+              <a:defRPr sz="6000" spc="-59">
                 <a:latin typeface="Avenir Next Demi Bold"/>
                 <a:ea typeface="Avenir Next Demi Bold"/>
                 <a:cs typeface="Avenir Next Demi Bold"/>
@@ -678,7 +693,7 @@
               </a:spcBef>
               <a:buSzTx/>
               <a:buNone/>
-              <a:defRPr spc="-59" sz="6000">
+              <a:defRPr sz="6000" spc="-59">
                 <a:latin typeface="Avenir Next Demi Bold"/>
                 <a:ea typeface="Avenir Next Demi Bold"/>
                 <a:cs typeface="Avenir Next Demi Bold"/>
@@ -687,41 +702,34 @@
             </a:lvl5pPr>
           </a:lstStyle>
           <a:p>
-            <a:pPr/>
             <a:r>
               <a:t>Подзаголовок презентации</a:t>
             </a:r>
           </a:p>
           <a:p>
             <a:pPr lvl="1"/>
-            <a:r>
-              <a:t/>
-            </a:r>
+            <a:endParaRPr/>
           </a:p>
           <a:p>
             <a:pPr lvl="2"/>
-            <a:r>
-              <a:t/>
-            </a:r>
+            <a:endParaRPr/>
           </a:p>
           <a:p>
             <a:pPr lvl="3"/>
-            <a:r>
-              <a:t/>
-            </a:r>
+            <a:endParaRPr/>
           </a:p>
           <a:p>
             <a:pPr lvl="4"/>
-            <a:r>
-              <a:t/>
-            </a:r>
+            <a:endParaRPr/>
           </a:p>
         </p:txBody>
       </p:sp>
       <p:sp>
         <p:nvSpPr>
           <p:cNvPr id="14" name="Номер слайда"/>
-          <p:cNvSpPr txBox="1"/>
+          <p:cNvSpPr txBox="1">
+            <a:spLocks noGrp="1"/>
+          </p:cNvSpPr>
           <p:nvPr>
             <p:ph type="sldNum" sz="quarter" idx="2"/>
           </p:nvPr>
@@ -739,8 +747,10 @@
           <a:bodyPr/>
           <a:lstStyle/>
           <a:p>
-            <a:pPr/>
-            <a:fld id="{86CB4B4D-7CA3-9044-876B-883B54F8677D}" type="slidenum"/>
+            <a:fld id="{86CB4B4D-7CA3-9044-876B-883B54F8677D}" type="slidenum">
+              <a:t>‹#›</a:t>
+            </a:fld>
+            <a:endParaRPr/>
           </a:p>
         </p:txBody>
       </p:sp>
@@ -749,12 +759,12 @@
   <p:clrMapOvr>
     <a:masterClrMapping/>
   </p:clrMapOvr>
-  <p:transition xmlns:p14="http://schemas.microsoft.com/office/powerpoint/2010/main" spd="med" advClick="1"/>
+  <p:transition spd="med"/>
 </p:sldLayout>
 </file>
 
 <file path=ppt/slideLayouts/slideLayout10.xml><?xml version="1.0" encoding="utf-8"?>
-<p:sldLayout xmlns:a="http://schemas.openxmlformats.org/drawingml/2006/main" xmlns:r="http://schemas.openxmlformats.org/officeDocument/2006/relationships" xmlns:p="http://schemas.openxmlformats.org/presentationml/2006/main" xmlns:m="http://schemas.openxmlformats.org/officeDocument/2006/math" xmlns:a14="http://schemas.microsoft.com/office/drawing/2010/main" type="tx" showMasterSp="1" showMasterPhAnim="1">
+<p:sldLayout xmlns:a="http://schemas.openxmlformats.org/drawingml/2006/main" xmlns:r="http://schemas.openxmlformats.org/officeDocument/2006/relationships" xmlns:p="http://schemas.openxmlformats.org/presentationml/2006/main" type="tx">
   <p:cSld name="Сообщение">
     <p:spTree>
       <p:nvGrpSpPr>
@@ -773,7 +783,9 @@
       <p:sp>
         <p:nvSpPr>
           <p:cNvPr id="98" name="Уровень текста 1…"/>
-          <p:cNvSpPr txBox="1"/>
+          <p:cNvSpPr txBox="1">
+            <a:spLocks noGrp="1"/>
+          </p:cNvSpPr>
           <p:nvPr>
             <p:ph type="body" idx="1" hasCustomPrompt="1"/>
           </p:nvPr>
@@ -872,41 +884,34 @@
             </a:lvl5pPr>
           </a:lstStyle>
           <a:p>
-            <a:pPr/>
             <a:r>
               <a:t>Сообщение</a:t>
             </a:r>
           </a:p>
           <a:p>
             <a:pPr lvl="1"/>
-            <a:r>
-              <a:t/>
-            </a:r>
+            <a:endParaRPr/>
           </a:p>
           <a:p>
             <a:pPr lvl="2"/>
-            <a:r>
-              <a:t/>
-            </a:r>
+            <a:endParaRPr/>
           </a:p>
           <a:p>
             <a:pPr lvl="3"/>
-            <a:r>
-              <a:t/>
-            </a:r>
+            <a:endParaRPr/>
           </a:p>
           <a:p>
             <a:pPr lvl="4"/>
-            <a:r>
-              <a:t/>
-            </a:r>
+            <a:endParaRPr/>
           </a:p>
         </p:txBody>
       </p:sp>
       <p:sp>
         <p:nvSpPr>
           <p:cNvPr id="99" name="Номер слайда"/>
-          <p:cNvSpPr txBox="1"/>
+          <p:cNvSpPr txBox="1">
+            <a:spLocks noGrp="1"/>
+          </p:cNvSpPr>
           <p:nvPr>
             <p:ph type="sldNum" sz="quarter" idx="2"/>
           </p:nvPr>
@@ -920,8 +925,10 @@
           <a:bodyPr/>
           <a:lstStyle/>
           <a:p>
-            <a:pPr/>
-            <a:fld id="{86CB4B4D-7CA3-9044-876B-883B54F8677D}" type="slidenum"/>
+            <a:fld id="{86CB4B4D-7CA3-9044-876B-883B54F8677D}" type="slidenum">
+              <a:t>‹#›</a:t>
+            </a:fld>
+            <a:endParaRPr/>
           </a:p>
         </p:txBody>
       </p:sp>
@@ -930,12 +937,12 @@
   <p:clrMapOvr>
     <a:masterClrMapping/>
   </p:clrMapOvr>
-  <p:transition xmlns:p14="http://schemas.microsoft.com/office/powerpoint/2010/main" spd="med" advClick="1"/>
+  <p:transition spd="med"/>
 </p:sldLayout>
 </file>
 
 <file path=ppt/slideLayouts/slideLayout11.xml><?xml version="1.0" encoding="utf-8"?>
-<p:sldLayout xmlns:a="http://schemas.openxmlformats.org/drawingml/2006/main" xmlns:r="http://schemas.openxmlformats.org/officeDocument/2006/relationships" xmlns:p="http://schemas.openxmlformats.org/presentationml/2006/main" xmlns:m="http://schemas.openxmlformats.org/officeDocument/2006/math" xmlns:a14="http://schemas.microsoft.com/office/drawing/2010/main" type="tx" showMasterSp="1" showMasterPhAnim="1">
+<p:sldLayout xmlns:a="http://schemas.openxmlformats.org/drawingml/2006/main" xmlns:r="http://schemas.openxmlformats.org/officeDocument/2006/relationships" xmlns:p="http://schemas.openxmlformats.org/presentationml/2006/main" type="tx">
   <p:cSld name="Важный факт">
     <p:spTree>
       <p:nvGrpSpPr>
@@ -954,7 +961,9 @@
       <p:sp>
         <p:nvSpPr>
           <p:cNvPr id="106" name="Информация о факте"/>
-          <p:cNvSpPr txBox="1"/>
+          <p:cNvSpPr txBox="1">
+            <a:spLocks noGrp="1"/>
+          </p:cNvSpPr>
           <p:nvPr>
             <p:ph type="body" sz="quarter" idx="21" hasCustomPrompt="1"/>
           </p:nvPr>
@@ -980,7 +989,7 @@
               </a:spcBef>
               <a:buSzTx/>
               <a:buNone/>
-              <a:defRPr spc="-42" sz="4224">
+              <a:defRPr sz="4224" spc="-42">
                 <a:latin typeface="Avenir Next Demi Bold"/>
                 <a:ea typeface="Avenir Next Demi Bold"/>
                 <a:cs typeface="Avenir Next Demi Bold"/>
@@ -989,7 +998,6 @@
             </a:lvl1pPr>
           </a:lstStyle>
           <a:p>
-            <a:pPr/>
             <a:r>
               <a:t>Информация о факте</a:t>
             </a:r>
@@ -999,7 +1007,9 @@
       <p:sp>
         <p:nvSpPr>
           <p:cNvPr id="107" name="Уровень текста 1…"/>
-          <p:cNvSpPr txBox="1"/>
+          <p:cNvSpPr txBox="1">
+            <a:spLocks noGrp="1"/>
+          </p:cNvSpPr>
           <p:nvPr>
             <p:ph type="body" sz="half" idx="1" hasCustomPrompt="1"/>
           </p:nvPr>
@@ -1098,41 +1108,34 @@
             </a:lvl5pPr>
           </a:lstStyle>
           <a:p>
-            <a:pPr/>
             <a:r>
               <a:t>100 %</a:t>
             </a:r>
           </a:p>
           <a:p>
             <a:pPr lvl="1"/>
-            <a:r>
-              <a:t/>
-            </a:r>
+            <a:endParaRPr/>
           </a:p>
           <a:p>
             <a:pPr lvl="2"/>
-            <a:r>
-              <a:t/>
-            </a:r>
+            <a:endParaRPr/>
           </a:p>
           <a:p>
             <a:pPr lvl="3"/>
-            <a:r>
-              <a:t/>
-            </a:r>
+            <a:endParaRPr/>
           </a:p>
           <a:p>
             <a:pPr lvl="4"/>
-            <a:r>
-              <a:t/>
-            </a:r>
+            <a:endParaRPr/>
           </a:p>
         </p:txBody>
       </p:sp>
       <p:sp>
         <p:nvSpPr>
           <p:cNvPr id="108" name="Номер слайда"/>
-          <p:cNvSpPr txBox="1"/>
+          <p:cNvSpPr txBox="1">
+            <a:spLocks noGrp="1"/>
+          </p:cNvSpPr>
           <p:nvPr>
             <p:ph type="sldNum" sz="quarter" idx="2"/>
           </p:nvPr>
@@ -1146,8 +1149,10 @@
           <a:bodyPr/>
           <a:lstStyle/>
           <a:p>
-            <a:pPr/>
-            <a:fld id="{86CB4B4D-7CA3-9044-876B-883B54F8677D}" type="slidenum"/>
+            <a:fld id="{86CB4B4D-7CA3-9044-876B-883B54F8677D}" type="slidenum">
+              <a:t>‹#›</a:t>
+            </a:fld>
+            <a:endParaRPr/>
           </a:p>
         </p:txBody>
       </p:sp>
@@ -1156,12 +1161,12 @@
   <p:clrMapOvr>
     <a:masterClrMapping/>
   </p:clrMapOvr>
-  <p:transition xmlns:p14="http://schemas.microsoft.com/office/powerpoint/2010/main" spd="med" advClick="1"/>
+  <p:transition spd="med"/>
 </p:sldLayout>
 </file>
 
 <file path=ppt/slideLayouts/slideLayout12.xml><?xml version="1.0" encoding="utf-8"?>
-<p:sldLayout xmlns:a="http://schemas.openxmlformats.org/drawingml/2006/main" xmlns:r="http://schemas.openxmlformats.org/officeDocument/2006/relationships" xmlns:p="http://schemas.openxmlformats.org/presentationml/2006/main" xmlns:m="http://schemas.openxmlformats.org/officeDocument/2006/math" xmlns:a14="http://schemas.microsoft.com/office/drawing/2010/main" type="tx" showMasterSp="1" showMasterPhAnim="1">
+<p:sldLayout xmlns:a="http://schemas.openxmlformats.org/drawingml/2006/main" xmlns:r="http://schemas.openxmlformats.org/officeDocument/2006/relationships" xmlns:p="http://schemas.openxmlformats.org/presentationml/2006/main" type="tx">
   <p:cSld name="Цитата">
     <p:spTree>
       <p:nvGrpSpPr>
@@ -1180,7 +1185,9 @@
       <p:sp>
         <p:nvSpPr>
           <p:cNvPr id="115" name="Авторство"/>
-          <p:cNvSpPr txBox="1"/>
+          <p:cNvSpPr txBox="1">
+            <a:spLocks noGrp="1"/>
+          </p:cNvSpPr>
           <p:nvPr>
             <p:ph type="body" sz="quarter" idx="21" hasCustomPrompt="1"/>
           </p:nvPr>
@@ -1206,7 +1213,7 @@
               </a:spcBef>
               <a:buSzTx/>
               <a:buNone/>
-              <a:defRPr spc="-42" sz="4224">
+              <a:defRPr sz="4224" spc="-42">
                 <a:latin typeface="Avenir Next Demi Bold"/>
                 <a:ea typeface="Avenir Next Demi Bold"/>
                 <a:cs typeface="Avenir Next Demi Bold"/>
@@ -1215,7 +1222,6 @@
             </a:lvl1pPr>
           </a:lstStyle>
           <a:p>
-            <a:pPr/>
             <a:r>
               <a:t>Авторство</a:t>
             </a:r>
@@ -1225,7 +1231,9 @@
       <p:sp>
         <p:nvSpPr>
           <p:cNvPr id="116" name="Уровень текста 1…"/>
-          <p:cNvSpPr txBox="1"/>
+          <p:cNvSpPr txBox="1">
+            <a:spLocks noGrp="1"/>
+          </p:cNvSpPr>
           <p:nvPr>
             <p:ph type="body" sz="half" idx="1" hasCustomPrompt="1"/>
           </p:nvPr>
@@ -1324,41 +1332,34 @@
             </a:lvl5pPr>
           </a:lstStyle>
           <a:p>
-            <a:pPr/>
             <a:r>
               <a:t>«Важная цитата»</a:t>
             </a:r>
           </a:p>
           <a:p>
             <a:pPr lvl="1"/>
-            <a:r>
-              <a:t/>
-            </a:r>
+            <a:endParaRPr/>
           </a:p>
           <a:p>
             <a:pPr lvl="2"/>
-            <a:r>
-              <a:t/>
-            </a:r>
+            <a:endParaRPr/>
           </a:p>
           <a:p>
             <a:pPr lvl="3"/>
-            <a:r>
-              <a:t/>
-            </a:r>
+            <a:endParaRPr/>
           </a:p>
           <a:p>
             <a:pPr lvl="4"/>
-            <a:r>
-              <a:t/>
-            </a:r>
+            <a:endParaRPr/>
           </a:p>
         </p:txBody>
       </p:sp>
       <p:sp>
         <p:nvSpPr>
           <p:cNvPr id="117" name="Номер слайда"/>
-          <p:cNvSpPr txBox="1"/>
+          <p:cNvSpPr txBox="1">
+            <a:spLocks noGrp="1"/>
+          </p:cNvSpPr>
           <p:nvPr>
             <p:ph type="sldNum" sz="quarter" idx="2"/>
           </p:nvPr>
@@ -1376,8 +1377,10 @@
           <a:bodyPr/>
           <a:lstStyle/>
           <a:p>
-            <a:pPr/>
-            <a:fld id="{86CB4B4D-7CA3-9044-876B-883B54F8677D}" type="slidenum"/>
+            <a:fld id="{86CB4B4D-7CA3-9044-876B-883B54F8677D}" type="slidenum">
+              <a:t>‹#›</a:t>
+            </a:fld>
+            <a:endParaRPr/>
           </a:p>
         </p:txBody>
       </p:sp>
@@ -1386,12 +1389,12 @@
   <p:clrMapOvr>
     <a:masterClrMapping/>
   </p:clrMapOvr>
-  <p:transition xmlns:p14="http://schemas.microsoft.com/office/powerpoint/2010/main" spd="med" advClick="1"/>
+  <p:transition spd="med"/>
 </p:sldLayout>
 </file>
 
 <file path=ppt/slideLayouts/slideLayout13.xml><?xml version="1.0" encoding="utf-8"?>
-<p:sldLayout xmlns:a="http://schemas.openxmlformats.org/drawingml/2006/main" xmlns:r="http://schemas.openxmlformats.org/officeDocument/2006/relationships" xmlns:p="http://schemas.openxmlformats.org/presentationml/2006/main" xmlns:m="http://schemas.openxmlformats.org/officeDocument/2006/math" xmlns:a14="http://schemas.microsoft.com/office/drawing/2010/main" type="tx" showMasterSp="1" showMasterPhAnim="1">
+<p:sldLayout xmlns:a="http://schemas.openxmlformats.org/drawingml/2006/main" xmlns:r="http://schemas.openxmlformats.org/officeDocument/2006/relationships" xmlns:p="http://schemas.openxmlformats.org/presentationml/2006/main" type="tx">
   <p:cSld name="Фото (3 шт.)">
     <p:spTree>
       <p:nvGrpSpPr>
@@ -1410,7 +1413,9 @@
       <p:sp>
         <p:nvSpPr>
           <p:cNvPr id="124" name="941297804_1296x1457.jpg"/>
-          <p:cNvSpPr/>
+          <p:cNvSpPr>
+            <a:spLocks noGrp="1"/>
+          </p:cNvSpPr>
           <p:nvPr>
             <p:ph type="pic" sz="quarter" idx="21"/>
           </p:nvPr>
@@ -1430,14 +1435,16 @@
           </a:bodyPr>
           <a:lstStyle/>
           <a:p>
-            <a:pPr/>
+            <a:endParaRPr/>
           </a:p>
         </p:txBody>
       </p:sp>
       <p:sp>
         <p:nvSpPr>
           <p:cNvPr id="125" name="915009552_2264x1509.jpg"/>
-          <p:cNvSpPr/>
+          <p:cNvSpPr>
+            <a:spLocks noGrp="1"/>
+          </p:cNvSpPr>
           <p:nvPr>
             <p:ph type="pic" sz="quarter" idx="22"/>
           </p:nvPr>
@@ -1457,14 +1464,16 @@
           </a:bodyPr>
           <a:lstStyle/>
           <a:p>
-            <a:pPr/>
+            <a:endParaRPr/>
           </a:p>
         </p:txBody>
       </p:sp>
       <p:sp>
         <p:nvSpPr>
           <p:cNvPr id="126" name="740519873_3318x2212.jpg"/>
-          <p:cNvSpPr/>
+          <p:cNvSpPr>
+            <a:spLocks noGrp="1"/>
+          </p:cNvSpPr>
           <p:nvPr>
             <p:ph type="pic" idx="23"/>
           </p:nvPr>
@@ -1484,14 +1493,16 @@
           </a:bodyPr>
           <a:lstStyle/>
           <a:p>
-            <a:pPr/>
+            <a:endParaRPr/>
           </a:p>
         </p:txBody>
       </p:sp>
       <p:sp>
         <p:nvSpPr>
           <p:cNvPr id="127" name="Номер слайда"/>
-          <p:cNvSpPr txBox="1"/>
+          <p:cNvSpPr txBox="1">
+            <a:spLocks noGrp="1"/>
+          </p:cNvSpPr>
           <p:nvPr>
             <p:ph type="sldNum" sz="quarter" idx="2"/>
           </p:nvPr>
@@ -1509,8 +1520,10 @@
           <a:bodyPr/>
           <a:lstStyle/>
           <a:p>
-            <a:pPr/>
-            <a:fld id="{86CB4B4D-7CA3-9044-876B-883B54F8677D}" type="slidenum"/>
+            <a:fld id="{86CB4B4D-7CA3-9044-876B-883B54F8677D}" type="slidenum">
+              <a:t>‹#›</a:t>
+            </a:fld>
+            <a:endParaRPr/>
           </a:p>
         </p:txBody>
       </p:sp>
@@ -1519,12 +1532,12 @@
   <p:clrMapOvr>
     <a:masterClrMapping/>
   </p:clrMapOvr>
-  <p:transition xmlns:p14="http://schemas.microsoft.com/office/powerpoint/2010/main" spd="med" advClick="1"/>
+  <p:transition spd="med"/>
 </p:sldLayout>
 </file>
 
 <file path=ppt/slideLayouts/slideLayout14.xml><?xml version="1.0" encoding="utf-8"?>
-<p:sldLayout xmlns:a="http://schemas.openxmlformats.org/drawingml/2006/main" xmlns:r="http://schemas.openxmlformats.org/officeDocument/2006/relationships" xmlns:p="http://schemas.openxmlformats.org/presentationml/2006/main" xmlns:m="http://schemas.openxmlformats.org/officeDocument/2006/math" xmlns:a14="http://schemas.microsoft.com/office/drawing/2010/main" type="tx" showMasterSp="1" showMasterPhAnim="1">
+<p:sldLayout xmlns:a="http://schemas.openxmlformats.org/drawingml/2006/main" xmlns:r="http://schemas.openxmlformats.org/officeDocument/2006/relationships" xmlns:p="http://schemas.openxmlformats.org/presentationml/2006/main" type="tx">
   <p:cSld name="Фото">
     <p:spTree>
       <p:nvGrpSpPr>
@@ -1543,7 +1556,9 @@
       <p:sp>
         <p:nvSpPr>
           <p:cNvPr id="134" name="740519873_3318x2212.jpg"/>
-          <p:cNvSpPr/>
+          <p:cNvSpPr>
+            <a:spLocks noGrp="1"/>
+          </p:cNvSpPr>
           <p:nvPr>
             <p:ph type="pic" idx="21"/>
           </p:nvPr>
@@ -1563,14 +1578,16 @@
           </a:bodyPr>
           <a:lstStyle/>
           <a:p>
-            <a:pPr/>
+            <a:endParaRPr/>
           </a:p>
         </p:txBody>
       </p:sp>
       <p:sp>
         <p:nvSpPr>
           <p:cNvPr id="135" name="Номер слайда"/>
-          <p:cNvSpPr txBox="1"/>
+          <p:cNvSpPr txBox="1">
+            <a:spLocks noGrp="1"/>
+          </p:cNvSpPr>
           <p:nvPr>
             <p:ph type="sldNum" sz="quarter" idx="2"/>
           </p:nvPr>
@@ -1588,8 +1605,10 @@
           <a:bodyPr/>
           <a:lstStyle/>
           <a:p>
-            <a:pPr/>
-            <a:fld id="{86CB4B4D-7CA3-9044-876B-883B54F8677D}" type="slidenum"/>
+            <a:fld id="{86CB4B4D-7CA3-9044-876B-883B54F8677D}" type="slidenum">
+              <a:t>‹#›</a:t>
+            </a:fld>
+            <a:endParaRPr/>
           </a:p>
         </p:txBody>
       </p:sp>
@@ -1598,12 +1617,12 @@
   <p:clrMapOvr>
     <a:masterClrMapping/>
   </p:clrMapOvr>
-  <p:transition xmlns:p14="http://schemas.microsoft.com/office/powerpoint/2010/main" spd="med" advClick="1"/>
+  <p:transition spd="med"/>
 </p:sldLayout>
 </file>
 
 <file path=ppt/slideLayouts/slideLayout15.xml><?xml version="1.0" encoding="utf-8"?>
-<p:sldLayout xmlns:a="http://schemas.openxmlformats.org/drawingml/2006/main" xmlns:r="http://schemas.openxmlformats.org/officeDocument/2006/relationships" xmlns:p="http://schemas.openxmlformats.org/presentationml/2006/main" xmlns:m="http://schemas.openxmlformats.org/officeDocument/2006/math" xmlns:a14="http://schemas.microsoft.com/office/drawing/2010/main" type="tx" showMasterSp="1" showMasterPhAnim="1">
+<p:sldLayout xmlns:a="http://schemas.openxmlformats.org/drawingml/2006/main" xmlns:r="http://schemas.openxmlformats.org/officeDocument/2006/relationships" xmlns:p="http://schemas.openxmlformats.org/presentationml/2006/main" type="tx">
   <p:cSld name="Пустой">
     <p:spTree>
       <p:nvGrpSpPr>
@@ -1622,7 +1641,9 @@
       <p:sp>
         <p:nvSpPr>
           <p:cNvPr id="142" name="Номер слайда"/>
-          <p:cNvSpPr txBox="1"/>
+          <p:cNvSpPr txBox="1">
+            <a:spLocks noGrp="1"/>
+          </p:cNvSpPr>
           <p:nvPr>
             <p:ph type="sldNum" sz="quarter" idx="2"/>
           </p:nvPr>
@@ -1640,8 +1661,10 @@
           <a:bodyPr/>
           <a:lstStyle/>
           <a:p>
-            <a:pPr/>
-            <a:fld id="{86CB4B4D-7CA3-9044-876B-883B54F8677D}" type="slidenum"/>
+            <a:fld id="{86CB4B4D-7CA3-9044-876B-883B54F8677D}" type="slidenum">
+              <a:t>‹#›</a:t>
+            </a:fld>
+            <a:endParaRPr/>
           </a:p>
         </p:txBody>
       </p:sp>
@@ -1650,12 +1673,12 @@
   <p:clrMapOvr>
     <a:masterClrMapping/>
   </p:clrMapOvr>
-  <p:transition xmlns:p14="http://schemas.microsoft.com/office/powerpoint/2010/main" spd="med" advClick="1"/>
+  <p:transition spd="med"/>
 </p:sldLayout>
 </file>
 
 <file path=ppt/slideLayouts/slideLayout2.xml><?xml version="1.0" encoding="utf-8"?>
-<p:sldLayout xmlns:a="http://schemas.openxmlformats.org/drawingml/2006/main" xmlns:r="http://schemas.openxmlformats.org/officeDocument/2006/relationships" xmlns:p="http://schemas.openxmlformats.org/presentationml/2006/main" xmlns:m="http://schemas.openxmlformats.org/officeDocument/2006/math" xmlns:a14="http://schemas.microsoft.com/office/drawing/2010/main" type="tx" showMasterSp="1" showMasterPhAnim="1">
+<p:sldLayout xmlns:a="http://schemas.openxmlformats.org/drawingml/2006/main" xmlns:r="http://schemas.openxmlformats.org/officeDocument/2006/relationships" xmlns:p="http://schemas.openxmlformats.org/presentationml/2006/main" type="tx">
   <p:cSld name="Заголовок и фото">
     <p:spTree>
       <p:nvGrpSpPr>
@@ -1674,7 +1697,9 @@
       <p:sp>
         <p:nvSpPr>
           <p:cNvPr id="21" name="740519873_3318x2212.jpg"/>
-          <p:cNvSpPr/>
+          <p:cNvSpPr>
+            <a:spLocks noGrp="1"/>
+          </p:cNvSpPr>
           <p:nvPr>
             <p:ph type="pic" idx="21"/>
           </p:nvPr>
@@ -1694,14 +1719,16 @@
           </a:bodyPr>
           <a:lstStyle/>
           <a:p>
-            <a:pPr/>
+            <a:endParaRPr/>
           </a:p>
         </p:txBody>
       </p:sp>
       <p:sp>
         <p:nvSpPr>
           <p:cNvPr id="22" name="Заголовок презентации"/>
-          <p:cNvSpPr txBox="1"/>
+          <p:cNvSpPr txBox="1">
+            <a:spLocks noGrp="1"/>
+          </p:cNvSpPr>
           <p:nvPr>
             <p:ph type="title" hasCustomPrompt="1"/>
           </p:nvPr>
@@ -1719,7 +1746,7 @@
           <a:bodyPr anchor="b"/>
           <a:lstStyle>
             <a:lvl1pPr>
-              <a:defRPr spc="-128" sz="12800">
+              <a:defRPr sz="12800" spc="-128">
                 <a:solidFill>
                   <a:srgbClr val="FFFFFF"/>
                 </a:solidFill>
@@ -1727,7 +1754,6 @@
             </a:lvl1pPr>
           </a:lstStyle>
           <a:p>
-            <a:pPr/>
             <a:r>
               <a:t>Заголовок презентации</a:t>
             </a:r>
@@ -1737,7 +1763,9 @@
       <p:sp>
         <p:nvSpPr>
           <p:cNvPr id="23" name="Уровень текста 1…"/>
-          <p:cNvSpPr txBox="1"/>
+          <p:cNvSpPr txBox="1">
+            <a:spLocks noGrp="1"/>
+          </p:cNvSpPr>
           <p:nvPr>
             <p:ph type="body" sz="quarter" idx="1" hasCustomPrompt="1"/>
           </p:nvPr>
@@ -1763,7 +1791,7 @@
               </a:spcBef>
               <a:buSzTx/>
               <a:buNone/>
-              <a:defRPr spc="-59" sz="6000">
+              <a:defRPr sz="6000" spc="-59">
                 <a:solidFill>
                   <a:srgbClr val="FFFFFF"/>
                 </a:solidFill>
@@ -1782,7 +1810,7 @@
               </a:spcBef>
               <a:buSzTx/>
               <a:buNone/>
-              <a:defRPr spc="-59" sz="6000">
+              <a:defRPr sz="6000" spc="-59">
                 <a:solidFill>
                   <a:srgbClr val="FFFFFF"/>
                 </a:solidFill>
@@ -1801,7 +1829,7 @@
               </a:spcBef>
               <a:buSzTx/>
               <a:buNone/>
-              <a:defRPr spc="-59" sz="6000">
+              <a:defRPr sz="6000" spc="-59">
                 <a:solidFill>
                   <a:srgbClr val="FFFFFF"/>
                 </a:solidFill>
@@ -1820,7 +1848,7 @@
               </a:spcBef>
               <a:buSzTx/>
               <a:buNone/>
-              <a:defRPr spc="-59" sz="6000">
+              <a:defRPr sz="6000" spc="-59">
                 <a:solidFill>
                   <a:srgbClr val="FFFFFF"/>
                 </a:solidFill>
@@ -1839,7 +1867,7 @@
               </a:spcBef>
               <a:buSzTx/>
               <a:buNone/>
-              <a:defRPr spc="-59" sz="6000">
+              <a:defRPr sz="6000" spc="-59">
                 <a:solidFill>
                   <a:srgbClr val="FFFFFF"/>
                 </a:solidFill>
@@ -1851,41 +1879,34 @@
             </a:lvl5pPr>
           </a:lstStyle>
           <a:p>
-            <a:pPr/>
             <a:r>
               <a:t>Подзаголовок презентации</a:t>
             </a:r>
           </a:p>
           <a:p>
             <a:pPr lvl="1"/>
-            <a:r>
-              <a:t/>
-            </a:r>
+            <a:endParaRPr/>
           </a:p>
           <a:p>
             <a:pPr lvl="2"/>
-            <a:r>
-              <a:t/>
-            </a:r>
+            <a:endParaRPr/>
           </a:p>
           <a:p>
             <a:pPr lvl="3"/>
-            <a:r>
-              <a:t/>
-            </a:r>
+            <a:endParaRPr/>
           </a:p>
           <a:p>
             <a:pPr lvl="4"/>
-            <a:r>
-              <a:t/>
-            </a:r>
+            <a:endParaRPr/>
           </a:p>
         </p:txBody>
       </p:sp>
       <p:sp>
         <p:nvSpPr>
           <p:cNvPr id="24" name="Автор и дата"/>
-          <p:cNvSpPr txBox="1"/>
+          <p:cNvSpPr txBox="1">
+            <a:spLocks noGrp="1"/>
+          </p:cNvSpPr>
           <p:nvPr>
             <p:ph type="body" sz="quarter" idx="22" hasCustomPrompt="1"/>
           </p:nvPr>
@@ -1911,7 +1932,7 @@
               </a:spcBef>
               <a:buSzTx/>
               <a:buNone/>
-              <a:defRPr spc="-29" sz="2940">
+              <a:defRPr sz="2940" spc="-29">
                 <a:solidFill>
                   <a:srgbClr val="FFFFFF"/>
                 </a:solidFill>
@@ -1923,7 +1944,6 @@
             </a:lvl1pPr>
           </a:lstStyle>
           <a:p>
-            <a:pPr/>
             <a:r>
               <a:t>Автор и дата</a:t>
             </a:r>
@@ -1933,7 +1953,9 @@
       <p:sp>
         <p:nvSpPr>
           <p:cNvPr id="25" name="Номер слайда"/>
-          <p:cNvSpPr txBox="1"/>
+          <p:cNvSpPr txBox="1">
+            <a:spLocks noGrp="1"/>
+          </p:cNvSpPr>
           <p:nvPr>
             <p:ph type="sldNum" sz="quarter" idx="2"/>
           </p:nvPr>
@@ -1955,8 +1977,10 @@
             </a:lvl1pPr>
           </a:lstStyle>
           <a:p>
-            <a:pPr/>
-            <a:fld id="{86CB4B4D-7CA3-9044-876B-883B54F8677D}" type="slidenum"/>
+            <a:fld id="{86CB4B4D-7CA3-9044-876B-883B54F8677D}" type="slidenum">
+              <a:t>‹#›</a:t>
+            </a:fld>
+            <a:endParaRPr/>
           </a:p>
         </p:txBody>
       </p:sp>
@@ -1965,12 +1989,12 @@
   <p:clrMapOvr>
     <a:masterClrMapping/>
   </p:clrMapOvr>
-  <p:transition xmlns:p14="http://schemas.microsoft.com/office/powerpoint/2010/main" spd="med" advClick="1"/>
+  <p:transition spd="med"/>
 </p:sldLayout>
 </file>
 
 <file path=ppt/slideLayouts/slideLayout3.xml><?xml version="1.0" encoding="utf-8"?>
-<p:sldLayout xmlns:a="http://schemas.openxmlformats.org/drawingml/2006/main" xmlns:r="http://schemas.openxmlformats.org/officeDocument/2006/relationships" xmlns:p="http://schemas.openxmlformats.org/presentationml/2006/main" xmlns:m="http://schemas.openxmlformats.org/officeDocument/2006/math" xmlns:a14="http://schemas.microsoft.com/office/drawing/2010/main" type="tx" showMasterSp="1" showMasterPhAnim="1">
+<p:sldLayout xmlns:a="http://schemas.openxmlformats.org/drawingml/2006/main" xmlns:r="http://schemas.openxmlformats.org/officeDocument/2006/relationships" xmlns:p="http://schemas.openxmlformats.org/presentationml/2006/main" type="tx">
   <p:cSld name="Заголовок и фото (вариант)">
     <p:spTree>
       <p:nvGrpSpPr>
@@ -1989,7 +2013,9 @@
       <p:sp>
         <p:nvSpPr>
           <p:cNvPr id="32" name="Заголовок слайда"/>
-          <p:cNvSpPr txBox="1"/>
+          <p:cNvSpPr txBox="1">
+            <a:spLocks noGrp="1"/>
+          </p:cNvSpPr>
           <p:nvPr>
             <p:ph type="title" hasCustomPrompt="1"/>
           </p:nvPr>
@@ -2007,7 +2033,6 @@
           <a:bodyPr anchor="b"/>
           <a:lstStyle/>
           <a:p>
-            <a:pPr/>
             <a:r>
               <a:t>Заголовок слайда</a:t>
             </a:r>
@@ -2017,7 +2042,9 @@
       <p:sp>
         <p:nvSpPr>
           <p:cNvPr id="33" name="Изображение"/>
-          <p:cNvSpPr/>
+          <p:cNvSpPr>
+            <a:spLocks noGrp="1"/>
+          </p:cNvSpPr>
           <p:nvPr>
             <p:ph type="pic" idx="21"/>
           </p:nvPr>
@@ -2037,14 +2064,16 @@
           </a:bodyPr>
           <a:lstStyle/>
           <a:p>
-            <a:pPr/>
+            <a:endParaRPr/>
           </a:p>
         </p:txBody>
       </p:sp>
       <p:sp>
         <p:nvSpPr>
           <p:cNvPr id="34" name="Уровень текста 1…"/>
-          <p:cNvSpPr txBox="1"/>
+          <p:cNvSpPr txBox="1">
+            <a:spLocks noGrp="1"/>
+          </p:cNvSpPr>
           <p:nvPr>
             <p:ph type="body" sz="quarter" idx="1" hasCustomPrompt="1"/>
           </p:nvPr>
@@ -2143,41 +2172,34 @@
             </a:lvl5pPr>
           </a:lstStyle>
           <a:p>
-            <a:pPr/>
             <a:r>
               <a:t>Подзаголовок слайда</a:t>
             </a:r>
           </a:p>
           <a:p>
             <a:pPr lvl="1"/>
-            <a:r>
-              <a:t/>
-            </a:r>
+            <a:endParaRPr/>
           </a:p>
           <a:p>
             <a:pPr lvl="2"/>
-            <a:r>
-              <a:t/>
-            </a:r>
+            <a:endParaRPr/>
           </a:p>
           <a:p>
             <a:pPr lvl="3"/>
-            <a:r>
-              <a:t/>
-            </a:r>
+            <a:endParaRPr/>
           </a:p>
           <a:p>
             <a:pPr lvl="4"/>
-            <a:r>
-              <a:t/>
-            </a:r>
+            <a:endParaRPr/>
           </a:p>
         </p:txBody>
       </p:sp>
       <p:sp>
         <p:nvSpPr>
           <p:cNvPr id="35" name="Номер слайда"/>
-          <p:cNvSpPr txBox="1"/>
+          <p:cNvSpPr txBox="1">
+            <a:spLocks noGrp="1"/>
+          </p:cNvSpPr>
           <p:nvPr>
             <p:ph type="sldNum" sz="quarter" idx="2"/>
           </p:nvPr>
@@ -2191,8 +2213,10 @@
           <a:bodyPr/>
           <a:lstStyle/>
           <a:p>
-            <a:pPr/>
-            <a:fld id="{86CB4B4D-7CA3-9044-876B-883B54F8677D}" type="slidenum"/>
+            <a:fld id="{86CB4B4D-7CA3-9044-876B-883B54F8677D}" type="slidenum">
+              <a:t>‹#›</a:t>
+            </a:fld>
+            <a:endParaRPr/>
           </a:p>
         </p:txBody>
       </p:sp>
@@ -2201,12 +2225,12 @@
   <p:clrMapOvr>
     <a:masterClrMapping/>
   </p:clrMapOvr>
-  <p:transition xmlns:p14="http://schemas.microsoft.com/office/powerpoint/2010/main" spd="med" advClick="1"/>
+  <p:transition spd="med"/>
 </p:sldLayout>
 </file>
 
 <file path=ppt/slideLayouts/slideLayout4.xml><?xml version="1.0" encoding="utf-8"?>
-<p:sldLayout xmlns:a="http://schemas.openxmlformats.org/drawingml/2006/main" xmlns:r="http://schemas.openxmlformats.org/officeDocument/2006/relationships" xmlns:p="http://schemas.openxmlformats.org/presentationml/2006/main" xmlns:m="http://schemas.openxmlformats.org/officeDocument/2006/math" xmlns:a14="http://schemas.microsoft.com/office/drawing/2010/main" type="tx" showMasterSp="1" showMasterPhAnim="1">
+<p:sldLayout xmlns:a="http://schemas.openxmlformats.org/drawingml/2006/main" xmlns:r="http://schemas.openxmlformats.org/officeDocument/2006/relationships" xmlns:p="http://schemas.openxmlformats.org/presentationml/2006/main" type="tx">
   <p:cSld name="Заголовок и пункты">
     <p:spTree>
       <p:nvGrpSpPr>
@@ -2225,7 +2249,9 @@
       <p:sp>
         <p:nvSpPr>
           <p:cNvPr id="42" name="Заголовок слайда"/>
-          <p:cNvSpPr txBox="1"/>
+          <p:cNvSpPr txBox="1">
+            <a:spLocks noGrp="1"/>
+          </p:cNvSpPr>
           <p:nvPr>
             <p:ph type="title" hasCustomPrompt="1"/>
           </p:nvPr>
@@ -2239,7 +2265,6 @@
           <a:bodyPr/>
           <a:lstStyle/>
           <a:p>
-            <a:pPr/>
             <a:r>
               <a:t>Заголовок слайда</a:t>
             </a:r>
@@ -2249,7 +2274,9 @@
       <p:sp>
         <p:nvSpPr>
           <p:cNvPr id="43" name="Уровень текста 1…"/>
-          <p:cNvSpPr txBox="1"/>
+          <p:cNvSpPr txBox="1">
+            <a:spLocks noGrp="1"/>
+          </p:cNvSpPr>
           <p:nvPr>
             <p:ph type="body" idx="1" hasCustomPrompt="1"/>
           </p:nvPr>
@@ -2263,41 +2290,34 @@
           <a:bodyPr/>
           <a:lstStyle/>
           <a:p>
-            <a:pPr/>
             <a:r>
               <a:t>Текст пункта на слайде</a:t>
             </a:r>
           </a:p>
           <a:p>
             <a:pPr lvl="1"/>
-            <a:r>
-              <a:t/>
-            </a:r>
+            <a:endParaRPr/>
           </a:p>
           <a:p>
             <a:pPr lvl="2"/>
-            <a:r>
-              <a:t/>
-            </a:r>
+            <a:endParaRPr/>
           </a:p>
           <a:p>
             <a:pPr lvl="3"/>
-            <a:r>
-              <a:t/>
-            </a:r>
+            <a:endParaRPr/>
           </a:p>
           <a:p>
             <a:pPr lvl="4"/>
-            <a:r>
-              <a:t/>
-            </a:r>
+            <a:endParaRPr/>
           </a:p>
         </p:txBody>
       </p:sp>
       <p:sp>
         <p:nvSpPr>
           <p:cNvPr id="44" name="Подзаголовок слайда"/>
-          <p:cNvSpPr txBox="1"/>
+          <p:cNvSpPr txBox="1">
+            <a:spLocks noGrp="1"/>
+          </p:cNvSpPr>
           <p:nvPr>
             <p:ph type="body" sz="quarter" idx="21" hasCustomPrompt="1"/>
           </p:nvPr>
@@ -2323,7 +2343,7 @@
               </a:spcBef>
               <a:buSzTx/>
               <a:buNone/>
-              <a:defRPr spc="-42" sz="4224">
+              <a:defRPr sz="4224" spc="-42">
                 <a:latin typeface="Avenir Next Demi Bold"/>
                 <a:ea typeface="Avenir Next Demi Bold"/>
                 <a:cs typeface="Avenir Next Demi Bold"/>
@@ -2332,7 +2352,6 @@
             </a:lvl1pPr>
           </a:lstStyle>
           <a:p>
-            <a:pPr/>
             <a:r>
               <a:t>Подзаголовок слайда</a:t>
             </a:r>
@@ -2342,7 +2361,9 @@
       <p:sp>
         <p:nvSpPr>
           <p:cNvPr id="45" name="Номер слайда"/>
-          <p:cNvSpPr txBox="1"/>
+          <p:cNvSpPr txBox="1">
+            <a:spLocks noGrp="1"/>
+          </p:cNvSpPr>
           <p:nvPr>
             <p:ph type="sldNum" sz="quarter" idx="2"/>
           </p:nvPr>
@@ -2356,8 +2377,10 @@
           <a:bodyPr/>
           <a:lstStyle/>
           <a:p>
-            <a:pPr/>
-            <a:fld id="{86CB4B4D-7CA3-9044-876B-883B54F8677D}" type="slidenum"/>
+            <a:fld id="{86CB4B4D-7CA3-9044-876B-883B54F8677D}" type="slidenum">
+              <a:t>‹#›</a:t>
+            </a:fld>
+            <a:endParaRPr/>
           </a:p>
         </p:txBody>
       </p:sp>
@@ -2366,12 +2389,12 @@
   <p:clrMapOvr>
     <a:masterClrMapping/>
   </p:clrMapOvr>
-  <p:transition xmlns:p14="http://schemas.microsoft.com/office/powerpoint/2010/main" spd="med" advClick="1"/>
+  <p:transition spd="med"/>
 </p:sldLayout>
 </file>
 
 <file path=ppt/slideLayouts/slideLayout5.xml><?xml version="1.0" encoding="utf-8"?>
-<p:sldLayout xmlns:a="http://schemas.openxmlformats.org/drawingml/2006/main" xmlns:r="http://schemas.openxmlformats.org/officeDocument/2006/relationships" xmlns:p="http://schemas.openxmlformats.org/presentationml/2006/main" xmlns:m="http://schemas.openxmlformats.org/officeDocument/2006/math" xmlns:a14="http://schemas.microsoft.com/office/drawing/2010/main" type="tx" showMasterSp="1" showMasterPhAnim="1">
+<p:sldLayout xmlns:a="http://schemas.openxmlformats.org/drawingml/2006/main" xmlns:r="http://schemas.openxmlformats.org/officeDocument/2006/relationships" xmlns:p="http://schemas.openxmlformats.org/presentationml/2006/main" type="tx">
   <p:cSld name="Пункты">
     <p:spTree>
       <p:nvGrpSpPr>
@@ -2390,7 +2413,9 @@
       <p:sp>
         <p:nvSpPr>
           <p:cNvPr id="52" name="Уровень текста 1…"/>
-          <p:cNvSpPr txBox="1"/>
+          <p:cNvSpPr txBox="1">
+            <a:spLocks noGrp="1"/>
+          </p:cNvSpPr>
           <p:nvPr>
             <p:ph type="body" idx="1" hasCustomPrompt="1"/>
           </p:nvPr>
@@ -2408,41 +2433,34 @@
           <a:bodyPr numCol="2" spcCol="2558384"/>
           <a:lstStyle/>
           <a:p>
-            <a:pPr/>
             <a:r>
               <a:t>Текст пункта на слайде</a:t>
             </a:r>
           </a:p>
           <a:p>
             <a:pPr lvl="1"/>
-            <a:r>
-              <a:t/>
-            </a:r>
+            <a:endParaRPr/>
           </a:p>
           <a:p>
             <a:pPr lvl="2"/>
-            <a:r>
-              <a:t/>
-            </a:r>
+            <a:endParaRPr/>
           </a:p>
           <a:p>
             <a:pPr lvl="3"/>
-            <a:r>
-              <a:t/>
-            </a:r>
+            <a:endParaRPr/>
           </a:p>
           <a:p>
             <a:pPr lvl="4"/>
-            <a:r>
-              <a:t/>
-            </a:r>
+            <a:endParaRPr/>
           </a:p>
         </p:txBody>
       </p:sp>
       <p:sp>
         <p:nvSpPr>
           <p:cNvPr id="53" name="Номер слайда"/>
-          <p:cNvSpPr txBox="1"/>
+          <p:cNvSpPr txBox="1">
+            <a:spLocks noGrp="1"/>
+          </p:cNvSpPr>
           <p:nvPr>
             <p:ph type="sldNum" sz="quarter" idx="2"/>
           </p:nvPr>
@@ -2460,8 +2478,10 @@
           <a:bodyPr/>
           <a:lstStyle/>
           <a:p>
-            <a:pPr/>
-            <a:fld id="{86CB4B4D-7CA3-9044-876B-883B54F8677D}" type="slidenum"/>
+            <a:fld id="{86CB4B4D-7CA3-9044-876B-883B54F8677D}" type="slidenum">
+              <a:t>‹#›</a:t>
+            </a:fld>
+            <a:endParaRPr/>
           </a:p>
         </p:txBody>
       </p:sp>
@@ -2470,12 +2490,12 @@
   <p:clrMapOvr>
     <a:masterClrMapping/>
   </p:clrMapOvr>
-  <p:transition xmlns:p14="http://schemas.microsoft.com/office/powerpoint/2010/main" spd="med" advClick="1"/>
+  <p:transition spd="med"/>
 </p:sldLayout>
 </file>
 
 <file path=ppt/slideLayouts/slideLayout6.xml><?xml version="1.0" encoding="utf-8"?>
-<p:sldLayout xmlns:a="http://schemas.openxmlformats.org/drawingml/2006/main" xmlns:r="http://schemas.openxmlformats.org/officeDocument/2006/relationships" xmlns:p="http://schemas.openxmlformats.org/presentationml/2006/main" xmlns:m="http://schemas.openxmlformats.org/officeDocument/2006/math" xmlns:a14="http://schemas.microsoft.com/office/drawing/2010/main" type="tx" showMasterSp="1" showMasterPhAnim="1">
+<p:sldLayout xmlns:a="http://schemas.openxmlformats.org/drawingml/2006/main" xmlns:r="http://schemas.openxmlformats.org/officeDocument/2006/relationships" xmlns:p="http://schemas.openxmlformats.org/presentationml/2006/main" type="tx">
   <p:cSld name="Заголовок, пункты и фото">
     <p:spTree>
       <p:nvGrpSpPr>
@@ -2494,7 +2514,9 @@
       <p:sp>
         <p:nvSpPr>
           <p:cNvPr id="60" name="Заголовок слайда"/>
-          <p:cNvSpPr txBox="1"/>
+          <p:cNvSpPr txBox="1">
+            <a:spLocks noGrp="1"/>
+          </p:cNvSpPr>
           <p:nvPr>
             <p:ph type="title" hasCustomPrompt="1"/>
           </p:nvPr>
@@ -2512,7 +2534,6 @@
           <a:bodyPr/>
           <a:lstStyle/>
           <a:p>
-            <a:pPr/>
             <a:r>
               <a:t>Заголовок слайда</a:t>
             </a:r>
@@ -2522,7 +2543,9 @@
       <p:sp>
         <p:nvSpPr>
           <p:cNvPr id="61" name="Изображение"/>
-          <p:cNvSpPr/>
+          <p:cNvSpPr>
+            <a:spLocks noGrp="1"/>
+          </p:cNvSpPr>
           <p:nvPr>
             <p:ph type="pic" idx="21"/>
           </p:nvPr>
@@ -2542,14 +2565,16 @@
           </a:bodyPr>
           <a:lstStyle/>
           <a:p>
-            <a:pPr/>
+            <a:endParaRPr/>
           </a:p>
         </p:txBody>
       </p:sp>
       <p:sp>
         <p:nvSpPr>
           <p:cNvPr id="62" name="Подзаголовок слайда"/>
-          <p:cNvSpPr txBox="1"/>
+          <p:cNvSpPr txBox="1">
+            <a:spLocks noGrp="1"/>
+          </p:cNvSpPr>
           <p:nvPr>
             <p:ph type="body" sz="quarter" idx="22" hasCustomPrompt="1"/>
           </p:nvPr>
@@ -2575,7 +2600,7 @@
               </a:spcBef>
               <a:buSzTx/>
               <a:buNone/>
-              <a:defRPr spc="-42" sz="4224">
+              <a:defRPr sz="4224" spc="-42">
                 <a:latin typeface="Avenir Next Demi Bold"/>
                 <a:ea typeface="Avenir Next Demi Bold"/>
                 <a:cs typeface="Avenir Next Demi Bold"/>
@@ -2584,7 +2609,6 @@
             </a:lvl1pPr>
           </a:lstStyle>
           <a:p>
-            <a:pPr/>
             <a:r>
               <a:t>Подзаголовок слайда</a:t>
             </a:r>
@@ -2594,7 +2618,9 @@
       <p:sp>
         <p:nvSpPr>
           <p:cNvPr id="63" name="Уровень текста 1…"/>
-          <p:cNvSpPr txBox="1"/>
+          <p:cNvSpPr txBox="1">
+            <a:spLocks noGrp="1"/>
+          </p:cNvSpPr>
           <p:nvPr>
             <p:ph type="body" sz="half" idx="1" hasCustomPrompt="1"/>
           </p:nvPr>
@@ -2612,41 +2638,34 @@
           <a:bodyPr/>
           <a:lstStyle/>
           <a:p>
-            <a:pPr/>
             <a:r>
               <a:t>Текст пункта на слайде</a:t>
             </a:r>
           </a:p>
           <a:p>
             <a:pPr lvl="1"/>
-            <a:r>
-              <a:t/>
-            </a:r>
+            <a:endParaRPr/>
           </a:p>
           <a:p>
             <a:pPr lvl="2"/>
-            <a:r>
-              <a:t/>
-            </a:r>
+            <a:endParaRPr/>
           </a:p>
           <a:p>
             <a:pPr lvl="3"/>
-            <a:r>
-              <a:t/>
-            </a:r>
+            <a:endParaRPr/>
           </a:p>
           <a:p>
             <a:pPr lvl="4"/>
-            <a:r>
-              <a:t/>
-            </a:r>
+            <a:endParaRPr/>
           </a:p>
         </p:txBody>
       </p:sp>
       <p:sp>
         <p:nvSpPr>
           <p:cNvPr id="64" name="Номер слайда"/>
-          <p:cNvSpPr txBox="1"/>
+          <p:cNvSpPr txBox="1">
+            <a:spLocks noGrp="1"/>
+          </p:cNvSpPr>
           <p:nvPr>
             <p:ph type="sldNum" sz="quarter" idx="2"/>
           </p:nvPr>
@@ -2664,8 +2683,10 @@
           <a:bodyPr/>
           <a:lstStyle/>
           <a:p>
-            <a:pPr/>
-            <a:fld id="{86CB4B4D-7CA3-9044-876B-883B54F8677D}" type="slidenum"/>
+            <a:fld id="{86CB4B4D-7CA3-9044-876B-883B54F8677D}" type="slidenum">
+              <a:t>‹#›</a:t>
+            </a:fld>
+            <a:endParaRPr/>
           </a:p>
         </p:txBody>
       </p:sp>
@@ -2674,12 +2695,12 @@
   <p:clrMapOvr>
     <a:masterClrMapping/>
   </p:clrMapOvr>
-  <p:transition xmlns:p14="http://schemas.microsoft.com/office/powerpoint/2010/main" spd="med" advClick="1"/>
+  <p:transition spd="med"/>
 </p:sldLayout>
 </file>
 
 <file path=ppt/slideLayouts/slideLayout7.xml><?xml version="1.0" encoding="utf-8"?>
-<p:sldLayout xmlns:a="http://schemas.openxmlformats.org/drawingml/2006/main" xmlns:r="http://schemas.openxmlformats.org/officeDocument/2006/relationships" xmlns:p="http://schemas.openxmlformats.org/presentationml/2006/main" xmlns:m="http://schemas.openxmlformats.org/officeDocument/2006/math" xmlns:a14="http://schemas.microsoft.com/office/drawing/2010/main" type="tx" showMasterSp="1" showMasterPhAnim="1">
+<p:sldLayout xmlns:a="http://schemas.openxmlformats.org/drawingml/2006/main" xmlns:r="http://schemas.openxmlformats.org/officeDocument/2006/relationships" xmlns:p="http://schemas.openxmlformats.org/presentationml/2006/main" type="tx">
   <p:cSld name="Раздел">
     <p:spTree>
       <p:nvGrpSpPr>
@@ -2698,7 +2719,9 @@
       <p:sp>
         <p:nvSpPr>
           <p:cNvPr id="71" name="Заголовок раздела"/>
-          <p:cNvSpPr txBox="1"/>
+          <p:cNvSpPr txBox="1">
+            <a:spLocks noGrp="1"/>
+          </p:cNvSpPr>
           <p:nvPr>
             <p:ph type="title" hasCustomPrompt="1"/>
           </p:nvPr>
@@ -2716,11 +2739,10 @@
           <a:bodyPr anchor="ctr"/>
           <a:lstStyle>
             <a:lvl1pPr>
-              <a:defRPr spc="0" sz="12800"/>
+              <a:defRPr sz="12800" spc="0"/>
             </a:lvl1pPr>
           </a:lstStyle>
           <a:p>
-            <a:pPr/>
             <a:r>
               <a:t>Заголовок раздела</a:t>
             </a:r>
@@ -2730,7 +2752,9 @@
       <p:sp>
         <p:nvSpPr>
           <p:cNvPr id="72" name="Номер слайда"/>
-          <p:cNvSpPr txBox="1"/>
+          <p:cNvSpPr txBox="1">
+            <a:spLocks noGrp="1"/>
+          </p:cNvSpPr>
           <p:nvPr>
             <p:ph type="sldNum" sz="quarter" idx="2"/>
           </p:nvPr>
@@ -2748,8 +2772,10 @@
           <a:bodyPr/>
           <a:lstStyle/>
           <a:p>
-            <a:pPr/>
-            <a:fld id="{86CB4B4D-7CA3-9044-876B-883B54F8677D}" type="slidenum"/>
+            <a:fld id="{86CB4B4D-7CA3-9044-876B-883B54F8677D}" type="slidenum">
+              <a:t>‹#›</a:t>
+            </a:fld>
+            <a:endParaRPr/>
           </a:p>
         </p:txBody>
       </p:sp>
@@ -2758,12 +2784,12 @@
   <p:clrMapOvr>
     <a:masterClrMapping/>
   </p:clrMapOvr>
-  <p:transition xmlns:p14="http://schemas.microsoft.com/office/powerpoint/2010/main" spd="med" advClick="1"/>
+  <p:transition spd="med"/>
 </p:sldLayout>
 </file>
 
 <file path=ppt/slideLayouts/slideLayout8.xml><?xml version="1.0" encoding="utf-8"?>
-<p:sldLayout xmlns:a="http://schemas.openxmlformats.org/drawingml/2006/main" xmlns:r="http://schemas.openxmlformats.org/officeDocument/2006/relationships" xmlns:p="http://schemas.openxmlformats.org/presentationml/2006/main" xmlns:m="http://schemas.openxmlformats.org/officeDocument/2006/math" xmlns:a14="http://schemas.microsoft.com/office/drawing/2010/main" type="tx" showMasterSp="1" showMasterPhAnim="1">
+<p:sldLayout xmlns:a="http://schemas.openxmlformats.org/drawingml/2006/main" xmlns:r="http://schemas.openxmlformats.org/officeDocument/2006/relationships" xmlns:p="http://schemas.openxmlformats.org/presentationml/2006/main" type="tx">
   <p:cSld name="Только заголовок">
     <p:spTree>
       <p:nvGrpSpPr>
@@ -2782,7 +2808,9 @@
       <p:sp>
         <p:nvSpPr>
           <p:cNvPr id="79" name="Заголовок слайда"/>
-          <p:cNvSpPr txBox="1"/>
+          <p:cNvSpPr txBox="1">
+            <a:spLocks noGrp="1"/>
+          </p:cNvSpPr>
           <p:nvPr>
             <p:ph type="title" hasCustomPrompt="1"/>
           </p:nvPr>
@@ -2796,7 +2824,6 @@
           <a:bodyPr/>
           <a:lstStyle/>
           <a:p>
-            <a:pPr/>
             <a:r>
               <a:t>Заголовок слайда</a:t>
             </a:r>
@@ -2806,7 +2833,9 @@
       <p:sp>
         <p:nvSpPr>
           <p:cNvPr id="80" name="Подзаголовок слайда"/>
-          <p:cNvSpPr txBox="1"/>
+          <p:cNvSpPr txBox="1">
+            <a:spLocks noGrp="1"/>
+          </p:cNvSpPr>
           <p:nvPr>
             <p:ph type="body" sz="quarter" idx="21" hasCustomPrompt="1"/>
           </p:nvPr>
@@ -2832,7 +2861,7 @@
               </a:spcBef>
               <a:buSzTx/>
               <a:buNone/>
-              <a:defRPr spc="-42" sz="4224">
+              <a:defRPr sz="4224" spc="-42">
                 <a:latin typeface="Avenir Next Demi Bold"/>
                 <a:ea typeface="Avenir Next Demi Bold"/>
                 <a:cs typeface="Avenir Next Demi Bold"/>
@@ -2841,7 +2870,6 @@
             </a:lvl1pPr>
           </a:lstStyle>
           <a:p>
-            <a:pPr/>
             <a:r>
               <a:t>Подзаголовок слайда</a:t>
             </a:r>
@@ -2851,7 +2879,9 @@
       <p:sp>
         <p:nvSpPr>
           <p:cNvPr id="81" name="Номер слайда"/>
-          <p:cNvSpPr txBox="1"/>
+          <p:cNvSpPr txBox="1">
+            <a:spLocks noGrp="1"/>
+          </p:cNvSpPr>
           <p:nvPr>
             <p:ph type="sldNum" sz="quarter" idx="2"/>
           </p:nvPr>
@@ -2869,8 +2899,10 @@
           <a:bodyPr/>
           <a:lstStyle/>
           <a:p>
-            <a:pPr/>
-            <a:fld id="{86CB4B4D-7CA3-9044-876B-883B54F8677D}" type="slidenum"/>
+            <a:fld id="{86CB4B4D-7CA3-9044-876B-883B54F8677D}" type="slidenum">
+              <a:t>‹#›</a:t>
+            </a:fld>
+            <a:endParaRPr/>
           </a:p>
         </p:txBody>
       </p:sp>
@@ -2879,12 +2911,12 @@
   <p:clrMapOvr>
     <a:masterClrMapping/>
   </p:clrMapOvr>
-  <p:transition xmlns:p14="http://schemas.microsoft.com/office/powerpoint/2010/main" spd="med" advClick="1"/>
+  <p:transition spd="med"/>
 </p:sldLayout>
 </file>
 
 <file path=ppt/slideLayouts/slideLayout9.xml><?xml version="1.0" encoding="utf-8"?>
-<p:sldLayout xmlns:a="http://schemas.openxmlformats.org/drawingml/2006/main" xmlns:r="http://schemas.openxmlformats.org/officeDocument/2006/relationships" xmlns:p="http://schemas.openxmlformats.org/presentationml/2006/main" xmlns:m="http://schemas.openxmlformats.org/officeDocument/2006/math" xmlns:a14="http://schemas.microsoft.com/office/drawing/2010/main" type="tx" showMasterSp="1" showMasterPhAnim="1">
+<p:sldLayout xmlns:a="http://schemas.openxmlformats.org/drawingml/2006/main" xmlns:r="http://schemas.openxmlformats.org/officeDocument/2006/relationships" xmlns:p="http://schemas.openxmlformats.org/presentationml/2006/main" type="tx">
   <p:cSld name="Повестка дня">
     <p:spTree>
       <p:nvGrpSpPr>
@@ -2903,7 +2935,9 @@
       <p:sp>
         <p:nvSpPr>
           <p:cNvPr id="88" name="Заголовок повестки дня"/>
-          <p:cNvSpPr txBox="1"/>
+          <p:cNvSpPr txBox="1">
+            <a:spLocks noGrp="1"/>
+          </p:cNvSpPr>
           <p:nvPr>
             <p:ph type="title" hasCustomPrompt="1"/>
           </p:nvPr>
@@ -2917,7 +2951,6 @@
           <a:bodyPr/>
           <a:lstStyle/>
           <a:p>
-            <a:pPr/>
             <a:r>
               <a:t>Заголовок повестки дня</a:t>
             </a:r>
@@ -2927,7 +2960,9 @@
       <p:sp>
         <p:nvSpPr>
           <p:cNvPr id="89" name="Уровень текста 1…"/>
-          <p:cNvSpPr txBox="1"/>
+          <p:cNvSpPr txBox="1">
+            <a:spLocks noGrp="1"/>
+          </p:cNvSpPr>
           <p:nvPr>
             <p:ph type="body" idx="1" hasCustomPrompt="1"/>
           </p:nvPr>
@@ -2950,7 +2985,7 @@
               </a:lnSpc>
               <a:buSzTx/>
               <a:buNone/>
-              <a:defRPr spc="-136" sz="6800">
+              <a:defRPr sz="6800" spc="-136">
                 <a:latin typeface="Canela Deck Regular"/>
                 <a:ea typeface="Canela Deck Regular"/>
                 <a:cs typeface="Canela Deck Regular"/>
@@ -2963,7 +2998,7 @@
               </a:lnSpc>
               <a:buSzTx/>
               <a:buNone/>
-              <a:defRPr spc="-136" sz="6800">
+              <a:defRPr sz="6800" spc="-136">
                 <a:latin typeface="Canela Deck Regular"/>
                 <a:ea typeface="Canela Deck Regular"/>
                 <a:cs typeface="Canela Deck Regular"/>
@@ -2976,7 +3011,7 @@
               </a:lnSpc>
               <a:buSzTx/>
               <a:buNone/>
-              <a:defRPr spc="-136" sz="6800">
+              <a:defRPr sz="6800" spc="-136">
                 <a:latin typeface="Canela Deck Regular"/>
                 <a:ea typeface="Canela Deck Regular"/>
                 <a:cs typeface="Canela Deck Regular"/>
@@ -2989,7 +3024,7 @@
               </a:lnSpc>
               <a:buSzTx/>
               <a:buNone/>
-              <a:defRPr spc="-136" sz="6800">
+              <a:defRPr sz="6800" spc="-136">
                 <a:latin typeface="Canela Deck Regular"/>
                 <a:ea typeface="Canela Deck Regular"/>
                 <a:cs typeface="Canela Deck Regular"/>
@@ -3002,7 +3037,7 @@
               </a:lnSpc>
               <a:buSzTx/>
               <a:buNone/>
-              <a:defRPr spc="-136" sz="6800">
+              <a:defRPr sz="6800" spc="-136">
                 <a:latin typeface="Canela Deck Regular"/>
                 <a:ea typeface="Canela Deck Regular"/>
                 <a:cs typeface="Canela Deck Regular"/>
@@ -3011,41 +3046,34 @@
             </a:lvl5pPr>
           </a:lstStyle>
           <a:p>
-            <a:pPr/>
             <a:r>
               <a:t>Темы повестки дня</a:t>
             </a:r>
           </a:p>
           <a:p>
             <a:pPr lvl="1"/>
-            <a:r>
-              <a:t/>
-            </a:r>
+            <a:endParaRPr/>
           </a:p>
           <a:p>
             <a:pPr lvl="2"/>
-            <a:r>
-              <a:t/>
-            </a:r>
+            <a:endParaRPr/>
           </a:p>
           <a:p>
             <a:pPr lvl="3"/>
-            <a:r>
-              <a:t/>
-            </a:r>
+            <a:endParaRPr/>
           </a:p>
           <a:p>
             <a:pPr lvl="4"/>
-            <a:r>
-              <a:t/>
-            </a:r>
+            <a:endParaRPr/>
           </a:p>
         </p:txBody>
       </p:sp>
       <p:sp>
         <p:nvSpPr>
           <p:cNvPr id="90" name="Подзаголовок повестки дня"/>
-          <p:cNvSpPr txBox="1"/>
+          <p:cNvSpPr txBox="1">
+            <a:spLocks noGrp="1"/>
+          </p:cNvSpPr>
           <p:nvPr>
             <p:ph type="body" sz="quarter" idx="21" hasCustomPrompt="1"/>
           </p:nvPr>
@@ -3071,7 +3099,7 @@
               </a:spcBef>
               <a:buSzTx/>
               <a:buNone/>
-              <a:defRPr spc="-42" sz="4224">
+              <a:defRPr sz="4224" spc="-42">
                 <a:latin typeface="Avenir Next Demi Bold"/>
                 <a:ea typeface="Avenir Next Demi Bold"/>
                 <a:cs typeface="Avenir Next Demi Bold"/>
@@ -3080,7 +3108,6 @@
             </a:lvl1pPr>
           </a:lstStyle>
           <a:p>
-            <a:pPr/>
             <a:r>
               <a:t>Подзаголовок повестки дня</a:t>
             </a:r>
@@ -3090,7 +3117,9 @@
       <p:sp>
         <p:nvSpPr>
           <p:cNvPr id="91" name="Номер слайда"/>
-          <p:cNvSpPr txBox="1"/>
+          <p:cNvSpPr txBox="1">
+            <a:spLocks noGrp="1"/>
+          </p:cNvSpPr>
           <p:nvPr>
             <p:ph type="sldNum" sz="quarter" idx="2"/>
           </p:nvPr>
@@ -3108,8 +3137,10 @@
           <a:bodyPr/>
           <a:lstStyle/>
           <a:p>
-            <a:pPr/>
-            <a:fld id="{86CB4B4D-7CA3-9044-876B-883B54F8677D}" type="slidenum"/>
+            <a:fld id="{86CB4B4D-7CA3-9044-876B-883B54F8677D}" type="slidenum">
+              <a:t>‹#›</a:t>
+            </a:fld>
+            <a:endParaRPr/>
           </a:p>
         </p:txBody>
       </p:sp>
@@ -3118,18 +3149,19 @@
   <p:clrMapOvr>
     <a:masterClrMapping/>
   </p:clrMapOvr>
-  <p:transition xmlns:p14="http://schemas.microsoft.com/office/powerpoint/2010/main" spd="med" advClick="1"/>
+  <p:transition spd="med"/>
 </p:sldLayout>
 </file>
 
 <file path=ppt/slideMasters/slideMaster1.xml><?xml version="1.0" encoding="utf-8"?>
-<p:sldMaster xmlns:a="http://schemas.openxmlformats.org/drawingml/2006/main" xmlns:r="http://schemas.openxmlformats.org/officeDocument/2006/relationships" xmlns:p="http://schemas.openxmlformats.org/presentationml/2006/main" xmlns:m="http://schemas.openxmlformats.org/officeDocument/2006/math" xmlns:a14="http://schemas.microsoft.com/office/drawing/2010/main">
+<p:sldMaster xmlns:a="http://schemas.openxmlformats.org/drawingml/2006/main" xmlns:r="http://schemas.openxmlformats.org/officeDocument/2006/relationships" xmlns:p="http://schemas.openxmlformats.org/presentationml/2006/main">
   <p:cSld>
     <p:bg>
       <p:bgPr>
         <a:solidFill>
           <a:srgbClr val="FFFFFF"/>
         </a:solidFill>
+        <a:effectLst/>
       </p:bgPr>
     </p:bg>
     <p:spTree>
@@ -3149,7 +3181,9 @@
       <p:sp>
         <p:nvSpPr>
           <p:cNvPr id="2" name="Заголовок слайда"/>
-          <p:cNvSpPr txBox="1"/>
+          <p:cNvSpPr txBox="1">
+            <a:spLocks noGrp="1"/>
+          </p:cNvSpPr>
           <p:nvPr>
             <p:ph type="title" hasCustomPrompt="1"/>
           </p:nvPr>
@@ -3167,17 +3201,16 @@
           </a:ln>
           <a:extLst>
             <a:ext uri="{C572A759-6A51-4108-AA02-DFA0A04FC94B}">
-              <ma14:wrappingTextBoxFlag xmlns:ma14="http://schemas.microsoft.com/office/mac/drawingml/2011/main" val="1"/>
+              <ma14:wrappingTextBoxFlag xmlns:ma14="http://schemas.microsoft.com/office/mac/drawingml/2011/main" xmlns:a14="http://schemas.microsoft.com/office/drawing/2010/main" xmlns:m="http://schemas.openxmlformats.org/officeDocument/2006/math" xmlns="" val="1"/>
             </a:ext>
           </a:extLst>
         </p:spPr>
         <p:txBody>
           <a:bodyPr lIns="50800" tIns="50800" rIns="50800" bIns="50800">
-            <a:normAutofit fontScale="100000" lnSpcReduction="0"/>
+            <a:normAutofit/>
           </a:bodyPr>
           <a:lstStyle/>
           <a:p>
-            <a:pPr/>
             <a:r>
               <a:t>Заголовок слайда</a:t>
             </a:r>
@@ -3187,7 +3220,9 @@
       <p:sp>
         <p:nvSpPr>
           <p:cNvPr id="3" name="Уровень текста 1…"/>
-          <p:cNvSpPr txBox="1"/>
+          <p:cNvSpPr txBox="1">
+            <a:spLocks noGrp="1"/>
+          </p:cNvSpPr>
           <p:nvPr>
             <p:ph type="body" idx="1" hasCustomPrompt="1"/>
           </p:nvPr>
@@ -3205,51 +3240,44 @@
           </a:ln>
           <a:extLst>
             <a:ext uri="{C572A759-6A51-4108-AA02-DFA0A04FC94B}">
-              <ma14:wrappingTextBoxFlag xmlns:ma14="http://schemas.microsoft.com/office/mac/drawingml/2011/main" val="1"/>
+              <ma14:wrappingTextBoxFlag xmlns:ma14="http://schemas.microsoft.com/office/mac/drawingml/2011/main" xmlns:a14="http://schemas.microsoft.com/office/drawing/2010/main" xmlns:m="http://schemas.openxmlformats.org/officeDocument/2006/math" xmlns="" val="1"/>
             </a:ext>
           </a:extLst>
         </p:spPr>
         <p:txBody>
           <a:bodyPr lIns="50800" tIns="50800" rIns="50800" bIns="50800">
-            <a:normAutofit fontScale="100000" lnSpcReduction="0"/>
+            <a:normAutofit/>
           </a:bodyPr>
           <a:lstStyle/>
           <a:p>
-            <a:pPr/>
             <a:r>
               <a:t>Текст пункта на слайде</a:t>
             </a:r>
           </a:p>
           <a:p>
             <a:pPr lvl="1"/>
-            <a:r>
-              <a:t/>
-            </a:r>
+            <a:endParaRPr/>
           </a:p>
           <a:p>
             <a:pPr lvl="2"/>
-            <a:r>
-              <a:t/>
-            </a:r>
+            <a:endParaRPr/>
           </a:p>
           <a:p>
             <a:pPr lvl="3"/>
-            <a:r>
-              <a:t/>
-            </a:r>
+            <a:endParaRPr/>
           </a:p>
           <a:p>
             <a:pPr lvl="4"/>
-            <a:r>
-              <a:t/>
-            </a:r>
+            <a:endParaRPr/>
           </a:p>
         </p:txBody>
       </p:sp>
       <p:sp>
         <p:nvSpPr>
           <p:cNvPr id="4" name="Номер слайда"/>
-          <p:cNvSpPr txBox="1"/>
+          <p:cNvSpPr txBox="1">
+            <a:spLocks noGrp="1"/>
+          </p:cNvSpPr>
           <p:nvPr>
             <p:ph type="sldNum" sz="quarter" idx="2"/>
           </p:nvPr>
@@ -3287,8 +3315,10 @@
             </a:lvl1pPr>
           </a:lstStyle>
           <a:p>
-            <a:pPr/>
-            <a:fld id="{86CB4B4D-7CA3-9044-876B-883B54F8677D}" type="slidenum"/>
+            <a:fld id="{86CB4B4D-7CA3-9044-876B-883B54F8677D}" type="slidenum">
+              <a:t>‹#›</a:t>
+            </a:fld>
+            <a:endParaRPr/>
           </a:p>
         </p:txBody>
       </p:sp>
@@ -3296,23 +3326,23 @@
   </p:cSld>
   <p:clrMap bg1="lt1" tx1="dk1" bg2="lt2" tx2="dk2" accent1="accent1" accent2="accent2" accent3="accent3" accent4="accent4" accent5="accent5" accent6="accent6" hlink="hlink" folHlink="folHlink"/>
   <p:sldLayoutIdLst>
-    <p:sldLayoutId id="2147483649" r:id="rId2"/>
-    <p:sldLayoutId id="2147483650" r:id="rId3"/>
-    <p:sldLayoutId id="2147483651" r:id="rId4"/>
-    <p:sldLayoutId id="2147483652" r:id="rId5"/>
-    <p:sldLayoutId id="2147483653" r:id="rId6"/>
-    <p:sldLayoutId id="2147483654" r:id="rId7"/>
-    <p:sldLayoutId id="2147483655" r:id="rId8"/>
-    <p:sldLayoutId id="2147483656" r:id="rId9"/>
-    <p:sldLayoutId id="2147483657" r:id="rId10"/>
-    <p:sldLayoutId id="2147483658" r:id="rId11"/>
-    <p:sldLayoutId id="2147483659" r:id="rId12"/>
-    <p:sldLayoutId id="2147483660" r:id="rId13"/>
-    <p:sldLayoutId id="2147483661" r:id="rId14"/>
-    <p:sldLayoutId id="2147483662" r:id="rId15"/>
-    <p:sldLayoutId id="2147483663" r:id="rId16"/>
+    <p:sldLayoutId id="2147483649" r:id="rId1"/>
+    <p:sldLayoutId id="2147483650" r:id="rId2"/>
+    <p:sldLayoutId id="2147483651" r:id="rId3"/>
+    <p:sldLayoutId id="2147483652" r:id="rId4"/>
+    <p:sldLayoutId id="2147483653" r:id="rId5"/>
+    <p:sldLayoutId id="2147483654" r:id="rId6"/>
+    <p:sldLayoutId id="2147483655" r:id="rId7"/>
+    <p:sldLayoutId id="2147483656" r:id="rId8"/>
+    <p:sldLayoutId id="2147483657" r:id="rId9"/>
+    <p:sldLayoutId id="2147483658" r:id="rId10"/>
+    <p:sldLayoutId id="2147483659" r:id="rId11"/>
+    <p:sldLayoutId id="2147483660" r:id="rId12"/>
+    <p:sldLayoutId id="2147483661" r:id="rId13"/>
+    <p:sldLayoutId id="2147483662" r:id="rId14"/>
+    <p:sldLayoutId id="2147483663" r:id="rId15"/>
   </p:sldLayoutIdLst>
-  <p:transition xmlns:p14="http://schemas.microsoft.com/office/powerpoint/2010/main" spd="med" advClick="1"/>
+  <p:transition spd="med"/>
   <p:txStyles>
     <p:titleStyle>
       <a:lvl1pPr marL="0" marR="0" indent="0" algn="ctr" defTabSz="2438400" rtl="0" latinLnBrk="0">
@@ -3330,7 +3360,7 @@
         <a:buFontTx/>
         <a:buNone/>
         <a:tabLst/>
-        <a:defRPr b="0" baseline="0" cap="none" i="0" spc="-84" strike="noStrike" sz="8400" u="none">
+        <a:defRPr sz="8400" b="0" i="0" u="none" strike="noStrike" cap="none" spc="-84" baseline="0">
           <a:solidFill>
             <a:srgbClr val="000000"/>
           </a:solidFill>
@@ -3356,7 +3386,7 @@
         <a:buFontTx/>
         <a:buNone/>
         <a:tabLst/>
-        <a:defRPr b="0" baseline="0" cap="none" i="0" spc="-84" strike="noStrike" sz="8400" u="none">
+        <a:defRPr sz="8400" b="0" i="0" u="none" strike="noStrike" cap="none" spc="-84" baseline="0">
           <a:solidFill>
             <a:srgbClr val="000000"/>
           </a:solidFill>
@@ -3382,7 +3412,7 @@
         <a:buFontTx/>
         <a:buNone/>
         <a:tabLst/>
-        <a:defRPr b="0" baseline="0" cap="none" i="0" spc="-84" strike="noStrike" sz="8400" u="none">
+        <a:defRPr sz="8400" b="0" i="0" u="none" strike="noStrike" cap="none" spc="-84" baseline="0">
           <a:solidFill>
             <a:srgbClr val="000000"/>
           </a:solidFill>
@@ -3408,7 +3438,7 @@
         <a:buFontTx/>
         <a:buNone/>
         <a:tabLst/>
-        <a:defRPr b="0" baseline="0" cap="none" i="0" spc="-84" strike="noStrike" sz="8400" u="none">
+        <a:defRPr sz="8400" b="0" i="0" u="none" strike="noStrike" cap="none" spc="-84" baseline="0">
           <a:solidFill>
             <a:srgbClr val="000000"/>
           </a:solidFill>
@@ -3434,7 +3464,7 @@
         <a:buFontTx/>
         <a:buNone/>
         <a:tabLst/>
-        <a:defRPr b="0" baseline="0" cap="none" i="0" spc="-84" strike="noStrike" sz="8400" u="none">
+        <a:defRPr sz="8400" b="0" i="0" u="none" strike="noStrike" cap="none" spc="-84" baseline="0">
           <a:solidFill>
             <a:srgbClr val="000000"/>
           </a:solidFill>
@@ -3460,7 +3490,7 @@
         <a:buFontTx/>
         <a:buNone/>
         <a:tabLst/>
-        <a:defRPr b="0" baseline="0" cap="none" i="0" spc="-84" strike="noStrike" sz="8400" u="none">
+        <a:defRPr sz="8400" b="0" i="0" u="none" strike="noStrike" cap="none" spc="-84" baseline="0">
           <a:solidFill>
             <a:srgbClr val="000000"/>
           </a:solidFill>
@@ -3486,7 +3516,7 @@
         <a:buFontTx/>
         <a:buNone/>
         <a:tabLst/>
-        <a:defRPr b="0" baseline="0" cap="none" i="0" spc="-84" strike="noStrike" sz="8400" u="none">
+        <a:defRPr sz="8400" b="0" i="0" u="none" strike="noStrike" cap="none" spc="-84" baseline="0">
           <a:solidFill>
             <a:srgbClr val="000000"/>
           </a:solidFill>
@@ -3512,7 +3542,7 @@
         <a:buFontTx/>
         <a:buNone/>
         <a:tabLst/>
-        <a:defRPr b="0" baseline="0" cap="none" i="0" spc="-84" strike="noStrike" sz="8400" u="none">
+        <a:defRPr sz="8400" b="0" i="0" u="none" strike="noStrike" cap="none" spc="-84" baseline="0">
           <a:solidFill>
             <a:srgbClr val="000000"/>
           </a:solidFill>
@@ -3538,7 +3568,7 @@
         <a:buFontTx/>
         <a:buNone/>
         <a:tabLst/>
-        <a:defRPr b="0" baseline="0" cap="none" i="0" spc="-84" strike="noStrike" sz="8400" u="none">
+        <a:defRPr sz="8400" b="0" i="0" u="none" strike="noStrike" cap="none" spc="-84" baseline="0">
           <a:solidFill>
             <a:srgbClr val="000000"/>
           </a:solidFill>
@@ -3566,7 +3596,7 @@
         <a:buFontTx/>
         <a:buChar char="•"/>
         <a:tabLst/>
-        <a:defRPr b="0" baseline="0" cap="none" i="0" spc="0" strike="noStrike" sz="4400" u="none">
+        <a:defRPr sz="4400" b="0" i="0" u="none" strike="noStrike" cap="none" spc="0" baseline="0">
           <a:solidFill>
             <a:srgbClr val="000000"/>
           </a:solidFill>
@@ -3592,7 +3622,7 @@
         <a:buFontTx/>
         <a:buChar char="•"/>
         <a:tabLst/>
-        <a:defRPr b="0" baseline="0" cap="none" i="0" spc="0" strike="noStrike" sz="4400" u="none">
+        <a:defRPr sz="4400" b="0" i="0" u="none" strike="noStrike" cap="none" spc="0" baseline="0">
           <a:solidFill>
             <a:srgbClr val="000000"/>
           </a:solidFill>
@@ -3618,7 +3648,7 @@
         <a:buFontTx/>
         <a:buChar char="•"/>
         <a:tabLst/>
-        <a:defRPr b="0" baseline="0" cap="none" i="0" spc="0" strike="noStrike" sz="4400" u="none">
+        <a:defRPr sz="4400" b="0" i="0" u="none" strike="noStrike" cap="none" spc="0" baseline="0">
           <a:solidFill>
             <a:srgbClr val="000000"/>
           </a:solidFill>
@@ -3644,7 +3674,7 @@
         <a:buFontTx/>
         <a:buChar char="•"/>
         <a:tabLst/>
-        <a:defRPr b="0" baseline="0" cap="none" i="0" spc="0" strike="noStrike" sz="4400" u="none">
+        <a:defRPr sz="4400" b="0" i="0" u="none" strike="noStrike" cap="none" spc="0" baseline="0">
           <a:solidFill>
             <a:srgbClr val="000000"/>
           </a:solidFill>
@@ -3670,7 +3700,7 @@
         <a:buFontTx/>
         <a:buChar char="•"/>
         <a:tabLst/>
-        <a:defRPr b="0" baseline="0" cap="none" i="0" spc="0" strike="noStrike" sz="4400" u="none">
+        <a:defRPr sz="4400" b="0" i="0" u="none" strike="noStrike" cap="none" spc="0" baseline="0">
           <a:solidFill>
             <a:srgbClr val="000000"/>
           </a:solidFill>
@@ -3696,7 +3726,7 @@
         <a:buFontTx/>
         <a:buChar char="•"/>
         <a:tabLst/>
-        <a:defRPr b="0" baseline="0" cap="none" i="0" spc="0" strike="noStrike" sz="4400" u="none">
+        <a:defRPr sz="4400" b="0" i="0" u="none" strike="noStrike" cap="none" spc="0" baseline="0">
           <a:solidFill>
             <a:srgbClr val="000000"/>
           </a:solidFill>
@@ -3722,7 +3752,7 @@
         <a:buFontTx/>
         <a:buChar char="•"/>
         <a:tabLst/>
-        <a:defRPr b="0" baseline="0" cap="none" i="0" spc="0" strike="noStrike" sz="4400" u="none">
+        <a:defRPr sz="4400" b="0" i="0" u="none" strike="noStrike" cap="none" spc="0" baseline="0">
           <a:solidFill>
             <a:srgbClr val="000000"/>
           </a:solidFill>
@@ -3748,7 +3778,7 @@
         <a:buFontTx/>
         <a:buChar char="•"/>
         <a:tabLst/>
-        <a:defRPr b="0" baseline="0" cap="none" i="0" spc="0" strike="noStrike" sz="4400" u="none">
+        <a:defRPr sz="4400" b="0" i="0" u="none" strike="noStrike" cap="none" spc="0" baseline="0">
           <a:solidFill>
             <a:srgbClr val="000000"/>
           </a:solidFill>
@@ -3774,7 +3804,7 @@
         <a:buFontTx/>
         <a:buChar char="•"/>
         <a:tabLst/>
-        <a:defRPr b="0" baseline="0" cap="none" i="0" spc="0" strike="noStrike" sz="4400" u="none">
+        <a:defRPr sz="4400" b="0" i="0" u="none" strike="noStrike" cap="none" spc="0" baseline="0">
           <a:solidFill>
             <a:srgbClr val="000000"/>
           </a:solidFill>
@@ -3802,7 +3832,7 @@
         <a:buFontTx/>
         <a:buNone/>
         <a:tabLst/>
-        <a:defRPr b="0" baseline="0" cap="none" i="0" spc="0" strike="noStrike" sz="2000" u="none">
+        <a:defRPr sz="2000" b="0" i="0" u="none" strike="noStrike" cap="none" spc="0" baseline="0">
           <a:solidFill>
             <a:schemeClr val="tx1"/>
           </a:solidFill>
@@ -3828,7 +3858,7 @@
         <a:buFontTx/>
         <a:buNone/>
         <a:tabLst/>
-        <a:defRPr b="0" baseline="0" cap="none" i="0" spc="0" strike="noStrike" sz="2000" u="none">
+        <a:defRPr sz="2000" b="0" i="0" u="none" strike="noStrike" cap="none" spc="0" baseline="0">
           <a:solidFill>
             <a:schemeClr val="tx1"/>
           </a:solidFill>
@@ -3854,7 +3884,7 @@
         <a:buFontTx/>
         <a:buNone/>
         <a:tabLst/>
-        <a:defRPr b="0" baseline="0" cap="none" i="0" spc="0" strike="noStrike" sz="2000" u="none">
+        <a:defRPr sz="2000" b="0" i="0" u="none" strike="noStrike" cap="none" spc="0" baseline="0">
           <a:solidFill>
             <a:schemeClr val="tx1"/>
           </a:solidFill>
@@ -3880,7 +3910,7 @@
         <a:buFontTx/>
         <a:buNone/>
         <a:tabLst/>
-        <a:defRPr b="0" baseline="0" cap="none" i="0" spc="0" strike="noStrike" sz="2000" u="none">
+        <a:defRPr sz="2000" b="0" i="0" u="none" strike="noStrike" cap="none" spc="0" baseline="0">
           <a:solidFill>
             <a:schemeClr val="tx1"/>
           </a:solidFill>
@@ -3906,7 +3936,7 @@
         <a:buFontTx/>
         <a:buNone/>
         <a:tabLst/>
-        <a:defRPr b="0" baseline="0" cap="none" i="0" spc="0" strike="noStrike" sz="2000" u="none">
+        <a:defRPr sz="2000" b="0" i="0" u="none" strike="noStrike" cap="none" spc="0" baseline="0">
           <a:solidFill>
             <a:schemeClr val="tx1"/>
           </a:solidFill>
@@ -3932,7 +3962,7 @@
         <a:buFontTx/>
         <a:buNone/>
         <a:tabLst/>
-        <a:defRPr b="0" baseline="0" cap="none" i="0" spc="0" strike="noStrike" sz="2000" u="none">
+        <a:defRPr sz="2000" b="0" i="0" u="none" strike="noStrike" cap="none" spc="0" baseline="0">
           <a:solidFill>
             <a:schemeClr val="tx1"/>
           </a:solidFill>
@@ -3958,7 +3988,7 @@
         <a:buFontTx/>
         <a:buNone/>
         <a:tabLst/>
-        <a:defRPr b="0" baseline="0" cap="none" i="0" spc="0" strike="noStrike" sz="2000" u="none">
+        <a:defRPr sz="2000" b="0" i="0" u="none" strike="noStrike" cap="none" spc="0" baseline="0">
           <a:solidFill>
             <a:schemeClr val="tx1"/>
           </a:solidFill>
@@ -3984,7 +4014,7 @@
         <a:buFontTx/>
         <a:buNone/>
         <a:tabLst/>
-        <a:defRPr b="0" baseline="0" cap="none" i="0" spc="0" strike="noStrike" sz="2000" u="none">
+        <a:defRPr sz="2000" b="0" i="0" u="none" strike="noStrike" cap="none" spc="0" baseline="0">
           <a:solidFill>
             <a:schemeClr val="tx1"/>
           </a:solidFill>
@@ -4010,7 +4040,7 @@
         <a:buFontTx/>
         <a:buNone/>
         <a:tabLst/>
-        <a:defRPr b="0" baseline="0" cap="none" i="0" spc="0" strike="noStrike" sz="2000" u="none">
+        <a:defRPr sz="2000" b="0" i="0" u="none" strike="noStrike" cap="none" spc="0" baseline="0">
           <a:solidFill>
             <a:schemeClr val="tx1"/>
           </a:solidFill>
@@ -4027,7 +4057,7 @@
 </file>
 
 <file path=ppt/slides/slide1.xml><?xml version="1.0" encoding="utf-8"?>
-<p:sld xmlns:a="http://schemas.openxmlformats.org/drawingml/2006/main" xmlns:r="http://schemas.openxmlformats.org/officeDocument/2006/relationships" xmlns:p="http://schemas.openxmlformats.org/presentationml/2006/main" xmlns:m="http://schemas.openxmlformats.org/officeDocument/2006/math" xmlns:a14="http://schemas.microsoft.com/office/drawing/2010/main" showMasterSp="1" showMasterPhAnim="1">
+<p:sld xmlns:a="http://schemas.openxmlformats.org/drawingml/2006/main" xmlns:r="http://schemas.openxmlformats.org/officeDocument/2006/relationships" xmlns:p="http://schemas.openxmlformats.org/presentationml/2006/main">
   <p:cSld>
     <p:spTree>
       <p:nvGrpSpPr>
@@ -4046,7 +4076,9 @@
       <p:sp>
         <p:nvSpPr>
           <p:cNvPr id="151" name="Черновик презентации"/>
-          <p:cNvSpPr txBox="1"/>
+          <p:cNvSpPr txBox="1">
+            <a:spLocks noGrp="1"/>
+          </p:cNvSpPr>
           <p:nvPr>
             <p:ph type="ctrTitle"/>
           </p:nvPr>
@@ -4060,17 +4092,28 @@
           <a:bodyPr/>
           <a:lstStyle/>
           <a:p>
-            <a:pPr/>
             <a:r>
-              <a:t>Черновик презентации</a:t>
+              <a:rPr dirty="0" err="1"/>
+              <a:t>Черновик</a:t>
             </a:r>
+            <a:r>
+              <a:rPr dirty="0"/>
+              <a:t> </a:t>
+            </a:r>
+            <a:r>
+              <a:rPr dirty="0" err="1"/>
+              <a:t>презентации</a:t>
+            </a:r>
+            <a:endParaRPr dirty="0"/>
           </a:p>
         </p:txBody>
       </p:sp>
       <p:sp>
         <p:nvSpPr>
           <p:cNvPr id="152" name="Проект пятнашки Яндекс лицей 2 курс"/>
-          <p:cNvSpPr txBox="1"/>
+          <p:cNvSpPr txBox="1">
+            <a:spLocks noGrp="1"/>
+          </p:cNvSpPr>
           <p:nvPr>
             <p:ph type="subTitle" sz="quarter" idx="1"/>
           </p:nvPr>
@@ -4084,7 +4127,6 @@
           <a:bodyPr/>
           <a:lstStyle/>
           <a:p>
-            <a:pPr/>
             <a:r>
               <a:t>Проект пятнашки Яндекс лицей 2 курс</a:t>
             </a:r>
@@ -4096,12 +4138,799 @@
   <p:clrMapOvr>
     <a:masterClrMapping/>
   </p:clrMapOvr>
-  <p:transition xmlns:p14="http://schemas.microsoft.com/office/powerpoint/2010/main" spd="med" advClick="1"/>
+  <p:transition spd="med"/>
+</p:sld>
+</file>
+
+<file path=ppt/slides/slide2.xml><?xml version="1.0" encoding="utf-8"?>
+<p:sld xmlns:a="http://schemas.openxmlformats.org/drawingml/2006/main" xmlns:r="http://schemas.openxmlformats.org/officeDocument/2006/relationships" xmlns:p="http://schemas.openxmlformats.org/presentationml/2006/main">
+  <p:cSld>
+    <p:spTree>
+      <p:nvGrpSpPr>
+        <p:cNvPr id="1" name=""/>
+        <p:cNvGrpSpPr/>
+        <p:nvPr/>
+      </p:nvGrpSpPr>
+      <p:grpSpPr>
+        <a:xfrm>
+          <a:off x="0" y="0"/>
+          <a:ext cx="0" cy="0"/>
+          <a:chOff x="0" y="0"/>
+          <a:chExt cx="0" cy="0"/>
+        </a:xfrm>
+      </p:grpSpPr>
+      <p:sp>
+        <p:nvSpPr>
+          <p:cNvPr id="3" name="Заголовок 2">
+            <a:extLst>
+              <a:ext uri="{FF2B5EF4-FFF2-40B4-BE49-F238E27FC236}">
+                <a16:creationId xmlns:a16="http://schemas.microsoft.com/office/drawing/2014/main" id="{0BF15565-4E3F-4BB7-BA25-DA90534749CC}"/>
+              </a:ext>
+            </a:extLst>
+          </p:cNvPr>
+          <p:cNvSpPr>
+            <a:spLocks noGrp="1"/>
+          </p:cNvSpPr>
+          <p:nvPr>
+            <p:ph type="title"/>
+          </p:nvPr>
+        </p:nvSpPr>
+        <p:spPr>
+          <a:xfrm>
+            <a:off x="1219200" y="4224528"/>
+            <a:ext cx="21945600" cy="2252112"/>
+          </a:xfrm>
+        </p:spPr>
+        <p:txBody>
+          <a:bodyPr/>
+          <a:lstStyle/>
+          <a:p>
+            <a:r>
+              <a:rPr lang="ru-RU" dirty="0">
+                <a:solidFill>
+                  <a:schemeClr val="tx1"/>
+                </a:solidFill>
+              </a:rPr>
+              <a:t>Мой проект</a:t>
+            </a:r>
+          </a:p>
+        </p:txBody>
+      </p:sp>
+      <p:sp>
+        <p:nvSpPr>
+          <p:cNvPr id="4" name="Текст 3">
+            <a:extLst>
+              <a:ext uri="{FF2B5EF4-FFF2-40B4-BE49-F238E27FC236}">
+                <a16:creationId xmlns:a16="http://schemas.microsoft.com/office/drawing/2014/main" id="{6AF21A62-56EC-43B8-ACE7-2AF31F01F4EC}"/>
+              </a:ext>
+            </a:extLst>
+          </p:cNvPr>
+          <p:cNvSpPr>
+            <a:spLocks noGrp="1"/>
+          </p:cNvSpPr>
+          <p:nvPr>
+            <p:ph type="body" sz="quarter" idx="1"/>
+          </p:nvPr>
+        </p:nvSpPr>
+        <p:spPr>
+          <a:xfrm>
+            <a:off x="1219200" y="6476640"/>
+            <a:ext cx="21945600" cy="1920240"/>
+          </a:xfrm>
+        </p:spPr>
+        <p:txBody>
+          <a:bodyPr/>
+          <a:lstStyle/>
+          <a:p>
+            <a:r>
+              <a:rPr lang="ru-RU" dirty="0">
+                <a:solidFill>
+                  <a:schemeClr val="tx1"/>
+                </a:solidFill>
+              </a:rPr>
+              <a:t>Состоит из трех окон</a:t>
+            </a:r>
+            <a:r>
+              <a:rPr lang="en-US" dirty="0">
+                <a:solidFill>
+                  <a:schemeClr val="tx1"/>
+                </a:solidFill>
+              </a:rPr>
+              <a:t>:</a:t>
+            </a:r>
+            <a:r>
+              <a:rPr lang="ru-RU" dirty="0">
+                <a:solidFill>
+                  <a:schemeClr val="tx1"/>
+                </a:solidFill>
+              </a:rPr>
+              <a:t> стартовое, основное и настройки</a:t>
+            </a:r>
+          </a:p>
+        </p:txBody>
+      </p:sp>
+    </p:spTree>
+    <p:extLst>
+      <p:ext uri="{BB962C8B-B14F-4D97-AF65-F5344CB8AC3E}">
+        <p14:creationId xmlns:p14="http://schemas.microsoft.com/office/powerpoint/2010/main" val="1166887972"/>
+      </p:ext>
+    </p:extLst>
+  </p:cSld>
+  <p:clrMapOvr>
+    <a:masterClrMapping/>
+  </p:clrMapOvr>
+  <p:transition spd="med"/>
+</p:sld>
+</file>
+
+<file path=ppt/slides/slide3.xml><?xml version="1.0" encoding="utf-8"?>
+<p:sld xmlns:a="http://schemas.openxmlformats.org/drawingml/2006/main" xmlns:r="http://schemas.openxmlformats.org/officeDocument/2006/relationships" xmlns:p="http://schemas.openxmlformats.org/presentationml/2006/main">
+  <p:cSld>
+    <p:spTree>
+      <p:nvGrpSpPr>
+        <p:cNvPr id="1" name=""/>
+        <p:cNvGrpSpPr/>
+        <p:nvPr/>
+      </p:nvGrpSpPr>
+      <p:grpSpPr>
+        <a:xfrm>
+          <a:off x="0" y="0"/>
+          <a:ext cx="0" cy="0"/>
+          <a:chOff x="0" y="0"/>
+          <a:chExt cx="0" cy="0"/>
+        </a:xfrm>
+      </p:grpSpPr>
+      <p:sp>
+        <p:nvSpPr>
+          <p:cNvPr id="3" name="Заголовок 2">
+            <a:extLst>
+              <a:ext uri="{FF2B5EF4-FFF2-40B4-BE49-F238E27FC236}">
+                <a16:creationId xmlns:a16="http://schemas.microsoft.com/office/drawing/2014/main" id="{15AB5031-F53A-4AE2-B167-CF407825D957}"/>
+              </a:ext>
+            </a:extLst>
+          </p:cNvPr>
+          <p:cNvSpPr>
+            <a:spLocks noGrp="1"/>
+          </p:cNvSpPr>
+          <p:nvPr>
+            <p:ph type="title"/>
+          </p:nvPr>
+        </p:nvSpPr>
+        <p:spPr>
+          <a:xfrm>
+            <a:off x="1078992" y="674369"/>
+            <a:ext cx="21945600" cy="1771904"/>
+          </a:xfrm>
+        </p:spPr>
+        <p:txBody>
+          <a:bodyPr/>
+          <a:lstStyle/>
+          <a:p>
+            <a:r>
+              <a:rPr lang="ru-RU" dirty="0">
+                <a:solidFill>
+                  <a:schemeClr val="tx1"/>
+                </a:solidFill>
+              </a:rPr>
+              <a:t>Стартовое</a:t>
+            </a:r>
+          </a:p>
+        </p:txBody>
+      </p:sp>
+      <p:pic>
+        <p:nvPicPr>
+          <p:cNvPr id="7" name="Рисунок 6">
+            <a:extLst>
+              <a:ext uri="{FF2B5EF4-FFF2-40B4-BE49-F238E27FC236}">
+                <a16:creationId xmlns:a16="http://schemas.microsoft.com/office/drawing/2014/main" id="{68B16E07-0169-4BD9-92FE-16C8D3BA6C8C}"/>
+              </a:ext>
+            </a:extLst>
+          </p:cNvPr>
+          <p:cNvPicPr>
+            <a:picLocks noChangeAspect="1"/>
+          </p:cNvPicPr>
+          <p:nvPr/>
+        </p:nvPicPr>
+        <p:blipFill>
+          <a:blip r:embed="rId2">
+            <a:extLst>
+              <a:ext uri="{28A0092B-C50C-407E-A947-70E740481C1C}">
+                <a14:useLocalDpi xmlns:a14="http://schemas.microsoft.com/office/drawing/2010/main" val="0"/>
+              </a:ext>
+            </a:extLst>
+          </a:blip>
+          <a:stretch>
+            <a:fillRect/>
+          </a:stretch>
+        </p:blipFill>
+        <p:spPr>
+          <a:xfrm>
+            <a:off x="5170762" y="2446273"/>
+            <a:ext cx="14042476" cy="9670761"/>
+          </a:xfrm>
+          <a:prstGeom prst="rect">
+            <a:avLst/>
+          </a:prstGeom>
+        </p:spPr>
+      </p:pic>
+    </p:spTree>
+    <p:extLst>
+      <p:ext uri="{BB962C8B-B14F-4D97-AF65-F5344CB8AC3E}">
+        <p14:creationId xmlns:p14="http://schemas.microsoft.com/office/powerpoint/2010/main" val="1175827297"/>
+      </p:ext>
+    </p:extLst>
+  </p:cSld>
+  <p:clrMapOvr>
+    <a:masterClrMapping/>
+  </p:clrMapOvr>
+  <p:transition spd="med"/>
+</p:sld>
+</file>
+
+<file path=ppt/slides/slide4.xml><?xml version="1.0" encoding="utf-8"?>
+<p:sld xmlns:a="http://schemas.openxmlformats.org/drawingml/2006/main" xmlns:r="http://schemas.openxmlformats.org/officeDocument/2006/relationships" xmlns:p="http://schemas.openxmlformats.org/presentationml/2006/main">
+  <p:cSld>
+    <p:spTree>
+      <p:nvGrpSpPr>
+        <p:cNvPr id="1" name=""/>
+        <p:cNvGrpSpPr/>
+        <p:nvPr/>
+      </p:nvGrpSpPr>
+      <p:grpSpPr>
+        <a:xfrm>
+          <a:off x="0" y="0"/>
+          <a:ext cx="0" cy="0"/>
+          <a:chOff x="0" y="0"/>
+          <a:chExt cx="0" cy="0"/>
+        </a:xfrm>
+      </p:grpSpPr>
+      <p:sp>
+        <p:nvSpPr>
+          <p:cNvPr id="3" name="Заголовок 2">
+            <a:extLst>
+              <a:ext uri="{FF2B5EF4-FFF2-40B4-BE49-F238E27FC236}">
+                <a16:creationId xmlns:a16="http://schemas.microsoft.com/office/drawing/2014/main" id="{15AB5031-F53A-4AE2-B167-CF407825D957}"/>
+              </a:ext>
+            </a:extLst>
+          </p:cNvPr>
+          <p:cNvSpPr>
+            <a:spLocks noGrp="1"/>
+          </p:cNvSpPr>
+          <p:nvPr>
+            <p:ph type="title"/>
+          </p:nvPr>
+        </p:nvSpPr>
+        <p:spPr>
+          <a:xfrm>
+            <a:off x="1078992" y="674369"/>
+            <a:ext cx="21945600" cy="1771904"/>
+          </a:xfrm>
+        </p:spPr>
+        <p:txBody>
+          <a:bodyPr/>
+          <a:lstStyle/>
+          <a:p>
+            <a:r>
+              <a:rPr lang="ru-RU" dirty="0">
+                <a:solidFill>
+                  <a:schemeClr val="tx1"/>
+                </a:solidFill>
+              </a:rPr>
+              <a:t>Основное</a:t>
+            </a:r>
+          </a:p>
+        </p:txBody>
+      </p:sp>
+      <p:pic>
+        <p:nvPicPr>
+          <p:cNvPr id="4" name="Рисунок 3">
+            <a:extLst>
+              <a:ext uri="{FF2B5EF4-FFF2-40B4-BE49-F238E27FC236}">
+                <a16:creationId xmlns:a16="http://schemas.microsoft.com/office/drawing/2014/main" id="{131BF7F5-70BA-4CFE-BEC6-B78DEF555C91}"/>
+              </a:ext>
+            </a:extLst>
+          </p:cNvPr>
+          <p:cNvPicPr>
+            <a:picLocks noChangeAspect="1"/>
+          </p:cNvPicPr>
+          <p:nvPr/>
+        </p:nvPicPr>
+        <p:blipFill>
+          <a:blip r:embed="rId2">
+            <a:extLst>
+              <a:ext uri="{28A0092B-C50C-407E-A947-70E740481C1C}">
+                <a14:useLocalDpi xmlns:a14="http://schemas.microsoft.com/office/drawing/2010/main" val="0"/>
+              </a:ext>
+            </a:extLst>
+          </a:blip>
+          <a:stretch>
+            <a:fillRect/>
+          </a:stretch>
+        </p:blipFill>
+        <p:spPr>
+          <a:xfrm>
+            <a:off x="5134562" y="2446273"/>
+            <a:ext cx="14374856" cy="9772201"/>
+          </a:xfrm>
+          <a:prstGeom prst="rect">
+            <a:avLst/>
+          </a:prstGeom>
+        </p:spPr>
+      </p:pic>
+    </p:spTree>
+    <p:extLst>
+      <p:ext uri="{BB962C8B-B14F-4D97-AF65-F5344CB8AC3E}">
+        <p14:creationId xmlns:p14="http://schemas.microsoft.com/office/powerpoint/2010/main" val="3822202088"/>
+      </p:ext>
+    </p:extLst>
+  </p:cSld>
+  <p:clrMapOvr>
+    <a:masterClrMapping/>
+  </p:clrMapOvr>
+  <p:transition spd="med"/>
+</p:sld>
+</file>
+
+<file path=ppt/slides/slide5.xml><?xml version="1.0" encoding="utf-8"?>
+<p:sld xmlns:a="http://schemas.openxmlformats.org/drawingml/2006/main" xmlns:r="http://schemas.openxmlformats.org/officeDocument/2006/relationships" xmlns:p="http://schemas.openxmlformats.org/presentationml/2006/main">
+  <p:cSld>
+    <p:spTree>
+      <p:nvGrpSpPr>
+        <p:cNvPr id="1" name=""/>
+        <p:cNvGrpSpPr/>
+        <p:nvPr/>
+      </p:nvGrpSpPr>
+      <p:grpSpPr>
+        <a:xfrm>
+          <a:off x="0" y="0"/>
+          <a:ext cx="0" cy="0"/>
+          <a:chOff x="0" y="0"/>
+          <a:chExt cx="0" cy="0"/>
+        </a:xfrm>
+      </p:grpSpPr>
+      <p:sp>
+        <p:nvSpPr>
+          <p:cNvPr id="3" name="Заголовок 2">
+            <a:extLst>
+              <a:ext uri="{FF2B5EF4-FFF2-40B4-BE49-F238E27FC236}">
+                <a16:creationId xmlns:a16="http://schemas.microsoft.com/office/drawing/2014/main" id="{15AB5031-F53A-4AE2-B167-CF407825D957}"/>
+              </a:ext>
+            </a:extLst>
+          </p:cNvPr>
+          <p:cNvSpPr>
+            <a:spLocks noGrp="1"/>
+          </p:cNvSpPr>
+          <p:nvPr>
+            <p:ph type="title"/>
+          </p:nvPr>
+        </p:nvSpPr>
+        <p:spPr>
+          <a:xfrm>
+            <a:off x="1078992" y="674369"/>
+            <a:ext cx="21945600" cy="1771904"/>
+          </a:xfrm>
+        </p:spPr>
+        <p:txBody>
+          <a:bodyPr/>
+          <a:lstStyle/>
+          <a:p>
+            <a:r>
+              <a:rPr lang="ru-RU" dirty="0">
+                <a:solidFill>
+                  <a:schemeClr val="tx1"/>
+                </a:solidFill>
+              </a:rPr>
+              <a:t>Настройки</a:t>
+            </a:r>
+          </a:p>
+        </p:txBody>
+      </p:sp>
+      <p:pic>
+        <p:nvPicPr>
+          <p:cNvPr id="4" name="Рисунок 3">
+            <a:extLst>
+              <a:ext uri="{FF2B5EF4-FFF2-40B4-BE49-F238E27FC236}">
+                <a16:creationId xmlns:a16="http://schemas.microsoft.com/office/drawing/2014/main" id="{379161F2-BEED-4AF9-A096-62E76243E229}"/>
+              </a:ext>
+            </a:extLst>
+          </p:cNvPr>
+          <p:cNvPicPr>
+            <a:picLocks noChangeAspect="1"/>
+          </p:cNvPicPr>
+          <p:nvPr/>
+        </p:nvPicPr>
+        <p:blipFill>
+          <a:blip r:embed="rId2">
+            <a:extLst>
+              <a:ext uri="{28A0092B-C50C-407E-A947-70E740481C1C}">
+                <a14:useLocalDpi xmlns:a14="http://schemas.microsoft.com/office/drawing/2010/main" val="0"/>
+              </a:ext>
+            </a:extLst>
+          </a:blip>
+          <a:stretch>
+            <a:fillRect/>
+          </a:stretch>
+        </p:blipFill>
+        <p:spPr>
+          <a:xfrm>
+            <a:off x="4700332" y="2446273"/>
+            <a:ext cx="14983336" cy="10318712"/>
+          </a:xfrm>
+          <a:prstGeom prst="rect">
+            <a:avLst/>
+          </a:prstGeom>
+        </p:spPr>
+      </p:pic>
+    </p:spTree>
+    <p:extLst>
+      <p:ext uri="{BB962C8B-B14F-4D97-AF65-F5344CB8AC3E}">
+        <p14:creationId xmlns:p14="http://schemas.microsoft.com/office/powerpoint/2010/main" val="1588404991"/>
+      </p:ext>
+    </p:extLst>
+  </p:cSld>
+  <p:clrMapOvr>
+    <a:masterClrMapping/>
+  </p:clrMapOvr>
+  <p:transition spd="med"/>
+</p:sld>
+</file>
+
+<file path=ppt/slides/slide6.xml><?xml version="1.0" encoding="utf-8"?>
+<p:sld xmlns:a="http://schemas.openxmlformats.org/drawingml/2006/main" xmlns:r="http://schemas.openxmlformats.org/officeDocument/2006/relationships" xmlns:p="http://schemas.openxmlformats.org/presentationml/2006/main">
+  <p:cSld>
+    <p:spTree>
+      <p:nvGrpSpPr>
+        <p:cNvPr id="1" name=""/>
+        <p:cNvGrpSpPr/>
+        <p:nvPr/>
+      </p:nvGrpSpPr>
+      <p:grpSpPr>
+        <a:xfrm>
+          <a:off x="0" y="0"/>
+          <a:ext cx="0" cy="0"/>
+          <a:chOff x="0" y="0"/>
+          <a:chExt cx="0" cy="0"/>
+        </a:xfrm>
+      </p:grpSpPr>
+      <p:sp>
+        <p:nvSpPr>
+          <p:cNvPr id="2" name="Рисунок 1">
+            <a:extLst>
+              <a:ext uri="{FF2B5EF4-FFF2-40B4-BE49-F238E27FC236}">
+                <a16:creationId xmlns:a16="http://schemas.microsoft.com/office/drawing/2014/main" id="{1936D072-E6CB-4151-A10A-A4027C038D12}"/>
+              </a:ext>
+            </a:extLst>
+          </p:cNvPr>
+          <p:cNvSpPr>
+            <a:spLocks noGrp="1"/>
+          </p:cNvSpPr>
+          <p:nvPr>
+            <p:ph type="pic" idx="21"/>
+          </p:nvPr>
+        </p:nvSpPr>
+        <p:spPr/>
+      </p:sp>
+      <p:sp>
+        <p:nvSpPr>
+          <p:cNvPr id="3" name="Заголовок 2">
+            <a:extLst>
+              <a:ext uri="{FF2B5EF4-FFF2-40B4-BE49-F238E27FC236}">
+                <a16:creationId xmlns:a16="http://schemas.microsoft.com/office/drawing/2014/main" id="{5DF796EC-9289-423D-B695-5B74B2ADF466}"/>
+              </a:ext>
+            </a:extLst>
+          </p:cNvPr>
+          <p:cNvSpPr>
+            <a:spLocks noGrp="1"/>
+          </p:cNvSpPr>
+          <p:nvPr>
+            <p:ph type="title"/>
+          </p:nvPr>
+        </p:nvSpPr>
+        <p:spPr>
+          <a:xfrm>
+            <a:off x="1219200" y="585216"/>
+            <a:ext cx="21945600" cy="2122932"/>
+          </a:xfrm>
+        </p:spPr>
+        <p:txBody>
+          <a:bodyPr>
+            <a:normAutofit/>
+          </a:bodyPr>
+          <a:lstStyle/>
+          <a:p>
+            <a:r>
+              <a:rPr lang="ru-RU" dirty="0">
+                <a:solidFill>
+                  <a:schemeClr val="tx1"/>
+                </a:solidFill>
+              </a:rPr>
+              <a:t>Что можно добавить</a:t>
+            </a:r>
+            <a:r>
+              <a:rPr lang="en-US" dirty="0">
+                <a:solidFill>
+                  <a:schemeClr val="tx1"/>
+                </a:solidFill>
+              </a:rPr>
+              <a:t>:</a:t>
+            </a:r>
+            <a:endParaRPr lang="ru-RU" dirty="0">
+              <a:solidFill>
+                <a:schemeClr val="tx1"/>
+              </a:solidFill>
+            </a:endParaRPr>
+          </a:p>
+        </p:txBody>
+      </p:sp>
+      <p:sp>
+        <p:nvSpPr>
+          <p:cNvPr id="4" name="Текст 3">
+            <a:extLst>
+              <a:ext uri="{FF2B5EF4-FFF2-40B4-BE49-F238E27FC236}">
+                <a16:creationId xmlns:a16="http://schemas.microsoft.com/office/drawing/2014/main" id="{5239A4CF-7ED8-42FB-B591-C9DD95A61841}"/>
+              </a:ext>
+            </a:extLst>
+          </p:cNvPr>
+          <p:cNvSpPr>
+            <a:spLocks noGrp="1"/>
+          </p:cNvSpPr>
+          <p:nvPr>
+            <p:ph type="body" sz="quarter" idx="1"/>
+          </p:nvPr>
+        </p:nvSpPr>
+        <p:spPr>
+          <a:xfrm>
+            <a:off x="1219200" y="3017520"/>
+            <a:ext cx="21945600" cy="9765792"/>
+          </a:xfrm>
+        </p:spPr>
+        <p:txBody>
+          <a:bodyPr/>
+          <a:lstStyle/>
+          <a:p>
+            <a:pPr algn="l"/>
+            <a:r>
+              <a:rPr lang="ru-RU" dirty="0">
+                <a:solidFill>
+                  <a:schemeClr val="tx1"/>
+                </a:solidFill>
+              </a:rPr>
+              <a:t>1)</a:t>
+            </a:r>
+            <a:r>
+              <a:rPr lang="ru-RU" dirty="0" err="1">
+                <a:solidFill>
+                  <a:schemeClr val="tx1"/>
+                </a:solidFill>
+              </a:rPr>
+              <a:t>Искуственный</a:t>
+            </a:r>
+            <a:r>
+              <a:rPr lang="ru-RU" dirty="0">
+                <a:solidFill>
+                  <a:schemeClr val="tx1"/>
+                </a:solidFill>
+              </a:rPr>
+              <a:t> интеллект</a:t>
+            </a:r>
+          </a:p>
+          <a:p>
+            <a:pPr algn="l"/>
+            <a:r>
+              <a:rPr lang="ru-RU" dirty="0">
+                <a:solidFill>
+                  <a:schemeClr val="tx1"/>
+                </a:solidFill>
+              </a:rPr>
+              <a:t>2)Возможность менять сложность игры</a:t>
+            </a:r>
+          </a:p>
+          <a:p>
+            <a:pPr algn="l"/>
+            <a:r>
+              <a:rPr lang="ru-RU" dirty="0">
+                <a:solidFill>
+                  <a:schemeClr val="tx1"/>
+                </a:solidFill>
+              </a:rPr>
+              <a:t>3) Возможность многопользовательской игры </a:t>
+            </a:r>
+          </a:p>
+          <a:p>
+            <a:pPr algn="l"/>
+            <a:r>
+              <a:rPr lang="ru-RU" dirty="0">
+                <a:solidFill>
+                  <a:schemeClr val="tx1"/>
+                </a:solidFill>
+              </a:rPr>
+              <a:t>4)Конфиги</a:t>
+            </a:r>
+          </a:p>
+          <a:p>
+            <a:pPr algn="l"/>
+            <a:r>
+              <a:rPr lang="ru-RU" dirty="0">
+                <a:solidFill>
+                  <a:schemeClr val="tx1"/>
+                </a:solidFill>
+              </a:rPr>
+              <a:t>5)Возможность хода с помощью клавиатуры</a:t>
+            </a:r>
+          </a:p>
+          <a:p>
+            <a:pPr algn="l"/>
+            <a:r>
+              <a:rPr lang="ru-RU" dirty="0">
+                <a:solidFill>
+                  <a:schemeClr val="tx1"/>
+                </a:solidFill>
+              </a:rPr>
+              <a:t>6)Возможность сохранять игру с помощью </a:t>
+            </a:r>
+            <a:r>
+              <a:rPr lang="ru-RU">
+                <a:solidFill>
+                  <a:schemeClr val="tx1"/>
+                </a:solidFill>
+              </a:rPr>
+              <a:t>шортката</a:t>
+            </a:r>
+            <a:endParaRPr lang="ru-RU" dirty="0">
+              <a:solidFill>
+                <a:schemeClr val="tx1"/>
+              </a:solidFill>
+            </a:endParaRPr>
+          </a:p>
+        </p:txBody>
+      </p:sp>
+    </p:spTree>
+    <p:extLst>
+      <p:ext uri="{BB962C8B-B14F-4D97-AF65-F5344CB8AC3E}">
+        <p14:creationId xmlns:p14="http://schemas.microsoft.com/office/powerpoint/2010/main" val="1425855840"/>
+      </p:ext>
+    </p:extLst>
+  </p:cSld>
+  <p:clrMapOvr>
+    <a:masterClrMapping/>
+  </p:clrMapOvr>
+  <p:transition spd="med"/>
+</p:sld>
+</file>
+
+<file path=ppt/slides/slide7.xml><?xml version="1.0" encoding="utf-8"?>
+<p:sld xmlns:a="http://schemas.openxmlformats.org/drawingml/2006/main" xmlns:r="http://schemas.openxmlformats.org/officeDocument/2006/relationships" xmlns:p="http://schemas.openxmlformats.org/presentationml/2006/main">
+  <p:cSld>
+    <p:spTree>
+      <p:nvGrpSpPr>
+        <p:cNvPr id="1" name=""/>
+        <p:cNvGrpSpPr/>
+        <p:nvPr/>
+      </p:nvGrpSpPr>
+      <p:grpSpPr>
+        <a:xfrm>
+          <a:off x="0" y="0"/>
+          <a:ext cx="0" cy="0"/>
+          <a:chOff x="0" y="0"/>
+          <a:chExt cx="0" cy="0"/>
+        </a:xfrm>
+      </p:grpSpPr>
+      <p:sp>
+        <p:nvSpPr>
+          <p:cNvPr id="2" name="Рисунок 1">
+            <a:extLst>
+              <a:ext uri="{FF2B5EF4-FFF2-40B4-BE49-F238E27FC236}">
+                <a16:creationId xmlns:a16="http://schemas.microsoft.com/office/drawing/2014/main" id="{18CC3007-433F-4970-AF03-323E888B0516}"/>
+              </a:ext>
+            </a:extLst>
+          </p:cNvPr>
+          <p:cNvSpPr>
+            <a:spLocks noGrp="1"/>
+          </p:cNvSpPr>
+          <p:nvPr>
+            <p:ph type="pic" idx="21"/>
+          </p:nvPr>
+        </p:nvSpPr>
+        <p:spPr/>
+      </p:sp>
+      <p:sp>
+        <p:nvSpPr>
+          <p:cNvPr id="3" name="Заголовок 2">
+            <a:extLst>
+              <a:ext uri="{FF2B5EF4-FFF2-40B4-BE49-F238E27FC236}">
+                <a16:creationId xmlns:a16="http://schemas.microsoft.com/office/drawing/2014/main" id="{AF4D22A7-9A07-4288-8DBE-2E3B8BF7B41D}"/>
+              </a:ext>
+            </a:extLst>
+          </p:cNvPr>
+          <p:cNvSpPr>
+            <a:spLocks noGrp="1"/>
+          </p:cNvSpPr>
+          <p:nvPr>
+            <p:ph type="title"/>
+          </p:nvPr>
+        </p:nvSpPr>
+        <p:spPr/>
+        <p:txBody>
+          <a:bodyPr/>
+          <a:lstStyle/>
+          <a:p>
+            <a:r>
+              <a:rPr lang="ru-RU" dirty="0">
+                <a:solidFill>
+                  <a:schemeClr val="tx1"/>
+                </a:solidFill>
+              </a:rPr>
+              <a:t>Спасибо за внимание</a:t>
+            </a:r>
+          </a:p>
+        </p:txBody>
+      </p:sp>
+      <p:sp>
+        <p:nvSpPr>
+          <p:cNvPr id="4" name="Текст 3">
+            <a:extLst>
+              <a:ext uri="{FF2B5EF4-FFF2-40B4-BE49-F238E27FC236}">
+                <a16:creationId xmlns:a16="http://schemas.microsoft.com/office/drawing/2014/main" id="{F8D6347A-82CA-484C-B30F-22711C3BEDD1}"/>
+              </a:ext>
+            </a:extLst>
+          </p:cNvPr>
+          <p:cNvSpPr>
+            <a:spLocks noGrp="1"/>
+          </p:cNvSpPr>
+          <p:nvPr>
+            <p:ph type="body" sz="quarter" idx="1"/>
+          </p:nvPr>
+        </p:nvSpPr>
+        <p:spPr/>
+        <p:txBody>
+          <a:bodyPr/>
+          <a:lstStyle/>
+          <a:p>
+            <a:endParaRPr lang="ru-RU"/>
+          </a:p>
+        </p:txBody>
+      </p:sp>
+      <p:sp>
+        <p:nvSpPr>
+          <p:cNvPr id="5" name="Текст 4">
+            <a:extLst>
+              <a:ext uri="{FF2B5EF4-FFF2-40B4-BE49-F238E27FC236}">
+                <a16:creationId xmlns:a16="http://schemas.microsoft.com/office/drawing/2014/main" id="{74035775-D7D5-46B2-8519-6C0A883E0D8F}"/>
+              </a:ext>
+            </a:extLst>
+          </p:cNvPr>
+          <p:cNvSpPr>
+            <a:spLocks noGrp="1"/>
+          </p:cNvSpPr>
+          <p:nvPr>
+            <p:ph type="body" sz="quarter" idx="22"/>
+          </p:nvPr>
+        </p:nvSpPr>
+        <p:spPr/>
+        <p:txBody>
+          <a:bodyPr/>
+          <a:lstStyle/>
+          <a:p>
+            <a:endParaRPr lang="ru-RU"/>
+          </a:p>
+        </p:txBody>
+      </p:sp>
+    </p:spTree>
+    <p:extLst>
+      <p:ext uri="{BB962C8B-B14F-4D97-AF65-F5344CB8AC3E}">
+        <p14:creationId xmlns:p14="http://schemas.microsoft.com/office/powerpoint/2010/main" val="4031438261"/>
+      </p:ext>
+    </p:extLst>
+  </p:cSld>
+  <p:clrMapOvr>
+    <a:masterClrMapping/>
+  </p:clrMapOvr>
+  <p:transition spd="med"/>
 </p:sld>
 </file>
 
 <file path=ppt/theme/theme1.xml><?xml version="1.0" encoding="utf-8"?>
-<a:theme xmlns:a="http://schemas.openxmlformats.org/drawingml/2006/main" xmlns:r="http://schemas.openxmlformats.org/officeDocument/2006/relationships" name="23_ClassicWhite">
+<a:theme xmlns:a="http://schemas.openxmlformats.org/drawingml/2006/main" name="23_ClassicWhite">
   <a:themeElements>
     <a:clrScheme name="23_ClassicWhite">
       <a:dk1>
@@ -4300,7 +5129,7 @@
         <a:effectLst/>
         <a:sp3d/>
       </a:spPr>
-      <a:bodyPr rot="0" spcFirstLastPara="1" vertOverflow="overflow" horzOverflow="overflow" vert="horz" wrap="square" lIns="50800" tIns="50800" rIns="50800" bIns="50800" numCol="1" spcCol="38100" rtlCol="0" anchor="ctr" upright="0">
+      <a:bodyPr rot="0" spcFirstLastPara="1" vertOverflow="overflow" horzOverflow="overflow" vert="horz" wrap="square" lIns="50800" tIns="50800" rIns="50800" bIns="50800" numCol="1" spcCol="38100" rtlCol="0" anchor="ctr">
         <a:spAutoFit/>
       </a:bodyPr>
       <a:lstStyle>
@@ -4319,7 +5148,7 @@
           <a:buFontTx/>
           <a:buNone/>
           <a:tabLst/>
-          <a:defRPr b="0" baseline="0" cap="none" i="0" spc="0" strike="noStrike" sz="3200" u="none" kumimoji="0" normalizeH="0">
+          <a:defRPr kumimoji="0" sz="3200" b="0" i="0" u="none" strike="noStrike" cap="none" spc="0" normalizeH="0" baseline="0">
             <a:ln>
               <a:noFill/>
             </a:ln>
@@ -4349,7 +5178,7 @@
           <a:buFontTx/>
           <a:buNone/>
           <a:tabLst/>
-          <a:defRPr b="0" baseline="0" cap="none" i="0" spc="0" strike="noStrike" sz="1800" u="none" kumimoji="0" normalizeH="0">
+          <a:defRPr kumimoji="0" sz="1800" b="0" i="0" u="none" strike="noStrike" cap="none" spc="0" normalizeH="0" baseline="0">
             <a:ln>
               <a:noFill/>
             </a:ln>
@@ -4375,7 +5204,7 @@
           <a:buFontTx/>
           <a:buNone/>
           <a:tabLst/>
-          <a:defRPr b="0" baseline="0" cap="none" i="0" spc="0" strike="noStrike" sz="1800" u="none" kumimoji="0" normalizeH="0">
+          <a:defRPr kumimoji="0" sz="1800" b="0" i="0" u="none" strike="noStrike" cap="none" spc="0" normalizeH="0" baseline="0">
             <a:ln>
               <a:noFill/>
             </a:ln>
@@ -4401,7 +5230,7 @@
           <a:buFontTx/>
           <a:buNone/>
           <a:tabLst/>
-          <a:defRPr b="0" baseline="0" cap="none" i="0" spc="0" strike="noStrike" sz="1800" u="none" kumimoji="0" normalizeH="0">
+          <a:defRPr kumimoji="0" sz="1800" b="0" i="0" u="none" strike="noStrike" cap="none" spc="0" normalizeH="0" baseline="0">
             <a:ln>
               <a:noFill/>
             </a:ln>
@@ -4427,7 +5256,7 @@
           <a:buFontTx/>
           <a:buNone/>
           <a:tabLst/>
-          <a:defRPr b="0" baseline="0" cap="none" i="0" spc="0" strike="noStrike" sz="1800" u="none" kumimoji="0" normalizeH="0">
+          <a:defRPr kumimoji="0" sz="1800" b="0" i="0" u="none" strike="noStrike" cap="none" spc="0" normalizeH="0" baseline="0">
             <a:ln>
               <a:noFill/>
             </a:ln>
@@ -4453,7 +5282,7 @@
           <a:buFontTx/>
           <a:buNone/>
           <a:tabLst/>
-          <a:defRPr b="0" baseline="0" cap="none" i="0" spc="0" strike="noStrike" sz="1800" u="none" kumimoji="0" normalizeH="0">
+          <a:defRPr kumimoji="0" sz="1800" b="0" i="0" u="none" strike="noStrike" cap="none" spc="0" normalizeH="0" baseline="0">
             <a:ln>
               <a:noFill/>
             </a:ln>
@@ -4479,7 +5308,7 @@
           <a:buFontTx/>
           <a:buNone/>
           <a:tabLst/>
-          <a:defRPr b="0" baseline="0" cap="none" i="0" spc="0" strike="noStrike" sz="1800" u="none" kumimoji="0" normalizeH="0">
+          <a:defRPr kumimoji="0" sz="1800" b="0" i="0" u="none" strike="noStrike" cap="none" spc="0" normalizeH="0" baseline="0">
             <a:ln>
               <a:noFill/>
             </a:ln>
@@ -4505,7 +5334,7 @@
           <a:buFontTx/>
           <a:buNone/>
           <a:tabLst/>
-          <a:defRPr b="0" baseline="0" cap="none" i="0" spc="0" strike="noStrike" sz="1800" u="none" kumimoji="0" normalizeH="0">
+          <a:defRPr kumimoji="0" sz="1800" b="0" i="0" u="none" strike="noStrike" cap="none" spc="0" normalizeH="0" baseline="0">
             <a:ln>
               <a:noFill/>
             </a:ln>
@@ -4531,7 +5360,7 @@
           <a:buFontTx/>
           <a:buNone/>
           <a:tabLst/>
-          <a:defRPr b="0" baseline="0" cap="none" i="0" spc="0" strike="noStrike" sz="1800" u="none" kumimoji="0" normalizeH="0">
+          <a:defRPr kumimoji="0" sz="1800" b="0" i="0" u="none" strike="noStrike" cap="none" spc="0" normalizeH="0" baseline="0">
             <a:ln>
               <a:noFill/>
             </a:ln>
@@ -4557,7 +5386,7 @@
           <a:buFontTx/>
           <a:buNone/>
           <a:tabLst/>
-          <a:defRPr b="0" baseline="0" cap="none" i="0" spc="0" strike="noStrike" sz="1800" u="none" kumimoji="0" normalizeH="0">
+          <a:defRPr kumimoji="0" sz="1800" b="0" i="0" u="none" strike="noStrike" cap="none" spc="0" normalizeH="0" baseline="0">
             <a:ln>
               <a:noFill/>
             </a:ln>
@@ -4570,9 +5399,15 @@
         </a:lvl9pPr>
       </a:lstStyle>
       <a:style>
-        <a:lnRef idx="0"/>
-        <a:fillRef idx="0"/>
-        <a:effectRef idx="0"/>
+        <a:lnRef idx="0">
+          <a:scrgbClr r="0" g="0" b="0"/>
+        </a:lnRef>
+        <a:fillRef idx="0">
+          <a:scrgbClr r="0" g="0" b="0"/>
+        </a:fillRef>
+        <a:effectRef idx="0">
+          <a:scrgbClr r="0" g="0" b="0"/>
+        </a:effectRef>
         <a:fontRef idx="none"/>
       </a:style>
     </a:spDef>
@@ -4589,7 +5424,7 @@
         <a:effectLst/>
         <a:sp3d/>
       </a:spPr>
-      <a:bodyPr rot="0" spcFirstLastPara="1" vertOverflow="overflow" horzOverflow="overflow" vert="horz" wrap="square" lIns="91439" tIns="45719" rIns="91439" bIns="45719" numCol="1" spcCol="38100" rtlCol="0" anchor="t" upright="0">
+      <a:bodyPr rot="0" spcFirstLastPara="1" vertOverflow="overflow" horzOverflow="overflow" vert="horz" wrap="square" lIns="91439" tIns="45719" rIns="91439" bIns="45719" numCol="1" spcCol="38100" rtlCol="0" anchor="t">
         <a:noAutofit/>
       </a:bodyPr>
       <a:lstStyle>
@@ -4608,7 +5443,7 @@
           <a:buFontTx/>
           <a:buNone/>
           <a:tabLst/>
-          <a:defRPr b="0" baseline="0" cap="none" i="0" spc="0" strike="noStrike" sz="1800" u="none" kumimoji="0" normalizeH="0">
+          <a:defRPr kumimoji="0" sz="1800" b="0" i="0" u="none" strike="noStrike" cap="none" spc="0" normalizeH="0" baseline="0">
             <a:ln>
               <a:noFill/>
             </a:ln>
@@ -4634,7 +5469,7 @@
           <a:buFontTx/>
           <a:buNone/>
           <a:tabLst/>
-          <a:defRPr b="0" baseline="0" cap="none" i="0" spc="0" strike="noStrike" sz="1800" u="none" kumimoji="0" normalizeH="0">
+          <a:defRPr kumimoji="0" sz="1800" b="0" i="0" u="none" strike="noStrike" cap="none" spc="0" normalizeH="0" baseline="0">
             <a:ln>
               <a:noFill/>
             </a:ln>
@@ -4660,7 +5495,7 @@
           <a:buFontTx/>
           <a:buNone/>
           <a:tabLst/>
-          <a:defRPr b="0" baseline="0" cap="none" i="0" spc="0" strike="noStrike" sz="1800" u="none" kumimoji="0" normalizeH="0">
+          <a:defRPr kumimoji="0" sz="1800" b="0" i="0" u="none" strike="noStrike" cap="none" spc="0" normalizeH="0" baseline="0">
             <a:ln>
               <a:noFill/>
             </a:ln>
@@ -4686,7 +5521,7 @@
           <a:buFontTx/>
           <a:buNone/>
           <a:tabLst/>
-          <a:defRPr b="0" baseline="0" cap="none" i="0" spc="0" strike="noStrike" sz="1800" u="none" kumimoji="0" normalizeH="0">
+          <a:defRPr kumimoji="0" sz="1800" b="0" i="0" u="none" strike="noStrike" cap="none" spc="0" normalizeH="0" baseline="0">
             <a:ln>
               <a:noFill/>
             </a:ln>
@@ -4712,7 +5547,7 @@
           <a:buFontTx/>
           <a:buNone/>
           <a:tabLst/>
-          <a:defRPr b="0" baseline="0" cap="none" i="0" spc="0" strike="noStrike" sz="1800" u="none" kumimoji="0" normalizeH="0">
+          <a:defRPr kumimoji="0" sz="1800" b="0" i="0" u="none" strike="noStrike" cap="none" spc="0" normalizeH="0" baseline="0">
             <a:ln>
               <a:noFill/>
             </a:ln>
@@ -4738,7 +5573,7 @@
           <a:buFontTx/>
           <a:buNone/>
           <a:tabLst/>
-          <a:defRPr b="0" baseline="0" cap="none" i="0" spc="0" strike="noStrike" sz="1800" u="none" kumimoji="0" normalizeH="0">
+          <a:defRPr kumimoji="0" sz="1800" b="0" i="0" u="none" strike="noStrike" cap="none" spc="0" normalizeH="0" baseline="0">
             <a:ln>
               <a:noFill/>
             </a:ln>
@@ -4764,7 +5599,7 @@
           <a:buFontTx/>
           <a:buNone/>
           <a:tabLst/>
-          <a:defRPr b="0" baseline="0" cap="none" i="0" spc="0" strike="noStrike" sz="1800" u="none" kumimoji="0" normalizeH="0">
+          <a:defRPr kumimoji="0" sz="1800" b="0" i="0" u="none" strike="noStrike" cap="none" spc="0" normalizeH="0" baseline="0">
             <a:ln>
               <a:noFill/>
             </a:ln>
@@ -4790,7 +5625,7 @@
           <a:buFontTx/>
           <a:buNone/>
           <a:tabLst/>
-          <a:defRPr b="0" baseline="0" cap="none" i="0" spc="0" strike="noStrike" sz="1800" u="none" kumimoji="0" normalizeH="0">
+          <a:defRPr kumimoji="0" sz="1800" b="0" i="0" u="none" strike="noStrike" cap="none" spc="0" normalizeH="0" baseline="0">
             <a:ln>
               <a:noFill/>
             </a:ln>
@@ -4816,7 +5651,7 @@
           <a:buFontTx/>
           <a:buNone/>
           <a:tabLst/>
-          <a:defRPr b="0" baseline="0" cap="none" i="0" spc="0" strike="noStrike" sz="1800" u="none" kumimoji="0" normalizeH="0">
+          <a:defRPr kumimoji="0" sz="1800" b="0" i="0" u="none" strike="noStrike" cap="none" spc="0" normalizeH="0" baseline="0">
             <a:ln>
               <a:noFill/>
             </a:ln>
@@ -4842,7 +5677,7 @@
           <a:buFontTx/>
           <a:buNone/>
           <a:tabLst/>
-          <a:defRPr b="0" baseline="0" cap="none" i="0" spc="0" strike="noStrike" sz="1800" u="none" kumimoji="0" normalizeH="0">
+          <a:defRPr kumimoji="0" sz="1800" b="0" i="0" u="none" strike="noStrike" cap="none" spc="0" normalizeH="0" baseline="0">
             <a:ln>
               <a:noFill/>
             </a:ln>
@@ -4855,9 +5690,15 @@
         </a:lvl9pPr>
       </a:lstStyle>
       <a:style>
-        <a:lnRef idx="0"/>
-        <a:fillRef idx="0"/>
-        <a:effectRef idx="0"/>
+        <a:lnRef idx="0">
+          <a:scrgbClr r="0" g="0" b="0"/>
+        </a:lnRef>
+        <a:fillRef idx="0">
+          <a:scrgbClr r="0" g="0" b="0"/>
+        </a:fillRef>
+        <a:effectRef idx="0">
+          <a:scrgbClr r="0" g="0" b="0"/>
+        </a:effectRef>
         <a:fontRef idx="none"/>
       </a:style>
     </a:lnDef>
@@ -4871,7 +5712,7 @@
         <a:effectLst/>
         <a:sp3d/>
       </a:spPr>
-      <a:bodyPr rot="0" spcFirstLastPara="1" vertOverflow="overflow" horzOverflow="overflow" vert="horz" wrap="square" lIns="50800" tIns="50800" rIns="50800" bIns="50800" numCol="1" spcCol="38100" rtlCol="0" anchor="ctr" upright="0">
+      <a:bodyPr rot="0" spcFirstLastPara="1" vertOverflow="overflow" horzOverflow="overflow" vert="horz" wrap="square" lIns="50800" tIns="50800" rIns="50800" bIns="50800" numCol="1" spcCol="38100" rtlCol="0" anchor="ctr">
         <a:spAutoFit/>
       </a:bodyPr>
       <a:lstStyle>
@@ -4890,7 +5731,7 @@
           <a:buFontTx/>
           <a:buNone/>
           <a:tabLst/>
-          <a:defRPr b="0" baseline="0" cap="none" i="0" spc="0" strike="noStrike" sz="2400" u="none" kumimoji="0" normalizeH="0">
+          <a:defRPr kumimoji="0" sz="2400" b="0" i="0" u="none" strike="noStrike" cap="none" spc="0" normalizeH="0" baseline="0">
             <a:ln>
               <a:noFill/>
             </a:ln>
@@ -4920,7 +5761,7 @@
           <a:buFontTx/>
           <a:buNone/>
           <a:tabLst/>
-          <a:defRPr b="0" baseline="0" cap="none" i="0" spc="0" strike="noStrike" sz="1800" u="none" kumimoji="0" normalizeH="0">
+          <a:defRPr kumimoji="0" sz="1800" b="0" i="0" u="none" strike="noStrike" cap="none" spc="0" normalizeH="0" baseline="0">
             <a:ln>
               <a:noFill/>
             </a:ln>
@@ -4946,7 +5787,7 @@
           <a:buFontTx/>
           <a:buNone/>
           <a:tabLst/>
-          <a:defRPr b="0" baseline="0" cap="none" i="0" spc="0" strike="noStrike" sz="1800" u="none" kumimoji="0" normalizeH="0">
+          <a:defRPr kumimoji="0" sz="1800" b="0" i="0" u="none" strike="noStrike" cap="none" spc="0" normalizeH="0" baseline="0">
             <a:ln>
               <a:noFill/>
             </a:ln>
@@ -4972,7 +5813,7 @@
           <a:buFontTx/>
           <a:buNone/>
           <a:tabLst/>
-          <a:defRPr b="0" baseline="0" cap="none" i="0" spc="0" strike="noStrike" sz="1800" u="none" kumimoji="0" normalizeH="0">
+          <a:defRPr kumimoji="0" sz="1800" b="0" i="0" u="none" strike="noStrike" cap="none" spc="0" normalizeH="0" baseline="0">
             <a:ln>
               <a:noFill/>
             </a:ln>
@@ -4998,7 +5839,7 @@
           <a:buFontTx/>
           <a:buNone/>
           <a:tabLst/>
-          <a:defRPr b="0" baseline="0" cap="none" i="0" spc="0" strike="noStrike" sz="1800" u="none" kumimoji="0" normalizeH="0">
+          <a:defRPr kumimoji="0" sz="1800" b="0" i="0" u="none" strike="noStrike" cap="none" spc="0" normalizeH="0" baseline="0">
             <a:ln>
               <a:noFill/>
             </a:ln>
@@ -5024,7 +5865,7 @@
           <a:buFontTx/>
           <a:buNone/>
           <a:tabLst/>
-          <a:defRPr b="0" baseline="0" cap="none" i="0" spc="0" strike="noStrike" sz="1800" u="none" kumimoji="0" normalizeH="0">
+          <a:defRPr kumimoji="0" sz="1800" b="0" i="0" u="none" strike="noStrike" cap="none" spc="0" normalizeH="0" baseline="0">
             <a:ln>
               <a:noFill/>
             </a:ln>
@@ -5050,7 +5891,7 @@
           <a:buFontTx/>
           <a:buNone/>
           <a:tabLst/>
-          <a:defRPr b="0" baseline="0" cap="none" i="0" spc="0" strike="noStrike" sz="1800" u="none" kumimoji="0" normalizeH="0">
+          <a:defRPr kumimoji="0" sz="1800" b="0" i="0" u="none" strike="noStrike" cap="none" spc="0" normalizeH="0" baseline="0">
             <a:ln>
               <a:noFill/>
             </a:ln>
@@ -5076,7 +5917,7 @@
           <a:buFontTx/>
           <a:buNone/>
           <a:tabLst/>
-          <a:defRPr b="0" baseline="0" cap="none" i="0" spc="0" strike="noStrike" sz="1800" u="none" kumimoji="0" normalizeH="0">
+          <a:defRPr kumimoji="0" sz="1800" b="0" i="0" u="none" strike="noStrike" cap="none" spc="0" normalizeH="0" baseline="0">
             <a:ln>
               <a:noFill/>
             </a:ln>
@@ -5102,7 +5943,7 @@
           <a:buFontTx/>
           <a:buNone/>
           <a:tabLst/>
-          <a:defRPr b="0" baseline="0" cap="none" i="0" spc="0" strike="noStrike" sz="1800" u="none" kumimoji="0" normalizeH="0">
+          <a:defRPr kumimoji="0" sz="1800" b="0" i="0" u="none" strike="noStrike" cap="none" spc="0" normalizeH="0" baseline="0">
             <a:ln>
               <a:noFill/>
             </a:ln>
@@ -5128,7 +5969,7 @@
           <a:buFontTx/>
           <a:buNone/>
           <a:tabLst/>
-          <a:defRPr b="0" baseline="0" cap="none" i="0" spc="0" strike="noStrike" sz="1800" u="none" kumimoji="0" normalizeH="0">
+          <a:defRPr kumimoji="0" sz="1800" b="0" i="0" u="none" strike="noStrike" cap="none" spc="0" normalizeH="0" baseline="0">
             <a:ln>
               <a:noFill/>
             </a:ln>
@@ -5141,18 +5982,25 @@
         </a:lvl9pPr>
       </a:lstStyle>
       <a:style>
-        <a:lnRef idx="0"/>
-        <a:fillRef idx="0"/>
-        <a:effectRef idx="0"/>
+        <a:lnRef idx="0">
+          <a:scrgbClr r="0" g="0" b="0"/>
+        </a:lnRef>
+        <a:fillRef idx="0">
+          <a:scrgbClr r="0" g="0" b="0"/>
+        </a:fillRef>
+        <a:effectRef idx="0">
+          <a:scrgbClr r="0" g="0" b="0"/>
+        </a:effectRef>
         <a:fontRef idx="none"/>
       </a:style>
     </a:txDef>
   </a:objectDefaults>
+  <a:extraClrSchemeLst/>
 </a:theme>
 </file>
 
 <file path=ppt/theme/theme2.xml><?xml version="1.0" encoding="utf-8"?>
-<a:theme xmlns:a="http://schemas.openxmlformats.org/drawingml/2006/main" xmlns:r="http://schemas.openxmlformats.org/officeDocument/2006/relationships" name="23_ClassicWhite">
+<a:theme xmlns:a="http://schemas.openxmlformats.org/drawingml/2006/main" name="23_ClassicWhite">
   <a:themeElements>
     <a:clrScheme name="23_ClassicWhite">
       <a:dk1>
@@ -5351,7 +6199,7 @@
         <a:effectLst/>
         <a:sp3d/>
       </a:spPr>
-      <a:bodyPr rot="0" spcFirstLastPara="1" vertOverflow="overflow" horzOverflow="overflow" vert="horz" wrap="square" lIns="50800" tIns="50800" rIns="50800" bIns="50800" numCol="1" spcCol="38100" rtlCol="0" anchor="ctr" upright="0">
+      <a:bodyPr rot="0" spcFirstLastPara="1" vertOverflow="overflow" horzOverflow="overflow" vert="horz" wrap="square" lIns="50800" tIns="50800" rIns="50800" bIns="50800" numCol="1" spcCol="38100" rtlCol="0" anchor="ctr">
         <a:spAutoFit/>
       </a:bodyPr>
       <a:lstStyle>
@@ -5370,7 +6218,7 @@
           <a:buFontTx/>
           <a:buNone/>
           <a:tabLst/>
-          <a:defRPr b="0" baseline="0" cap="none" i="0" spc="0" strike="noStrike" sz="3200" u="none" kumimoji="0" normalizeH="0">
+          <a:defRPr kumimoji="0" sz="3200" b="0" i="0" u="none" strike="noStrike" cap="none" spc="0" normalizeH="0" baseline="0">
             <a:ln>
               <a:noFill/>
             </a:ln>
@@ -5400,7 +6248,7 @@
           <a:buFontTx/>
           <a:buNone/>
           <a:tabLst/>
-          <a:defRPr b="0" baseline="0" cap="none" i="0" spc="0" strike="noStrike" sz="1800" u="none" kumimoji="0" normalizeH="0">
+          <a:defRPr kumimoji="0" sz="1800" b="0" i="0" u="none" strike="noStrike" cap="none" spc="0" normalizeH="0" baseline="0">
             <a:ln>
               <a:noFill/>
             </a:ln>
@@ -5426,7 +6274,7 @@
           <a:buFontTx/>
           <a:buNone/>
           <a:tabLst/>
-          <a:defRPr b="0" baseline="0" cap="none" i="0" spc="0" strike="noStrike" sz="1800" u="none" kumimoji="0" normalizeH="0">
+          <a:defRPr kumimoji="0" sz="1800" b="0" i="0" u="none" strike="noStrike" cap="none" spc="0" normalizeH="0" baseline="0">
             <a:ln>
               <a:noFill/>
             </a:ln>
@@ -5452,7 +6300,7 @@
           <a:buFontTx/>
           <a:buNone/>
           <a:tabLst/>
-          <a:defRPr b="0" baseline="0" cap="none" i="0" spc="0" strike="noStrike" sz="1800" u="none" kumimoji="0" normalizeH="0">
+          <a:defRPr kumimoji="0" sz="1800" b="0" i="0" u="none" strike="noStrike" cap="none" spc="0" normalizeH="0" baseline="0">
             <a:ln>
               <a:noFill/>
             </a:ln>
@@ -5478,7 +6326,7 @@
           <a:buFontTx/>
           <a:buNone/>
           <a:tabLst/>
-          <a:defRPr b="0" baseline="0" cap="none" i="0" spc="0" strike="noStrike" sz="1800" u="none" kumimoji="0" normalizeH="0">
+          <a:defRPr kumimoji="0" sz="1800" b="0" i="0" u="none" strike="noStrike" cap="none" spc="0" normalizeH="0" baseline="0">
             <a:ln>
               <a:noFill/>
             </a:ln>
@@ -5504,7 +6352,7 @@
           <a:buFontTx/>
           <a:buNone/>
           <a:tabLst/>
-          <a:defRPr b="0" baseline="0" cap="none" i="0" spc="0" strike="noStrike" sz="1800" u="none" kumimoji="0" normalizeH="0">
+          <a:defRPr kumimoji="0" sz="1800" b="0" i="0" u="none" strike="noStrike" cap="none" spc="0" normalizeH="0" baseline="0">
             <a:ln>
               <a:noFill/>
             </a:ln>
@@ -5530,7 +6378,7 @@
           <a:buFontTx/>
           <a:buNone/>
           <a:tabLst/>
-          <a:defRPr b="0" baseline="0" cap="none" i="0" spc="0" strike="noStrike" sz="1800" u="none" kumimoji="0" normalizeH="0">
+          <a:defRPr kumimoji="0" sz="1800" b="0" i="0" u="none" strike="noStrike" cap="none" spc="0" normalizeH="0" baseline="0">
             <a:ln>
               <a:noFill/>
             </a:ln>
@@ -5556,7 +6404,7 @@
           <a:buFontTx/>
           <a:buNone/>
           <a:tabLst/>
-          <a:defRPr b="0" baseline="0" cap="none" i="0" spc="0" strike="noStrike" sz="1800" u="none" kumimoji="0" normalizeH="0">
+          <a:defRPr kumimoji="0" sz="1800" b="0" i="0" u="none" strike="noStrike" cap="none" spc="0" normalizeH="0" baseline="0">
             <a:ln>
               <a:noFill/>
             </a:ln>
@@ -5582,7 +6430,7 @@
           <a:buFontTx/>
           <a:buNone/>
           <a:tabLst/>
-          <a:defRPr b="0" baseline="0" cap="none" i="0" spc="0" strike="noStrike" sz="1800" u="none" kumimoji="0" normalizeH="0">
+          <a:defRPr kumimoji="0" sz="1800" b="0" i="0" u="none" strike="noStrike" cap="none" spc="0" normalizeH="0" baseline="0">
             <a:ln>
               <a:noFill/>
             </a:ln>
@@ -5608,7 +6456,7 @@
           <a:buFontTx/>
           <a:buNone/>
           <a:tabLst/>
-          <a:defRPr b="0" baseline="0" cap="none" i="0" spc="0" strike="noStrike" sz="1800" u="none" kumimoji="0" normalizeH="0">
+          <a:defRPr kumimoji="0" sz="1800" b="0" i="0" u="none" strike="noStrike" cap="none" spc="0" normalizeH="0" baseline="0">
             <a:ln>
               <a:noFill/>
             </a:ln>
@@ -5621,9 +6469,15 @@
         </a:lvl9pPr>
       </a:lstStyle>
       <a:style>
-        <a:lnRef idx="0"/>
-        <a:fillRef idx="0"/>
-        <a:effectRef idx="0"/>
+        <a:lnRef idx="0">
+          <a:scrgbClr r="0" g="0" b="0"/>
+        </a:lnRef>
+        <a:fillRef idx="0">
+          <a:scrgbClr r="0" g="0" b="0"/>
+        </a:fillRef>
+        <a:effectRef idx="0">
+          <a:scrgbClr r="0" g="0" b="0"/>
+        </a:effectRef>
         <a:fontRef idx="none"/>
       </a:style>
     </a:spDef>
@@ -5640,7 +6494,7 @@
         <a:effectLst/>
         <a:sp3d/>
       </a:spPr>
-      <a:bodyPr rot="0" spcFirstLastPara="1" vertOverflow="overflow" horzOverflow="overflow" vert="horz" wrap="square" lIns="91439" tIns="45719" rIns="91439" bIns="45719" numCol="1" spcCol="38100" rtlCol="0" anchor="t" upright="0">
+      <a:bodyPr rot="0" spcFirstLastPara="1" vertOverflow="overflow" horzOverflow="overflow" vert="horz" wrap="square" lIns="91439" tIns="45719" rIns="91439" bIns="45719" numCol="1" spcCol="38100" rtlCol="0" anchor="t">
         <a:noAutofit/>
       </a:bodyPr>
       <a:lstStyle>
@@ -5659,7 +6513,7 @@
           <a:buFontTx/>
           <a:buNone/>
           <a:tabLst/>
-          <a:defRPr b="0" baseline="0" cap="none" i="0" spc="0" strike="noStrike" sz="1800" u="none" kumimoji="0" normalizeH="0">
+          <a:defRPr kumimoji="0" sz="1800" b="0" i="0" u="none" strike="noStrike" cap="none" spc="0" normalizeH="0" baseline="0">
             <a:ln>
               <a:noFill/>
             </a:ln>
@@ -5685,7 +6539,7 @@
           <a:buFontTx/>
           <a:buNone/>
           <a:tabLst/>
-          <a:defRPr b="0" baseline="0" cap="none" i="0" spc="0" strike="noStrike" sz="1800" u="none" kumimoji="0" normalizeH="0">
+          <a:defRPr kumimoji="0" sz="1800" b="0" i="0" u="none" strike="noStrike" cap="none" spc="0" normalizeH="0" baseline="0">
             <a:ln>
               <a:noFill/>
             </a:ln>
@@ -5711,7 +6565,7 @@
           <a:buFontTx/>
           <a:buNone/>
           <a:tabLst/>
-          <a:defRPr b="0" baseline="0" cap="none" i="0" spc="0" strike="noStrike" sz="1800" u="none" kumimoji="0" normalizeH="0">
+          <a:defRPr kumimoji="0" sz="1800" b="0" i="0" u="none" strike="noStrike" cap="none" spc="0" normalizeH="0" baseline="0">
             <a:ln>
               <a:noFill/>
             </a:ln>
@@ -5737,7 +6591,7 @@
           <a:buFontTx/>
           <a:buNone/>
           <a:tabLst/>
-          <a:defRPr b="0" baseline="0" cap="none" i="0" spc="0" strike="noStrike" sz="1800" u="none" kumimoji="0" normalizeH="0">
+          <a:defRPr kumimoji="0" sz="1800" b="0" i="0" u="none" strike="noStrike" cap="none" spc="0" normalizeH="0" baseline="0">
             <a:ln>
               <a:noFill/>
             </a:ln>
@@ -5763,7 +6617,7 @@
           <a:buFontTx/>
           <a:buNone/>
           <a:tabLst/>
-          <a:defRPr b="0" baseline="0" cap="none" i="0" spc="0" strike="noStrike" sz="1800" u="none" kumimoji="0" normalizeH="0">
+          <a:defRPr kumimoji="0" sz="1800" b="0" i="0" u="none" strike="noStrike" cap="none" spc="0" normalizeH="0" baseline="0">
             <a:ln>
               <a:noFill/>
             </a:ln>
@@ -5789,7 +6643,7 @@
           <a:buFontTx/>
           <a:buNone/>
           <a:tabLst/>
-          <a:defRPr b="0" baseline="0" cap="none" i="0" spc="0" strike="noStrike" sz="1800" u="none" kumimoji="0" normalizeH="0">
+          <a:defRPr kumimoji="0" sz="1800" b="0" i="0" u="none" strike="noStrike" cap="none" spc="0" normalizeH="0" baseline="0">
             <a:ln>
               <a:noFill/>
             </a:ln>
@@ -5815,7 +6669,7 @@
           <a:buFontTx/>
           <a:buNone/>
           <a:tabLst/>
-          <a:defRPr b="0" baseline="0" cap="none" i="0" spc="0" strike="noStrike" sz="1800" u="none" kumimoji="0" normalizeH="0">
+          <a:defRPr kumimoji="0" sz="1800" b="0" i="0" u="none" strike="noStrike" cap="none" spc="0" normalizeH="0" baseline="0">
             <a:ln>
               <a:noFill/>
             </a:ln>
@@ -5841,7 +6695,7 @@
           <a:buFontTx/>
           <a:buNone/>
           <a:tabLst/>
-          <a:defRPr b="0" baseline="0" cap="none" i="0" spc="0" strike="noStrike" sz="1800" u="none" kumimoji="0" normalizeH="0">
+          <a:defRPr kumimoji="0" sz="1800" b="0" i="0" u="none" strike="noStrike" cap="none" spc="0" normalizeH="0" baseline="0">
             <a:ln>
               <a:noFill/>
             </a:ln>
@@ -5867,7 +6721,7 @@
           <a:buFontTx/>
           <a:buNone/>
           <a:tabLst/>
-          <a:defRPr b="0" baseline="0" cap="none" i="0" spc="0" strike="noStrike" sz="1800" u="none" kumimoji="0" normalizeH="0">
+          <a:defRPr kumimoji="0" sz="1800" b="0" i="0" u="none" strike="noStrike" cap="none" spc="0" normalizeH="0" baseline="0">
             <a:ln>
               <a:noFill/>
             </a:ln>
@@ -5893,7 +6747,7 @@
           <a:buFontTx/>
           <a:buNone/>
           <a:tabLst/>
-          <a:defRPr b="0" baseline="0" cap="none" i="0" spc="0" strike="noStrike" sz="1800" u="none" kumimoji="0" normalizeH="0">
+          <a:defRPr kumimoji="0" sz="1800" b="0" i="0" u="none" strike="noStrike" cap="none" spc="0" normalizeH="0" baseline="0">
             <a:ln>
               <a:noFill/>
             </a:ln>
@@ -5906,9 +6760,15 @@
         </a:lvl9pPr>
       </a:lstStyle>
       <a:style>
-        <a:lnRef idx="0"/>
-        <a:fillRef idx="0"/>
-        <a:effectRef idx="0"/>
+        <a:lnRef idx="0">
+          <a:scrgbClr r="0" g="0" b="0"/>
+        </a:lnRef>
+        <a:fillRef idx="0">
+          <a:scrgbClr r="0" g="0" b="0"/>
+        </a:fillRef>
+        <a:effectRef idx="0">
+          <a:scrgbClr r="0" g="0" b="0"/>
+        </a:effectRef>
         <a:fontRef idx="none"/>
       </a:style>
     </a:lnDef>
@@ -5922,7 +6782,7 @@
         <a:effectLst/>
         <a:sp3d/>
       </a:spPr>
-      <a:bodyPr rot="0" spcFirstLastPara="1" vertOverflow="overflow" horzOverflow="overflow" vert="horz" wrap="square" lIns="50800" tIns="50800" rIns="50800" bIns="50800" numCol="1" spcCol="38100" rtlCol="0" anchor="ctr" upright="0">
+      <a:bodyPr rot="0" spcFirstLastPara="1" vertOverflow="overflow" horzOverflow="overflow" vert="horz" wrap="square" lIns="50800" tIns="50800" rIns="50800" bIns="50800" numCol="1" spcCol="38100" rtlCol="0" anchor="ctr">
         <a:spAutoFit/>
       </a:bodyPr>
       <a:lstStyle>
@@ -5941,7 +6801,7 @@
           <a:buFontTx/>
           <a:buNone/>
           <a:tabLst/>
-          <a:defRPr b="0" baseline="0" cap="none" i="0" spc="0" strike="noStrike" sz="2400" u="none" kumimoji="0" normalizeH="0">
+          <a:defRPr kumimoji="0" sz="2400" b="0" i="0" u="none" strike="noStrike" cap="none" spc="0" normalizeH="0" baseline="0">
             <a:ln>
               <a:noFill/>
             </a:ln>
@@ -5971,7 +6831,7 @@
           <a:buFontTx/>
           <a:buNone/>
           <a:tabLst/>
-          <a:defRPr b="0" baseline="0" cap="none" i="0" spc="0" strike="noStrike" sz="1800" u="none" kumimoji="0" normalizeH="0">
+          <a:defRPr kumimoji="0" sz="1800" b="0" i="0" u="none" strike="noStrike" cap="none" spc="0" normalizeH="0" baseline="0">
             <a:ln>
               <a:noFill/>
             </a:ln>
@@ -5997,7 +6857,7 @@
           <a:buFontTx/>
           <a:buNone/>
           <a:tabLst/>
-          <a:defRPr b="0" baseline="0" cap="none" i="0" spc="0" strike="noStrike" sz="1800" u="none" kumimoji="0" normalizeH="0">
+          <a:defRPr kumimoji="0" sz="1800" b="0" i="0" u="none" strike="noStrike" cap="none" spc="0" normalizeH="0" baseline="0">
             <a:ln>
               <a:noFill/>
             </a:ln>
@@ -6023,7 +6883,7 @@
           <a:buFontTx/>
           <a:buNone/>
           <a:tabLst/>
-          <a:defRPr b="0" baseline="0" cap="none" i="0" spc="0" strike="noStrike" sz="1800" u="none" kumimoji="0" normalizeH="0">
+          <a:defRPr kumimoji="0" sz="1800" b="0" i="0" u="none" strike="noStrike" cap="none" spc="0" normalizeH="0" baseline="0">
             <a:ln>
               <a:noFill/>
             </a:ln>
@@ -6049,7 +6909,7 @@
           <a:buFontTx/>
           <a:buNone/>
           <a:tabLst/>
-          <a:defRPr b="0" baseline="0" cap="none" i="0" spc="0" strike="noStrike" sz="1800" u="none" kumimoji="0" normalizeH="0">
+          <a:defRPr kumimoji="0" sz="1800" b="0" i="0" u="none" strike="noStrike" cap="none" spc="0" normalizeH="0" baseline="0">
             <a:ln>
               <a:noFill/>
             </a:ln>
@@ -6075,7 +6935,7 @@
           <a:buFontTx/>
           <a:buNone/>
           <a:tabLst/>
-          <a:defRPr b="0" baseline="0" cap="none" i="0" spc="0" strike="noStrike" sz="1800" u="none" kumimoji="0" normalizeH="0">
+          <a:defRPr kumimoji="0" sz="1800" b="0" i="0" u="none" strike="noStrike" cap="none" spc="0" normalizeH="0" baseline="0">
             <a:ln>
               <a:noFill/>
             </a:ln>
@@ -6101,7 +6961,7 @@
           <a:buFontTx/>
           <a:buNone/>
           <a:tabLst/>
-          <a:defRPr b="0" baseline="0" cap="none" i="0" spc="0" strike="noStrike" sz="1800" u="none" kumimoji="0" normalizeH="0">
+          <a:defRPr kumimoji="0" sz="1800" b="0" i="0" u="none" strike="noStrike" cap="none" spc="0" normalizeH="0" baseline="0">
             <a:ln>
               <a:noFill/>
             </a:ln>
@@ -6127,7 +6987,7 @@
           <a:buFontTx/>
           <a:buNone/>
           <a:tabLst/>
-          <a:defRPr b="0" baseline="0" cap="none" i="0" spc="0" strike="noStrike" sz="1800" u="none" kumimoji="0" normalizeH="0">
+          <a:defRPr kumimoji="0" sz="1800" b="0" i="0" u="none" strike="noStrike" cap="none" spc="0" normalizeH="0" baseline="0">
             <a:ln>
               <a:noFill/>
             </a:ln>
@@ -6153,7 +7013,7 @@
           <a:buFontTx/>
           <a:buNone/>
           <a:tabLst/>
-          <a:defRPr b="0" baseline="0" cap="none" i="0" spc="0" strike="noStrike" sz="1800" u="none" kumimoji="0" normalizeH="0">
+          <a:defRPr kumimoji="0" sz="1800" b="0" i="0" u="none" strike="noStrike" cap="none" spc="0" normalizeH="0" baseline="0">
             <a:ln>
               <a:noFill/>
             </a:ln>
@@ -6179,7 +7039,7 @@
           <a:buFontTx/>
           <a:buNone/>
           <a:tabLst/>
-          <a:defRPr b="0" baseline="0" cap="none" i="0" spc="0" strike="noStrike" sz="1800" u="none" kumimoji="0" normalizeH="0">
+          <a:defRPr kumimoji="0" sz="1800" b="0" i="0" u="none" strike="noStrike" cap="none" spc="0" normalizeH="0" baseline="0">
             <a:ln>
               <a:noFill/>
             </a:ln>
@@ -6192,12 +7052,19 @@
         </a:lvl9pPr>
       </a:lstStyle>
       <a:style>
-        <a:lnRef idx="0"/>
-        <a:fillRef idx="0"/>
-        <a:effectRef idx="0"/>
+        <a:lnRef idx="0">
+          <a:scrgbClr r="0" g="0" b="0"/>
+        </a:lnRef>
+        <a:fillRef idx="0">
+          <a:scrgbClr r="0" g="0" b="0"/>
+        </a:fillRef>
+        <a:effectRef idx="0">
+          <a:scrgbClr r="0" g="0" b="0"/>
+        </a:effectRef>
         <a:fontRef idx="none"/>
       </a:style>
     </a:txDef>
   </a:objectDefaults>
+  <a:extraClrSchemeLst/>
 </a:theme>
 </file>
--- a/Презентация.pptx
+++ b/Презентация.pptx
@@ -8,11 +8,11 @@
     <p:notesMasterId r:id="rId9"/>
   </p:notesMasterIdLst>
   <p:sldIdLst>
-    <p:sldId id="256" r:id="rId2"/>
-    <p:sldId id="257" r:id="rId3"/>
-    <p:sldId id="258" r:id="rId4"/>
-    <p:sldId id="260" r:id="rId5"/>
-    <p:sldId id="259" r:id="rId6"/>
+    <p:sldId id="257" r:id="rId2"/>
+    <p:sldId id="258" r:id="rId3"/>
+    <p:sldId id="260" r:id="rId4"/>
+    <p:sldId id="259" r:id="rId5"/>
+    <p:sldId id="263" r:id="rId6"/>
     <p:sldId id="261" r:id="rId7"/>
     <p:sldId id="262" r:id="rId8"/>
   </p:sldIdLst>
@@ -316,6 +316,11 @@
       </a:defRPr>
     </a:lvl9pPr>
   </p:defaultTextStyle>
+  <p:extLst>
+    <p:ext uri="{EFAFB233-063F-42B5-8137-9DF3F51BA10A}">
+      <p15:sldGuideLst xmlns:p15="http://schemas.microsoft.com/office/powerpoint/2012/main"/>
+    </p:ext>
+  </p:extLst>
 </p:presentation>
 </file>
 
@@ -503,1181 +508,6 @@
 </file>
 
 <file path=ppt/slideLayouts/slideLayout1.xml><?xml version="1.0" encoding="utf-8"?>
-<p:sldLayout xmlns:a="http://schemas.openxmlformats.org/drawingml/2006/main" xmlns:r="http://schemas.openxmlformats.org/officeDocument/2006/relationships" xmlns:p="http://schemas.openxmlformats.org/presentationml/2006/main" type="title">
-  <p:cSld name="Заголовок">
-    <p:spTree>
-      <p:nvGrpSpPr>
-        <p:cNvPr id="1" name=""/>
-        <p:cNvGrpSpPr/>
-        <p:nvPr/>
-      </p:nvGrpSpPr>
-      <p:grpSpPr>
-        <a:xfrm>
-          <a:off x="0" y="0"/>
-          <a:ext cx="0" cy="0"/>
-          <a:chOff x="0" y="0"/>
-          <a:chExt cx="0" cy="0"/>
-        </a:xfrm>
-      </p:grpSpPr>
-      <p:sp>
-        <p:nvSpPr>
-          <p:cNvPr id="11" name="Автор и дата"/>
-          <p:cNvSpPr txBox="1">
-            <a:spLocks noGrp="1"/>
-          </p:cNvSpPr>
-          <p:nvPr>
-            <p:ph type="body" sz="quarter" idx="21" hasCustomPrompt="1"/>
-          </p:nvPr>
-        </p:nvSpPr>
-        <p:spPr>
-          <a:xfrm>
-            <a:off x="1219200" y="11986162"/>
-            <a:ext cx="21945599" cy="605791"/>
-          </a:xfrm>
-          <a:prstGeom prst="rect">
-            <a:avLst/>
-          </a:prstGeom>
-        </p:spPr>
-        <p:txBody>
-          <a:bodyPr/>
-          <a:lstStyle>
-            <a:lvl1pPr marL="0" indent="0" algn="ctr" defTabSz="808990">
-              <a:lnSpc>
-                <a:spcPct val="100000"/>
-              </a:lnSpc>
-              <a:spcBef>
-                <a:spcPts val="0"/>
-              </a:spcBef>
-              <a:buSzTx/>
-              <a:buNone/>
-              <a:defRPr sz="2940" spc="-29">
-                <a:latin typeface="Avenir Next Medium"/>
-                <a:ea typeface="Avenir Next Medium"/>
-                <a:cs typeface="Avenir Next Medium"/>
-                <a:sym typeface="Avenir Next Medium"/>
-              </a:defRPr>
-            </a:lvl1pPr>
-          </a:lstStyle>
-          <a:p>
-            <a:r>
-              <a:t>Автор и дата</a:t>
-            </a:r>
-          </a:p>
-        </p:txBody>
-      </p:sp>
-      <p:sp>
-        <p:nvSpPr>
-          <p:cNvPr id="12" name="Заголовок презентации"/>
-          <p:cNvSpPr txBox="1">
-            <a:spLocks noGrp="1"/>
-          </p:cNvSpPr>
-          <p:nvPr>
-            <p:ph type="title" hasCustomPrompt="1"/>
-          </p:nvPr>
-        </p:nvSpPr>
-        <p:spPr>
-          <a:xfrm>
-            <a:off x="1219200" y="3543300"/>
-            <a:ext cx="21945600" cy="4267200"/>
-          </a:xfrm>
-          <a:prstGeom prst="rect">
-            <a:avLst/>
-          </a:prstGeom>
-        </p:spPr>
-        <p:txBody>
-          <a:bodyPr anchor="b"/>
-          <a:lstStyle>
-            <a:lvl1pPr>
-              <a:defRPr sz="12800" spc="-128"/>
-            </a:lvl1pPr>
-          </a:lstStyle>
-          <a:p>
-            <a:r>
-              <a:t>Заголовок презентации</a:t>
-            </a:r>
-          </a:p>
-        </p:txBody>
-      </p:sp>
-      <p:sp>
-        <p:nvSpPr>
-          <p:cNvPr id="13" name="Уровень текста 1…"/>
-          <p:cNvSpPr txBox="1">
-            <a:spLocks noGrp="1"/>
-          </p:cNvSpPr>
-          <p:nvPr>
-            <p:ph type="body" sz="quarter" idx="1" hasCustomPrompt="1"/>
-          </p:nvPr>
-        </p:nvSpPr>
-        <p:spPr>
-          <a:xfrm>
-            <a:off x="1219200" y="7567579"/>
-            <a:ext cx="21945600" cy="2250593"/>
-          </a:xfrm>
-          <a:prstGeom prst="rect">
-            <a:avLst/>
-          </a:prstGeom>
-        </p:spPr>
-        <p:txBody>
-          <a:bodyPr/>
-          <a:lstStyle>
-            <a:lvl1pPr marL="0" indent="0" algn="ctr" defTabSz="825500">
-              <a:lnSpc>
-                <a:spcPct val="100000"/>
-              </a:lnSpc>
-              <a:spcBef>
-                <a:spcPts val="0"/>
-              </a:spcBef>
-              <a:buSzTx/>
-              <a:buNone/>
-              <a:defRPr sz="6000" spc="-59">
-                <a:latin typeface="Avenir Next Demi Bold"/>
-                <a:ea typeface="Avenir Next Demi Bold"/>
-                <a:cs typeface="Avenir Next Demi Bold"/>
-                <a:sym typeface="Avenir Next Demi Bold"/>
-              </a:defRPr>
-            </a:lvl1pPr>
-            <a:lvl2pPr marL="0" indent="457200" algn="ctr" defTabSz="825500">
-              <a:lnSpc>
-                <a:spcPct val="100000"/>
-              </a:lnSpc>
-              <a:spcBef>
-                <a:spcPts val="0"/>
-              </a:spcBef>
-              <a:buSzTx/>
-              <a:buNone/>
-              <a:defRPr sz="6000" spc="-59">
-                <a:latin typeface="Avenir Next Demi Bold"/>
-                <a:ea typeface="Avenir Next Demi Bold"/>
-                <a:cs typeface="Avenir Next Demi Bold"/>
-                <a:sym typeface="Avenir Next Demi Bold"/>
-              </a:defRPr>
-            </a:lvl2pPr>
-            <a:lvl3pPr marL="0" indent="914400" algn="ctr" defTabSz="825500">
-              <a:lnSpc>
-                <a:spcPct val="100000"/>
-              </a:lnSpc>
-              <a:spcBef>
-                <a:spcPts val="0"/>
-              </a:spcBef>
-              <a:buSzTx/>
-              <a:buNone/>
-              <a:defRPr sz="6000" spc="-59">
-                <a:latin typeface="Avenir Next Demi Bold"/>
-                <a:ea typeface="Avenir Next Demi Bold"/>
-                <a:cs typeface="Avenir Next Demi Bold"/>
-                <a:sym typeface="Avenir Next Demi Bold"/>
-              </a:defRPr>
-            </a:lvl3pPr>
-            <a:lvl4pPr marL="0" indent="1371600" algn="ctr" defTabSz="825500">
-              <a:lnSpc>
-                <a:spcPct val="100000"/>
-              </a:lnSpc>
-              <a:spcBef>
-                <a:spcPts val="0"/>
-              </a:spcBef>
-              <a:buSzTx/>
-              <a:buNone/>
-              <a:defRPr sz="6000" spc="-59">
-                <a:latin typeface="Avenir Next Demi Bold"/>
-                <a:ea typeface="Avenir Next Demi Bold"/>
-                <a:cs typeface="Avenir Next Demi Bold"/>
-                <a:sym typeface="Avenir Next Demi Bold"/>
-              </a:defRPr>
-            </a:lvl4pPr>
-            <a:lvl5pPr marL="0" indent="1828800" algn="ctr" defTabSz="825500">
-              <a:lnSpc>
-                <a:spcPct val="100000"/>
-              </a:lnSpc>
-              <a:spcBef>
-                <a:spcPts val="0"/>
-              </a:spcBef>
-              <a:buSzTx/>
-              <a:buNone/>
-              <a:defRPr sz="6000" spc="-59">
-                <a:latin typeface="Avenir Next Demi Bold"/>
-                <a:ea typeface="Avenir Next Demi Bold"/>
-                <a:cs typeface="Avenir Next Demi Bold"/>
-                <a:sym typeface="Avenir Next Demi Bold"/>
-              </a:defRPr>
-            </a:lvl5pPr>
-          </a:lstStyle>
-          <a:p>
-            <a:r>
-              <a:t>Подзаголовок презентации</a:t>
-            </a:r>
-          </a:p>
-          <a:p>
-            <a:pPr lvl="1"/>
-            <a:endParaRPr/>
-          </a:p>
-          <a:p>
-            <a:pPr lvl="2"/>
-            <a:endParaRPr/>
-          </a:p>
-          <a:p>
-            <a:pPr lvl="3"/>
-            <a:endParaRPr/>
-          </a:p>
-          <a:p>
-            <a:pPr lvl="4"/>
-            <a:endParaRPr/>
-          </a:p>
-        </p:txBody>
-      </p:sp>
-      <p:sp>
-        <p:nvSpPr>
-          <p:cNvPr id="14" name="Номер слайда"/>
-          <p:cNvSpPr txBox="1">
-            <a:spLocks noGrp="1"/>
-          </p:cNvSpPr>
-          <p:nvPr>
-            <p:ph type="sldNum" sz="quarter" idx="2"/>
-          </p:nvPr>
-        </p:nvSpPr>
-        <p:spPr>
-          <a:xfrm>
-            <a:off x="11991339" y="12684760"/>
-            <a:ext cx="408941" cy="444501"/>
-          </a:xfrm>
-          <a:prstGeom prst="rect">
-            <a:avLst/>
-          </a:prstGeom>
-        </p:spPr>
-        <p:txBody>
-          <a:bodyPr/>
-          <a:lstStyle/>
-          <a:p>
-            <a:fld id="{86CB4B4D-7CA3-9044-876B-883B54F8677D}" type="slidenum">
-              <a:t>‹#›</a:t>
-            </a:fld>
-            <a:endParaRPr/>
-          </a:p>
-        </p:txBody>
-      </p:sp>
-    </p:spTree>
-  </p:cSld>
-  <p:clrMapOvr>
-    <a:masterClrMapping/>
-  </p:clrMapOvr>
-  <p:transition spd="med"/>
-</p:sldLayout>
-</file>
-
-<file path=ppt/slideLayouts/slideLayout10.xml><?xml version="1.0" encoding="utf-8"?>
-<p:sldLayout xmlns:a="http://schemas.openxmlformats.org/drawingml/2006/main" xmlns:r="http://schemas.openxmlformats.org/officeDocument/2006/relationships" xmlns:p="http://schemas.openxmlformats.org/presentationml/2006/main" type="tx">
-  <p:cSld name="Сообщение">
-    <p:spTree>
-      <p:nvGrpSpPr>
-        <p:cNvPr id="1" name=""/>
-        <p:cNvGrpSpPr/>
-        <p:nvPr/>
-      </p:nvGrpSpPr>
-      <p:grpSpPr>
-        <a:xfrm>
-          <a:off x="0" y="0"/>
-          <a:ext cx="0" cy="0"/>
-          <a:chOff x="0" y="0"/>
-          <a:chExt cx="0" cy="0"/>
-        </a:xfrm>
-      </p:grpSpPr>
-      <p:sp>
-        <p:nvSpPr>
-          <p:cNvPr id="98" name="Уровень текста 1…"/>
-          <p:cNvSpPr txBox="1">
-            <a:spLocks noGrp="1"/>
-          </p:cNvSpPr>
-          <p:nvPr>
-            <p:ph type="body" idx="1" hasCustomPrompt="1"/>
-          </p:nvPr>
-        </p:nvSpPr>
-        <p:spPr>
-          <a:xfrm>
-            <a:off x="1219200" y="3251200"/>
-            <a:ext cx="21945600" cy="6604000"/>
-          </a:xfrm>
-          <a:prstGeom prst="rect">
-            <a:avLst/>
-          </a:prstGeom>
-        </p:spPr>
-        <p:txBody>
-          <a:bodyPr anchor="ctr"/>
-          <a:lstStyle>
-            <a:lvl1pPr marL="0" indent="0" algn="ctr" defTabSz="2438400">
-              <a:lnSpc>
-                <a:spcPct val="80000"/>
-              </a:lnSpc>
-              <a:spcBef>
-                <a:spcPts val="0"/>
-              </a:spcBef>
-              <a:buSzTx/>
-              <a:buNone/>
-              <a:defRPr sz="12800">
-                <a:latin typeface="Canela Regular"/>
-                <a:ea typeface="Canela Regular"/>
-                <a:cs typeface="Canela Regular"/>
-                <a:sym typeface="Canela Regular"/>
-              </a:defRPr>
-            </a:lvl1pPr>
-            <a:lvl2pPr marL="0" indent="457200" algn="ctr" defTabSz="2438400">
-              <a:lnSpc>
-                <a:spcPct val="80000"/>
-              </a:lnSpc>
-              <a:spcBef>
-                <a:spcPts val="0"/>
-              </a:spcBef>
-              <a:buSzTx/>
-              <a:buNone/>
-              <a:defRPr sz="12800">
-                <a:latin typeface="Canela Regular"/>
-                <a:ea typeface="Canela Regular"/>
-                <a:cs typeface="Canela Regular"/>
-                <a:sym typeface="Canela Regular"/>
-              </a:defRPr>
-            </a:lvl2pPr>
-            <a:lvl3pPr marL="0" indent="914400" algn="ctr" defTabSz="2438400">
-              <a:lnSpc>
-                <a:spcPct val="80000"/>
-              </a:lnSpc>
-              <a:spcBef>
-                <a:spcPts val="0"/>
-              </a:spcBef>
-              <a:buSzTx/>
-              <a:buNone/>
-              <a:defRPr sz="12800">
-                <a:latin typeface="Canela Regular"/>
-                <a:ea typeface="Canela Regular"/>
-                <a:cs typeface="Canela Regular"/>
-                <a:sym typeface="Canela Regular"/>
-              </a:defRPr>
-            </a:lvl3pPr>
-            <a:lvl4pPr marL="0" indent="1371600" algn="ctr" defTabSz="2438400">
-              <a:lnSpc>
-                <a:spcPct val="80000"/>
-              </a:lnSpc>
-              <a:spcBef>
-                <a:spcPts val="0"/>
-              </a:spcBef>
-              <a:buSzTx/>
-              <a:buNone/>
-              <a:defRPr sz="12800">
-                <a:latin typeface="Canela Regular"/>
-                <a:ea typeface="Canela Regular"/>
-                <a:cs typeface="Canela Regular"/>
-                <a:sym typeface="Canela Regular"/>
-              </a:defRPr>
-            </a:lvl4pPr>
-            <a:lvl5pPr marL="0" indent="1828800" algn="ctr" defTabSz="2438400">
-              <a:lnSpc>
-                <a:spcPct val="80000"/>
-              </a:lnSpc>
-              <a:spcBef>
-                <a:spcPts val="0"/>
-              </a:spcBef>
-              <a:buSzTx/>
-              <a:buNone/>
-              <a:defRPr sz="12800">
-                <a:latin typeface="Canela Regular"/>
-                <a:ea typeface="Canela Regular"/>
-                <a:cs typeface="Canela Regular"/>
-                <a:sym typeface="Canela Regular"/>
-              </a:defRPr>
-            </a:lvl5pPr>
-          </a:lstStyle>
-          <a:p>
-            <a:r>
-              <a:t>Сообщение</a:t>
-            </a:r>
-          </a:p>
-          <a:p>
-            <a:pPr lvl="1"/>
-            <a:endParaRPr/>
-          </a:p>
-          <a:p>
-            <a:pPr lvl="2"/>
-            <a:endParaRPr/>
-          </a:p>
-          <a:p>
-            <a:pPr lvl="3"/>
-            <a:endParaRPr/>
-          </a:p>
-          <a:p>
-            <a:pPr lvl="4"/>
-            <a:endParaRPr/>
-          </a:p>
-        </p:txBody>
-      </p:sp>
-      <p:sp>
-        <p:nvSpPr>
-          <p:cNvPr id="99" name="Номер слайда"/>
-          <p:cNvSpPr txBox="1">
-            <a:spLocks noGrp="1"/>
-          </p:cNvSpPr>
-          <p:nvPr>
-            <p:ph type="sldNum" sz="quarter" idx="2"/>
-          </p:nvPr>
-        </p:nvSpPr>
-        <p:spPr>
-          <a:prstGeom prst="rect">
-            <a:avLst/>
-          </a:prstGeom>
-        </p:spPr>
-        <p:txBody>
-          <a:bodyPr/>
-          <a:lstStyle/>
-          <a:p>
-            <a:fld id="{86CB4B4D-7CA3-9044-876B-883B54F8677D}" type="slidenum">
-              <a:t>‹#›</a:t>
-            </a:fld>
-            <a:endParaRPr/>
-          </a:p>
-        </p:txBody>
-      </p:sp>
-    </p:spTree>
-  </p:cSld>
-  <p:clrMapOvr>
-    <a:masterClrMapping/>
-  </p:clrMapOvr>
-  <p:transition spd="med"/>
-</p:sldLayout>
-</file>
-
-<file path=ppt/slideLayouts/slideLayout11.xml><?xml version="1.0" encoding="utf-8"?>
-<p:sldLayout xmlns:a="http://schemas.openxmlformats.org/drawingml/2006/main" xmlns:r="http://schemas.openxmlformats.org/officeDocument/2006/relationships" xmlns:p="http://schemas.openxmlformats.org/presentationml/2006/main" type="tx">
-  <p:cSld name="Важный факт">
-    <p:spTree>
-      <p:nvGrpSpPr>
-        <p:cNvPr id="1" name=""/>
-        <p:cNvGrpSpPr/>
-        <p:nvPr/>
-      </p:nvGrpSpPr>
-      <p:grpSpPr>
-        <a:xfrm>
-          <a:off x="0" y="0"/>
-          <a:ext cx="0" cy="0"/>
-          <a:chOff x="0" y="0"/>
-          <a:chExt cx="0" cy="0"/>
-        </a:xfrm>
-      </p:grpSpPr>
-      <p:sp>
-        <p:nvSpPr>
-          <p:cNvPr id="106" name="Информация о факте"/>
-          <p:cNvSpPr txBox="1">
-            <a:spLocks noGrp="1"/>
-          </p:cNvSpPr>
-          <p:nvPr>
-            <p:ph type="body" sz="quarter" idx="21" hasCustomPrompt="1"/>
-          </p:nvPr>
-        </p:nvSpPr>
-        <p:spPr>
-          <a:xfrm>
-            <a:off x="1219200" y="8462239"/>
-            <a:ext cx="21945602" cy="832613"/>
-          </a:xfrm>
-          <a:prstGeom prst="rect">
-            <a:avLst/>
-          </a:prstGeom>
-        </p:spPr>
-        <p:txBody>
-          <a:bodyPr/>
-          <a:lstStyle>
-            <a:lvl1pPr marL="0" indent="0" algn="ctr" defTabSz="792479">
-              <a:lnSpc>
-                <a:spcPct val="100000"/>
-              </a:lnSpc>
-              <a:spcBef>
-                <a:spcPts val="0"/>
-              </a:spcBef>
-              <a:buSzTx/>
-              <a:buNone/>
-              <a:defRPr sz="4224" spc="-42">
-                <a:latin typeface="Avenir Next Demi Bold"/>
-                <a:ea typeface="Avenir Next Demi Bold"/>
-                <a:cs typeface="Avenir Next Demi Bold"/>
-                <a:sym typeface="Avenir Next Demi Bold"/>
-              </a:defRPr>
-            </a:lvl1pPr>
-          </a:lstStyle>
-          <a:p>
-            <a:r>
-              <a:t>Информация о факте</a:t>
-            </a:r>
-          </a:p>
-        </p:txBody>
-      </p:sp>
-      <p:sp>
-        <p:nvSpPr>
-          <p:cNvPr id="107" name="Уровень текста 1…"/>
-          <p:cNvSpPr txBox="1">
-            <a:spLocks noGrp="1"/>
-          </p:cNvSpPr>
-          <p:nvPr>
-            <p:ph type="body" sz="half" idx="1" hasCustomPrompt="1"/>
-          </p:nvPr>
-        </p:nvSpPr>
-        <p:spPr>
-          <a:xfrm>
-            <a:off x="1219200" y="4214484"/>
-            <a:ext cx="21945600" cy="4269708"/>
-          </a:xfrm>
-          <a:prstGeom prst="rect">
-            <a:avLst/>
-          </a:prstGeom>
-        </p:spPr>
-        <p:txBody>
-          <a:bodyPr anchor="b"/>
-          <a:lstStyle>
-            <a:lvl1pPr marL="0" indent="0" algn="ctr" defTabSz="2438400">
-              <a:lnSpc>
-                <a:spcPct val="80000"/>
-              </a:lnSpc>
-              <a:spcBef>
-                <a:spcPts val="0"/>
-              </a:spcBef>
-              <a:buSzTx/>
-              <a:buNone/>
-              <a:defRPr sz="22400">
-                <a:latin typeface="+mn-lt"/>
-                <a:ea typeface="+mn-ea"/>
-                <a:cs typeface="+mn-cs"/>
-                <a:sym typeface="Canela Bold"/>
-              </a:defRPr>
-            </a:lvl1pPr>
-            <a:lvl2pPr marL="0" indent="457200" algn="ctr" defTabSz="2438400">
-              <a:lnSpc>
-                <a:spcPct val="80000"/>
-              </a:lnSpc>
-              <a:spcBef>
-                <a:spcPts val="0"/>
-              </a:spcBef>
-              <a:buSzTx/>
-              <a:buNone/>
-              <a:defRPr sz="22400">
-                <a:latin typeface="+mn-lt"/>
-                <a:ea typeface="+mn-ea"/>
-                <a:cs typeface="+mn-cs"/>
-                <a:sym typeface="Canela Bold"/>
-              </a:defRPr>
-            </a:lvl2pPr>
-            <a:lvl3pPr marL="0" indent="914400" algn="ctr" defTabSz="2438400">
-              <a:lnSpc>
-                <a:spcPct val="80000"/>
-              </a:lnSpc>
-              <a:spcBef>
-                <a:spcPts val="0"/>
-              </a:spcBef>
-              <a:buSzTx/>
-              <a:buNone/>
-              <a:defRPr sz="22400">
-                <a:latin typeface="+mn-lt"/>
-                <a:ea typeface="+mn-ea"/>
-                <a:cs typeface="+mn-cs"/>
-                <a:sym typeface="Canela Bold"/>
-              </a:defRPr>
-            </a:lvl3pPr>
-            <a:lvl4pPr marL="0" indent="1371600" algn="ctr" defTabSz="2438400">
-              <a:lnSpc>
-                <a:spcPct val="80000"/>
-              </a:lnSpc>
-              <a:spcBef>
-                <a:spcPts val="0"/>
-              </a:spcBef>
-              <a:buSzTx/>
-              <a:buNone/>
-              <a:defRPr sz="22400">
-                <a:latin typeface="+mn-lt"/>
-                <a:ea typeface="+mn-ea"/>
-                <a:cs typeface="+mn-cs"/>
-                <a:sym typeface="Canela Bold"/>
-              </a:defRPr>
-            </a:lvl4pPr>
-            <a:lvl5pPr marL="0" indent="1828800" algn="ctr" defTabSz="2438400">
-              <a:lnSpc>
-                <a:spcPct val="80000"/>
-              </a:lnSpc>
-              <a:spcBef>
-                <a:spcPts val="0"/>
-              </a:spcBef>
-              <a:buSzTx/>
-              <a:buNone/>
-              <a:defRPr sz="22400">
-                <a:latin typeface="+mn-lt"/>
-                <a:ea typeface="+mn-ea"/>
-                <a:cs typeface="+mn-cs"/>
-                <a:sym typeface="Canela Bold"/>
-              </a:defRPr>
-            </a:lvl5pPr>
-          </a:lstStyle>
-          <a:p>
-            <a:r>
-              <a:t>100 %</a:t>
-            </a:r>
-          </a:p>
-          <a:p>
-            <a:pPr lvl="1"/>
-            <a:endParaRPr/>
-          </a:p>
-          <a:p>
-            <a:pPr lvl="2"/>
-            <a:endParaRPr/>
-          </a:p>
-          <a:p>
-            <a:pPr lvl="3"/>
-            <a:endParaRPr/>
-          </a:p>
-          <a:p>
-            <a:pPr lvl="4"/>
-            <a:endParaRPr/>
-          </a:p>
-        </p:txBody>
-      </p:sp>
-      <p:sp>
-        <p:nvSpPr>
-          <p:cNvPr id="108" name="Номер слайда"/>
-          <p:cNvSpPr txBox="1">
-            <a:spLocks noGrp="1"/>
-          </p:cNvSpPr>
-          <p:nvPr>
-            <p:ph type="sldNum" sz="quarter" idx="2"/>
-          </p:nvPr>
-        </p:nvSpPr>
-        <p:spPr>
-          <a:prstGeom prst="rect">
-            <a:avLst/>
-          </a:prstGeom>
-        </p:spPr>
-        <p:txBody>
-          <a:bodyPr/>
-          <a:lstStyle/>
-          <a:p>
-            <a:fld id="{86CB4B4D-7CA3-9044-876B-883B54F8677D}" type="slidenum">
-              <a:t>‹#›</a:t>
-            </a:fld>
-            <a:endParaRPr/>
-          </a:p>
-        </p:txBody>
-      </p:sp>
-    </p:spTree>
-  </p:cSld>
-  <p:clrMapOvr>
-    <a:masterClrMapping/>
-  </p:clrMapOvr>
-  <p:transition spd="med"/>
-</p:sldLayout>
-</file>
-
-<file path=ppt/slideLayouts/slideLayout12.xml><?xml version="1.0" encoding="utf-8"?>
-<p:sldLayout xmlns:a="http://schemas.openxmlformats.org/drawingml/2006/main" xmlns:r="http://schemas.openxmlformats.org/officeDocument/2006/relationships" xmlns:p="http://schemas.openxmlformats.org/presentationml/2006/main" type="tx">
-  <p:cSld name="Цитата">
-    <p:spTree>
-      <p:nvGrpSpPr>
-        <p:cNvPr id="1" name=""/>
-        <p:cNvGrpSpPr/>
-        <p:nvPr/>
-      </p:nvGrpSpPr>
-      <p:grpSpPr>
-        <a:xfrm>
-          <a:off x="0" y="0"/>
-          <a:ext cx="0" cy="0"/>
-          <a:chOff x="0" y="0"/>
-          <a:chExt cx="0" cy="0"/>
-        </a:xfrm>
-      </p:grpSpPr>
-      <p:sp>
-        <p:nvSpPr>
-          <p:cNvPr id="115" name="Авторство"/>
-          <p:cNvSpPr txBox="1">
-            <a:spLocks noGrp="1"/>
-          </p:cNvSpPr>
-          <p:nvPr>
-            <p:ph type="body" sz="quarter" idx="21" hasCustomPrompt="1"/>
-          </p:nvPr>
-        </p:nvSpPr>
-        <p:spPr>
-          <a:xfrm>
-            <a:off x="1219200" y="11100053"/>
-            <a:ext cx="21945602" cy="832613"/>
-          </a:xfrm>
-          <a:prstGeom prst="rect">
-            <a:avLst/>
-          </a:prstGeom>
-        </p:spPr>
-        <p:txBody>
-          <a:bodyPr anchor="ctr"/>
-          <a:lstStyle>
-            <a:lvl1pPr marL="0" indent="0" algn="ctr" defTabSz="792479">
-              <a:lnSpc>
-                <a:spcPct val="100000"/>
-              </a:lnSpc>
-              <a:spcBef>
-                <a:spcPts val="0"/>
-              </a:spcBef>
-              <a:buSzTx/>
-              <a:buNone/>
-              <a:defRPr sz="4224" spc="-42">
-                <a:latin typeface="Avenir Next Demi Bold"/>
-                <a:ea typeface="Avenir Next Demi Bold"/>
-                <a:cs typeface="Avenir Next Demi Bold"/>
-                <a:sym typeface="Avenir Next Demi Bold"/>
-              </a:defRPr>
-            </a:lvl1pPr>
-          </a:lstStyle>
-          <a:p>
-            <a:r>
-              <a:t>Авторство</a:t>
-            </a:r>
-          </a:p>
-        </p:txBody>
-      </p:sp>
-      <p:sp>
-        <p:nvSpPr>
-          <p:cNvPr id="116" name="Уровень текста 1…"/>
-          <p:cNvSpPr txBox="1">
-            <a:spLocks noGrp="1"/>
-          </p:cNvSpPr>
-          <p:nvPr>
-            <p:ph type="body" sz="half" idx="1" hasCustomPrompt="1"/>
-          </p:nvPr>
-        </p:nvSpPr>
-        <p:spPr>
-          <a:xfrm>
-            <a:off x="1219200" y="4178300"/>
-            <a:ext cx="21945600" cy="4416425"/>
-          </a:xfrm>
-          <a:prstGeom prst="rect">
-            <a:avLst/>
-          </a:prstGeom>
-        </p:spPr>
-        <p:txBody>
-          <a:bodyPr anchor="ctr"/>
-          <a:lstStyle>
-            <a:lvl1pPr marL="0" indent="0" algn="ctr" defTabSz="2438400">
-              <a:lnSpc>
-                <a:spcPct val="80000"/>
-              </a:lnSpc>
-              <a:spcBef>
-                <a:spcPts val="0"/>
-              </a:spcBef>
-              <a:buSzTx/>
-              <a:buNone/>
-              <a:defRPr sz="8400">
-                <a:latin typeface="+mn-lt"/>
-                <a:ea typeface="+mn-ea"/>
-                <a:cs typeface="+mn-cs"/>
-                <a:sym typeface="Canela Bold"/>
-              </a:defRPr>
-            </a:lvl1pPr>
-            <a:lvl2pPr marL="0" indent="457200" algn="ctr" defTabSz="2438400">
-              <a:lnSpc>
-                <a:spcPct val="80000"/>
-              </a:lnSpc>
-              <a:spcBef>
-                <a:spcPts val="0"/>
-              </a:spcBef>
-              <a:buSzTx/>
-              <a:buNone/>
-              <a:defRPr sz="8400">
-                <a:latin typeface="+mn-lt"/>
-                <a:ea typeface="+mn-ea"/>
-                <a:cs typeface="+mn-cs"/>
-                <a:sym typeface="Canela Bold"/>
-              </a:defRPr>
-            </a:lvl2pPr>
-            <a:lvl3pPr marL="0" indent="914400" algn="ctr" defTabSz="2438400">
-              <a:lnSpc>
-                <a:spcPct val="80000"/>
-              </a:lnSpc>
-              <a:spcBef>
-                <a:spcPts val="0"/>
-              </a:spcBef>
-              <a:buSzTx/>
-              <a:buNone/>
-              <a:defRPr sz="8400">
-                <a:latin typeface="+mn-lt"/>
-                <a:ea typeface="+mn-ea"/>
-                <a:cs typeface="+mn-cs"/>
-                <a:sym typeface="Canela Bold"/>
-              </a:defRPr>
-            </a:lvl3pPr>
-            <a:lvl4pPr marL="0" indent="1371600" algn="ctr" defTabSz="2438400">
-              <a:lnSpc>
-                <a:spcPct val="80000"/>
-              </a:lnSpc>
-              <a:spcBef>
-                <a:spcPts val="0"/>
-              </a:spcBef>
-              <a:buSzTx/>
-              <a:buNone/>
-              <a:defRPr sz="8400">
-                <a:latin typeface="+mn-lt"/>
-                <a:ea typeface="+mn-ea"/>
-                <a:cs typeface="+mn-cs"/>
-                <a:sym typeface="Canela Bold"/>
-              </a:defRPr>
-            </a:lvl4pPr>
-            <a:lvl5pPr marL="0" indent="1828800" algn="ctr" defTabSz="2438400">
-              <a:lnSpc>
-                <a:spcPct val="80000"/>
-              </a:lnSpc>
-              <a:spcBef>
-                <a:spcPts val="0"/>
-              </a:spcBef>
-              <a:buSzTx/>
-              <a:buNone/>
-              <a:defRPr sz="8400">
-                <a:latin typeface="+mn-lt"/>
-                <a:ea typeface="+mn-ea"/>
-                <a:cs typeface="+mn-cs"/>
-                <a:sym typeface="Canela Bold"/>
-              </a:defRPr>
-            </a:lvl5pPr>
-          </a:lstStyle>
-          <a:p>
-            <a:r>
-              <a:t>«Важная цитата»</a:t>
-            </a:r>
-          </a:p>
-          <a:p>
-            <a:pPr lvl="1"/>
-            <a:endParaRPr/>
-          </a:p>
-          <a:p>
-            <a:pPr lvl="2"/>
-            <a:endParaRPr/>
-          </a:p>
-          <a:p>
-            <a:pPr lvl="3"/>
-            <a:endParaRPr/>
-          </a:p>
-          <a:p>
-            <a:pPr lvl="4"/>
-            <a:endParaRPr/>
-          </a:p>
-        </p:txBody>
-      </p:sp>
-      <p:sp>
-        <p:nvSpPr>
-          <p:cNvPr id="117" name="Номер слайда"/>
-          <p:cNvSpPr txBox="1">
-            <a:spLocks noGrp="1"/>
-          </p:cNvSpPr>
-          <p:nvPr>
-            <p:ph type="sldNum" sz="quarter" idx="2"/>
-          </p:nvPr>
-        </p:nvSpPr>
-        <p:spPr>
-          <a:xfrm>
-            <a:off x="11991339" y="12684760"/>
-            <a:ext cx="408941" cy="444501"/>
-          </a:xfrm>
-          <a:prstGeom prst="rect">
-            <a:avLst/>
-          </a:prstGeom>
-        </p:spPr>
-        <p:txBody>
-          <a:bodyPr/>
-          <a:lstStyle/>
-          <a:p>
-            <a:fld id="{86CB4B4D-7CA3-9044-876B-883B54F8677D}" type="slidenum">
-              <a:t>‹#›</a:t>
-            </a:fld>
-            <a:endParaRPr/>
-          </a:p>
-        </p:txBody>
-      </p:sp>
-    </p:spTree>
-  </p:cSld>
-  <p:clrMapOvr>
-    <a:masterClrMapping/>
-  </p:clrMapOvr>
-  <p:transition spd="med"/>
-</p:sldLayout>
-</file>
-
-<file path=ppt/slideLayouts/slideLayout13.xml><?xml version="1.0" encoding="utf-8"?>
-<p:sldLayout xmlns:a="http://schemas.openxmlformats.org/drawingml/2006/main" xmlns:r="http://schemas.openxmlformats.org/officeDocument/2006/relationships" xmlns:p="http://schemas.openxmlformats.org/presentationml/2006/main" type="tx">
-  <p:cSld name="Фото (3 шт.)">
-    <p:spTree>
-      <p:nvGrpSpPr>
-        <p:cNvPr id="1" name=""/>
-        <p:cNvGrpSpPr/>
-        <p:nvPr/>
-      </p:nvGrpSpPr>
-      <p:grpSpPr>
-        <a:xfrm>
-          <a:off x="0" y="0"/>
-          <a:ext cx="0" cy="0"/>
-          <a:chOff x="0" y="0"/>
-          <a:chExt cx="0" cy="0"/>
-        </a:xfrm>
-      </p:grpSpPr>
-      <p:sp>
-        <p:nvSpPr>
-          <p:cNvPr id="124" name="941297804_1296x1457.jpg"/>
-          <p:cNvSpPr>
-            <a:spLocks noGrp="1"/>
-          </p:cNvSpPr>
-          <p:nvPr>
-            <p:ph type="pic" sz="quarter" idx="21"/>
-          </p:nvPr>
-        </p:nvSpPr>
-        <p:spPr>
-          <a:xfrm>
-            <a:off x="15744825" y="5581752"/>
-            <a:ext cx="7365408" cy="8280401"/>
-          </a:xfrm>
-          <a:prstGeom prst="rect">
-            <a:avLst/>
-          </a:prstGeom>
-        </p:spPr>
-        <p:txBody>
-          <a:bodyPr lIns="91439" tIns="45719" rIns="91439" bIns="45719">
-            <a:noAutofit/>
-          </a:bodyPr>
-          <a:lstStyle/>
-          <a:p>
-            <a:endParaRPr/>
-          </a:p>
-        </p:txBody>
-      </p:sp>
-      <p:sp>
-        <p:nvSpPr>
-          <p:cNvPr id="125" name="915009552_2264x1509.jpg"/>
-          <p:cNvSpPr>
-            <a:spLocks noGrp="1"/>
-          </p:cNvSpPr>
-          <p:nvPr>
-            <p:ph type="pic" sz="quarter" idx="22"/>
-          </p:nvPr>
-        </p:nvSpPr>
-        <p:spPr>
-          <a:xfrm>
-            <a:off x="15363825" y="1270000"/>
-            <a:ext cx="8115300" cy="5409006"/>
-          </a:xfrm>
-          <a:prstGeom prst="rect">
-            <a:avLst/>
-          </a:prstGeom>
-        </p:spPr>
-        <p:txBody>
-          <a:bodyPr lIns="91439" tIns="45719" rIns="91439" bIns="45719">
-            <a:noAutofit/>
-          </a:bodyPr>
-          <a:lstStyle/>
-          <a:p>
-            <a:endParaRPr/>
-          </a:p>
-        </p:txBody>
-      </p:sp>
-      <p:sp>
-        <p:nvSpPr>
-          <p:cNvPr id="126" name="740519873_3318x2212.jpg"/>
-          <p:cNvSpPr>
-            <a:spLocks noGrp="1"/>
-          </p:cNvSpPr>
-          <p:nvPr>
-            <p:ph type="pic" idx="23"/>
-          </p:nvPr>
-        </p:nvSpPr>
-        <p:spPr>
-          <a:xfrm>
-            <a:off x="-63500" y="1270000"/>
-            <a:ext cx="16764000" cy="11176000"/>
-          </a:xfrm>
-          <a:prstGeom prst="rect">
-            <a:avLst/>
-          </a:prstGeom>
-        </p:spPr>
-        <p:txBody>
-          <a:bodyPr lIns="91439" tIns="45719" rIns="91439" bIns="45719">
-            <a:noAutofit/>
-          </a:bodyPr>
-          <a:lstStyle/>
-          <a:p>
-            <a:endParaRPr/>
-          </a:p>
-        </p:txBody>
-      </p:sp>
-      <p:sp>
-        <p:nvSpPr>
-          <p:cNvPr id="127" name="Номер слайда"/>
-          <p:cNvSpPr txBox="1">
-            <a:spLocks noGrp="1"/>
-          </p:cNvSpPr>
-          <p:nvPr>
-            <p:ph type="sldNum" sz="quarter" idx="2"/>
-          </p:nvPr>
-        </p:nvSpPr>
-        <p:spPr>
-          <a:xfrm>
-            <a:off x="11991339" y="12684760"/>
-            <a:ext cx="408941" cy="444501"/>
-          </a:xfrm>
-          <a:prstGeom prst="rect">
-            <a:avLst/>
-          </a:prstGeom>
-        </p:spPr>
-        <p:txBody>
-          <a:bodyPr/>
-          <a:lstStyle/>
-          <a:p>
-            <a:fld id="{86CB4B4D-7CA3-9044-876B-883B54F8677D}" type="slidenum">
-              <a:t>‹#›</a:t>
-            </a:fld>
-            <a:endParaRPr/>
-          </a:p>
-        </p:txBody>
-      </p:sp>
-    </p:spTree>
-  </p:cSld>
-  <p:clrMapOvr>
-    <a:masterClrMapping/>
-  </p:clrMapOvr>
-  <p:transition spd="med"/>
-</p:sldLayout>
-</file>
-
-<file path=ppt/slideLayouts/slideLayout14.xml><?xml version="1.0" encoding="utf-8"?>
-<p:sldLayout xmlns:a="http://schemas.openxmlformats.org/drawingml/2006/main" xmlns:r="http://schemas.openxmlformats.org/officeDocument/2006/relationships" xmlns:p="http://schemas.openxmlformats.org/presentationml/2006/main" type="tx">
-  <p:cSld name="Фото">
-    <p:spTree>
-      <p:nvGrpSpPr>
-        <p:cNvPr id="1" name=""/>
-        <p:cNvGrpSpPr/>
-        <p:nvPr/>
-      </p:nvGrpSpPr>
-      <p:grpSpPr>
-        <a:xfrm>
-          <a:off x="0" y="0"/>
-          <a:ext cx="0" cy="0"/>
-          <a:chOff x="0" y="0"/>
-          <a:chExt cx="0" cy="0"/>
-        </a:xfrm>
-      </p:grpSpPr>
-      <p:sp>
-        <p:nvSpPr>
-          <p:cNvPr id="134" name="740519873_3318x2212.jpg"/>
-          <p:cNvSpPr>
-            <a:spLocks noGrp="1"/>
-          </p:cNvSpPr>
-          <p:nvPr>
-            <p:ph type="pic" idx="21"/>
-          </p:nvPr>
-        </p:nvSpPr>
-        <p:spPr>
-          <a:xfrm>
-            <a:off x="1270000" y="-423334"/>
-            <a:ext cx="21844000" cy="14562668"/>
-          </a:xfrm>
-          <a:prstGeom prst="rect">
-            <a:avLst/>
-          </a:prstGeom>
-        </p:spPr>
-        <p:txBody>
-          <a:bodyPr lIns="91439" tIns="45719" rIns="91439" bIns="45719">
-            <a:noAutofit/>
-          </a:bodyPr>
-          <a:lstStyle/>
-          <a:p>
-            <a:endParaRPr/>
-          </a:p>
-        </p:txBody>
-      </p:sp>
-      <p:sp>
-        <p:nvSpPr>
-          <p:cNvPr id="135" name="Номер слайда"/>
-          <p:cNvSpPr txBox="1">
-            <a:spLocks noGrp="1"/>
-          </p:cNvSpPr>
-          <p:nvPr>
-            <p:ph type="sldNum" sz="quarter" idx="2"/>
-          </p:nvPr>
-        </p:nvSpPr>
-        <p:spPr>
-          <a:xfrm>
-            <a:off x="11991339" y="12684760"/>
-            <a:ext cx="408941" cy="444501"/>
-          </a:xfrm>
-          <a:prstGeom prst="rect">
-            <a:avLst/>
-          </a:prstGeom>
-        </p:spPr>
-        <p:txBody>
-          <a:bodyPr/>
-          <a:lstStyle/>
-          <a:p>
-            <a:fld id="{86CB4B4D-7CA3-9044-876B-883B54F8677D}" type="slidenum">
-              <a:t>‹#›</a:t>
-            </a:fld>
-            <a:endParaRPr/>
-          </a:p>
-        </p:txBody>
-      </p:sp>
-    </p:spTree>
-  </p:cSld>
-  <p:clrMapOvr>
-    <a:masterClrMapping/>
-  </p:clrMapOvr>
-  <p:transition spd="med"/>
-</p:sldLayout>
-</file>
-
-<file path=ppt/slideLayouts/slideLayout15.xml><?xml version="1.0" encoding="utf-8"?>
-<p:sldLayout xmlns:a="http://schemas.openxmlformats.org/drawingml/2006/main" xmlns:r="http://schemas.openxmlformats.org/officeDocument/2006/relationships" xmlns:p="http://schemas.openxmlformats.org/presentationml/2006/main" type="tx">
-  <p:cSld name="Пустой">
-    <p:spTree>
-      <p:nvGrpSpPr>
-        <p:cNvPr id="1" name=""/>
-        <p:cNvGrpSpPr/>
-        <p:nvPr/>
-      </p:nvGrpSpPr>
-      <p:grpSpPr>
-        <a:xfrm>
-          <a:off x="0" y="0"/>
-          <a:ext cx="0" cy="0"/>
-          <a:chOff x="0" y="0"/>
-          <a:chExt cx="0" cy="0"/>
-        </a:xfrm>
-      </p:grpSpPr>
-      <p:sp>
-        <p:nvSpPr>
-          <p:cNvPr id="142" name="Номер слайда"/>
-          <p:cNvSpPr txBox="1">
-            <a:spLocks noGrp="1"/>
-          </p:cNvSpPr>
-          <p:nvPr>
-            <p:ph type="sldNum" sz="quarter" idx="2"/>
-          </p:nvPr>
-        </p:nvSpPr>
-        <p:spPr>
-          <a:xfrm>
-            <a:off x="11991339" y="12684760"/>
-            <a:ext cx="408941" cy="444501"/>
-          </a:xfrm>
-          <a:prstGeom prst="rect">
-            <a:avLst/>
-          </a:prstGeom>
-        </p:spPr>
-        <p:txBody>
-          <a:bodyPr/>
-          <a:lstStyle/>
-          <a:p>
-            <a:fld id="{86CB4B4D-7CA3-9044-876B-883B54F8677D}" type="slidenum">
-              <a:t>‹#›</a:t>
-            </a:fld>
-            <a:endParaRPr/>
-          </a:p>
-        </p:txBody>
-      </p:sp>
-    </p:spTree>
-  </p:cSld>
-  <p:clrMapOvr>
-    <a:masterClrMapping/>
-  </p:clrMapOvr>
-  <p:transition spd="med"/>
-</p:sldLayout>
-</file>
-
-<file path=ppt/slideLayouts/slideLayout2.xml><?xml version="1.0" encoding="utf-8"?>
 <p:sldLayout xmlns:a="http://schemas.openxmlformats.org/drawingml/2006/main" xmlns:r="http://schemas.openxmlformats.org/officeDocument/2006/relationships" xmlns:p="http://schemas.openxmlformats.org/presentationml/2006/main" type="tx">
   <p:cSld name="Заголовок и фото">
     <p:spTree>
@@ -1993,7 +823,743 @@
 </p:sldLayout>
 </file>
 
-<file path=ppt/slideLayouts/slideLayout3.xml><?xml version="1.0" encoding="utf-8"?>
+<file path=ppt/slideLayouts/slideLayout10.xml><?xml version="1.0" encoding="utf-8"?>
+<p:sldLayout xmlns:a="http://schemas.openxmlformats.org/drawingml/2006/main" xmlns:r="http://schemas.openxmlformats.org/officeDocument/2006/relationships" xmlns:p="http://schemas.openxmlformats.org/presentationml/2006/main" type="tx">
+  <p:cSld name="Важный факт">
+    <p:spTree>
+      <p:nvGrpSpPr>
+        <p:cNvPr id="1" name=""/>
+        <p:cNvGrpSpPr/>
+        <p:nvPr/>
+      </p:nvGrpSpPr>
+      <p:grpSpPr>
+        <a:xfrm>
+          <a:off x="0" y="0"/>
+          <a:ext cx="0" cy="0"/>
+          <a:chOff x="0" y="0"/>
+          <a:chExt cx="0" cy="0"/>
+        </a:xfrm>
+      </p:grpSpPr>
+      <p:sp>
+        <p:nvSpPr>
+          <p:cNvPr id="106" name="Информация о факте"/>
+          <p:cNvSpPr txBox="1">
+            <a:spLocks noGrp="1"/>
+          </p:cNvSpPr>
+          <p:nvPr>
+            <p:ph type="body" sz="quarter" idx="21" hasCustomPrompt="1"/>
+          </p:nvPr>
+        </p:nvSpPr>
+        <p:spPr>
+          <a:xfrm>
+            <a:off x="1219200" y="8462239"/>
+            <a:ext cx="21945602" cy="832613"/>
+          </a:xfrm>
+          <a:prstGeom prst="rect">
+            <a:avLst/>
+          </a:prstGeom>
+        </p:spPr>
+        <p:txBody>
+          <a:bodyPr/>
+          <a:lstStyle>
+            <a:lvl1pPr marL="0" indent="0" algn="ctr" defTabSz="792479">
+              <a:lnSpc>
+                <a:spcPct val="100000"/>
+              </a:lnSpc>
+              <a:spcBef>
+                <a:spcPts val="0"/>
+              </a:spcBef>
+              <a:buSzTx/>
+              <a:buNone/>
+              <a:defRPr sz="4224" spc="-42">
+                <a:latin typeface="Avenir Next Demi Bold"/>
+                <a:ea typeface="Avenir Next Demi Bold"/>
+                <a:cs typeface="Avenir Next Demi Bold"/>
+                <a:sym typeface="Avenir Next Demi Bold"/>
+              </a:defRPr>
+            </a:lvl1pPr>
+          </a:lstStyle>
+          <a:p>
+            <a:r>
+              <a:t>Информация о факте</a:t>
+            </a:r>
+          </a:p>
+        </p:txBody>
+      </p:sp>
+      <p:sp>
+        <p:nvSpPr>
+          <p:cNvPr id="107" name="Уровень текста 1…"/>
+          <p:cNvSpPr txBox="1">
+            <a:spLocks noGrp="1"/>
+          </p:cNvSpPr>
+          <p:nvPr>
+            <p:ph type="body" sz="half" idx="1" hasCustomPrompt="1"/>
+          </p:nvPr>
+        </p:nvSpPr>
+        <p:spPr>
+          <a:xfrm>
+            <a:off x="1219200" y="4214484"/>
+            <a:ext cx="21945600" cy="4269708"/>
+          </a:xfrm>
+          <a:prstGeom prst="rect">
+            <a:avLst/>
+          </a:prstGeom>
+        </p:spPr>
+        <p:txBody>
+          <a:bodyPr anchor="b"/>
+          <a:lstStyle>
+            <a:lvl1pPr marL="0" indent="0" algn="ctr" defTabSz="2438400">
+              <a:lnSpc>
+                <a:spcPct val="80000"/>
+              </a:lnSpc>
+              <a:spcBef>
+                <a:spcPts val="0"/>
+              </a:spcBef>
+              <a:buSzTx/>
+              <a:buNone/>
+              <a:defRPr sz="22400">
+                <a:latin typeface="+mn-lt"/>
+                <a:ea typeface="+mn-ea"/>
+                <a:cs typeface="+mn-cs"/>
+                <a:sym typeface="Canela Bold"/>
+              </a:defRPr>
+            </a:lvl1pPr>
+            <a:lvl2pPr marL="0" indent="457200" algn="ctr" defTabSz="2438400">
+              <a:lnSpc>
+                <a:spcPct val="80000"/>
+              </a:lnSpc>
+              <a:spcBef>
+                <a:spcPts val="0"/>
+              </a:spcBef>
+              <a:buSzTx/>
+              <a:buNone/>
+              <a:defRPr sz="22400">
+                <a:latin typeface="+mn-lt"/>
+                <a:ea typeface="+mn-ea"/>
+                <a:cs typeface="+mn-cs"/>
+                <a:sym typeface="Canela Bold"/>
+              </a:defRPr>
+            </a:lvl2pPr>
+            <a:lvl3pPr marL="0" indent="914400" algn="ctr" defTabSz="2438400">
+              <a:lnSpc>
+                <a:spcPct val="80000"/>
+              </a:lnSpc>
+              <a:spcBef>
+                <a:spcPts val="0"/>
+              </a:spcBef>
+              <a:buSzTx/>
+              <a:buNone/>
+              <a:defRPr sz="22400">
+                <a:latin typeface="+mn-lt"/>
+                <a:ea typeface="+mn-ea"/>
+                <a:cs typeface="+mn-cs"/>
+                <a:sym typeface="Canela Bold"/>
+              </a:defRPr>
+            </a:lvl3pPr>
+            <a:lvl4pPr marL="0" indent="1371600" algn="ctr" defTabSz="2438400">
+              <a:lnSpc>
+                <a:spcPct val="80000"/>
+              </a:lnSpc>
+              <a:spcBef>
+                <a:spcPts val="0"/>
+              </a:spcBef>
+              <a:buSzTx/>
+              <a:buNone/>
+              <a:defRPr sz="22400">
+                <a:latin typeface="+mn-lt"/>
+                <a:ea typeface="+mn-ea"/>
+                <a:cs typeface="+mn-cs"/>
+                <a:sym typeface="Canela Bold"/>
+              </a:defRPr>
+            </a:lvl4pPr>
+            <a:lvl5pPr marL="0" indent="1828800" algn="ctr" defTabSz="2438400">
+              <a:lnSpc>
+                <a:spcPct val="80000"/>
+              </a:lnSpc>
+              <a:spcBef>
+                <a:spcPts val="0"/>
+              </a:spcBef>
+              <a:buSzTx/>
+              <a:buNone/>
+              <a:defRPr sz="22400">
+                <a:latin typeface="+mn-lt"/>
+                <a:ea typeface="+mn-ea"/>
+                <a:cs typeface="+mn-cs"/>
+                <a:sym typeface="Canela Bold"/>
+              </a:defRPr>
+            </a:lvl5pPr>
+          </a:lstStyle>
+          <a:p>
+            <a:r>
+              <a:t>100 %</a:t>
+            </a:r>
+          </a:p>
+          <a:p>
+            <a:pPr lvl="1"/>
+            <a:endParaRPr/>
+          </a:p>
+          <a:p>
+            <a:pPr lvl="2"/>
+            <a:endParaRPr/>
+          </a:p>
+          <a:p>
+            <a:pPr lvl="3"/>
+            <a:endParaRPr/>
+          </a:p>
+          <a:p>
+            <a:pPr lvl="4"/>
+            <a:endParaRPr/>
+          </a:p>
+        </p:txBody>
+      </p:sp>
+      <p:sp>
+        <p:nvSpPr>
+          <p:cNvPr id="108" name="Номер слайда"/>
+          <p:cNvSpPr txBox="1">
+            <a:spLocks noGrp="1"/>
+          </p:cNvSpPr>
+          <p:nvPr>
+            <p:ph type="sldNum" sz="quarter" idx="2"/>
+          </p:nvPr>
+        </p:nvSpPr>
+        <p:spPr>
+          <a:prstGeom prst="rect">
+            <a:avLst/>
+          </a:prstGeom>
+        </p:spPr>
+        <p:txBody>
+          <a:bodyPr/>
+          <a:lstStyle/>
+          <a:p>
+            <a:fld id="{86CB4B4D-7CA3-9044-876B-883B54F8677D}" type="slidenum">
+              <a:t>‹#›</a:t>
+            </a:fld>
+            <a:endParaRPr/>
+          </a:p>
+        </p:txBody>
+      </p:sp>
+    </p:spTree>
+  </p:cSld>
+  <p:clrMapOvr>
+    <a:masterClrMapping/>
+  </p:clrMapOvr>
+  <p:transition spd="med"/>
+</p:sldLayout>
+</file>
+
+<file path=ppt/slideLayouts/slideLayout11.xml><?xml version="1.0" encoding="utf-8"?>
+<p:sldLayout xmlns:a="http://schemas.openxmlformats.org/drawingml/2006/main" xmlns:r="http://schemas.openxmlformats.org/officeDocument/2006/relationships" xmlns:p="http://schemas.openxmlformats.org/presentationml/2006/main" type="tx">
+  <p:cSld name="Цитата">
+    <p:spTree>
+      <p:nvGrpSpPr>
+        <p:cNvPr id="1" name=""/>
+        <p:cNvGrpSpPr/>
+        <p:nvPr/>
+      </p:nvGrpSpPr>
+      <p:grpSpPr>
+        <a:xfrm>
+          <a:off x="0" y="0"/>
+          <a:ext cx="0" cy="0"/>
+          <a:chOff x="0" y="0"/>
+          <a:chExt cx="0" cy="0"/>
+        </a:xfrm>
+      </p:grpSpPr>
+      <p:sp>
+        <p:nvSpPr>
+          <p:cNvPr id="115" name="Авторство"/>
+          <p:cNvSpPr txBox="1">
+            <a:spLocks noGrp="1"/>
+          </p:cNvSpPr>
+          <p:nvPr>
+            <p:ph type="body" sz="quarter" idx="21" hasCustomPrompt="1"/>
+          </p:nvPr>
+        </p:nvSpPr>
+        <p:spPr>
+          <a:xfrm>
+            <a:off x="1219200" y="11100053"/>
+            <a:ext cx="21945602" cy="832613"/>
+          </a:xfrm>
+          <a:prstGeom prst="rect">
+            <a:avLst/>
+          </a:prstGeom>
+        </p:spPr>
+        <p:txBody>
+          <a:bodyPr anchor="ctr"/>
+          <a:lstStyle>
+            <a:lvl1pPr marL="0" indent="0" algn="ctr" defTabSz="792479">
+              <a:lnSpc>
+                <a:spcPct val="100000"/>
+              </a:lnSpc>
+              <a:spcBef>
+                <a:spcPts val="0"/>
+              </a:spcBef>
+              <a:buSzTx/>
+              <a:buNone/>
+              <a:defRPr sz="4224" spc="-42">
+                <a:latin typeface="Avenir Next Demi Bold"/>
+                <a:ea typeface="Avenir Next Demi Bold"/>
+                <a:cs typeface="Avenir Next Demi Bold"/>
+                <a:sym typeface="Avenir Next Demi Bold"/>
+              </a:defRPr>
+            </a:lvl1pPr>
+          </a:lstStyle>
+          <a:p>
+            <a:r>
+              <a:t>Авторство</a:t>
+            </a:r>
+          </a:p>
+        </p:txBody>
+      </p:sp>
+      <p:sp>
+        <p:nvSpPr>
+          <p:cNvPr id="116" name="Уровень текста 1…"/>
+          <p:cNvSpPr txBox="1">
+            <a:spLocks noGrp="1"/>
+          </p:cNvSpPr>
+          <p:nvPr>
+            <p:ph type="body" sz="half" idx="1" hasCustomPrompt="1"/>
+          </p:nvPr>
+        </p:nvSpPr>
+        <p:spPr>
+          <a:xfrm>
+            <a:off x="1219200" y="4178300"/>
+            <a:ext cx="21945600" cy="4416425"/>
+          </a:xfrm>
+          <a:prstGeom prst="rect">
+            <a:avLst/>
+          </a:prstGeom>
+        </p:spPr>
+        <p:txBody>
+          <a:bodyPr anchor="ctr"/>
+          <a:lstStyle>
+            <a:lvl1pPr marL="0" indent="0" algn="ctr" defTabSz="2438400">
+              <a:lnSpc>
+                <a:spcPct val="80000"/>
+              </a:lnSpc>
+              <a:spcBef>
+                <a:spcPts val="0"/>
+              </a:spcBef>
+              <a:buSzTx/>
+              <a:buNone/>
+              <a:defRPr sz="8400">
+                <a:latin typeface="+mn-lt"/>
+                <a:ea typeface="+mn-ea"/>
+                <a:cs typeface="+mn-cs"/>
+                <a:sym typeface="Canela Bold"/>
+              </a:defRPr>
+            </a:lvl1pPr>
+            <a:lvl2pPr marL="0" indent="457200" algn="ctr" defTabSz="2438400">
+              <a:lnSpc>
+                <a:spcPct val="80000"/>
+              </a:lnSpc>
+              <a:spcBef>
+                <a:spcPts val="0"/>
+              </a:spcBef>
+              <a:buSzTx/>
+              <a:buNone/>
+              <a:defRPr sz="8400">
+                <a:latin typeface="+mn-lt"/>
+                <a:ea typeface="+mn-ea"/>
+                <a:cs typeface="+mn-cs"/>
+                <a:sym typeface="Canela Bold"/>
+              </a:defRPr>
+            </a:lvl2pPr>
+            <a:lvl3pPr marL="0" indent="914400" algn="ctr" defTabSz="2438400">
+              <a:lnSpc>
+                <a:spcPct val="80000"/>
+              </a:lnSpc>
+              <a:spcBef>
+                <a:spcPts val="0"/>
+              </a:spcBef>
+              <a:buSzTx/>
+              <a:buNone/>
+              <a:defRPr sz="8400">
+                <a:latin typeface="+mn-lt"/>
+                <a:ea typeface="+mn-ea"/>
+                <a:cs typeface="+mn-cs"/>
+                <a:sym typeface="Canela Bold"/>
+              </a:defRPr>
+            </a:lvl3pPr>
+            <a:lvl4pPr marL="0" indent="1371600" algn="ctr" defTabSz="2438400">
+              <a:lnSpc>
+                <a:spcPct val="80000"/>
+              </a:lnSpc>
+              <a:spcBef>
+                <a:spcPts val="0"/>
+              </a:spcBef>
+              <a:buSzTx/>
+              <a:buNone/>
+              <a:defRPr sz="8400">
+                <a:latin typeface="+mn-lt"/>
+                <a:ea typeface="+mn-ea"/>
+                <a:cs typeface="+mn-cs"/>
+                <a:sym typeface="Canela Bold"/>
+              </a:defRPr>
+            </a:lvl4pPr>
+            <a:lvl5pPr marL="0" indent="1828800" algn="ctr" defTabSz="2438400">
+              <a:lnSpc>
+                <a:spcPct val="80000"/>
+              </a:lnSpc>
+              <a:spcBef>
+                <a:spcPts val="0"/>
+              </a:spcBef>
+              <a:buSzTx/>
+              <a:buNone/>
+              <a:defRPr sz="8400">
+                <a:latin typeface="+mn-lt"/>
+                <a:ea typeface="+mn-ea"/>
+                <a:cs typeface="+mn-cs"/>
+                <a:sym typeface="Canela Bold"/>
+              </a:defRPr>
+            </a:lvl5pPr>
+          </a:lstStyle>
+          <a:p>
+            <a:r>
+              <a:t>«Важная цитата»</a:t>
+            </a:r>
+          </a:p>
+          <a:p>
+            <a:pPr lvl="1"/>
+            <a:endParaRPr/>
+          </a:p>
+          <a:p>
+            <a:pPr lvl="2"/>
+            <a:endParaRPr/>
+          </a:p>
+          <a:p>
+            <a:pPr lvl="3"/>
+            <a:endParaRPr/>
+          </a:p>
+          <a:p>
+            <a:pPr lvl="4"/>
+            <a:endParaRPr/>
+          </a:p>
+        </p:txBody>
+      </p:sp>
+      <p:sp>
+        <p:nvSpPr>
+          <p:cNvPr id="117" name="Номер слайда"/>
+          <p:cNvSpPr txBox="1">
+            <a:spLocks noGrp="1"/>
+          </p:cNvSpPr>
+          <p:nvPr>
+            <p:ph type="sldNum" sz="quarter" idx="2"/>
+          </p:nvPr>
+        </p:nvSpPr>
+        <p:spPr>
+          <a:xfrm>
+            <a:off x="11991339" y="12684760"/>
+            <a:ext cx="408941" cy="444501"/>
+          </a:xfrm>
+          <a:prstGeom prst="rect">
+            <a:avLst/>
+          </a:prstGeom>
+        </p:spPr>
+        <p:txBody>
+          <a:bodyPr/>
+          <a:lstStyle/>
+          <a:p>
+            <a:fld id="{86CB4B4D-7CA3-9044-876B-883B54F8677D}" type="slidenum">
+              <a:t>‹#›</a:t>
+            </a:fld>
+            <a:endParaRPr/>
+          </a:p>
+        </p:txBody>
+      </p:sp>
+    </p:spTree>
+  </p:cSld>
+  <p:clrMapOvr>
+    <a:masterClrMapping/>
+  </p:clrMapOvr>
+  <p:transition spd="med"/>
+</p:sldLayout>
+</file>
+
+<file path=ppt/slideLayouts/slideLayout12.xml><?xml version="1.0" encoding="utf-8"?>
+<p:sldLayout xmlns:a="http://schemas.openxmlformats.org/drawingml/2006/main" xmlns:r="http://schemas.openxmlformats.org/officeDocument/2006/relationships" xmlns:p="http://schemas.openxmlformats.org/presentationml/2006/main" type="tx">
+  <p:cSld name="Фото (3 шт.)">
+    <p:spTree>
+      <p:nvGrpSpPr>
+        <p:cNvPr id="1" name=""/>
+        <p:cNvGrpSpPr/>
+        <p:nvPr/>
+      </p:nvGrpSpPr>
+      <p:grpSpPr>
+        <a:xfrm>
+          <a:off x="0" y="0"/>
+          <a:ext cx="0" cy="0"/>
+          <a:chOff x="0" y="0"/>
+          <a:chExt cx="0" cy="0"/>
+        </a:xfrm>
+      </p:grpSpPr>
+      <p:sp>
+        <p:nvSpPr>
+          <p:cNvPr id="124" name="941297804_1296x1457.jpg"/>
+          <p:cNvSpPr>
+            <a:spLocks noGrp="1"/>
+          </p:cNvSpPr>
+          <p:nvPr>
+            <p:ph type="pic" sz="quarter" idx="21"/>
+          </p:nvPr>
+        </p:nvSpPr>
+        <p:spPr>
+          <a:xfrm>
+            <a:off x="15744825" y="5581752"/>
+            <a:ext cx="7365408" cy="8280401"/>
+          </a:xfrm>
+          <a:prstGeom prst="rect">
+            <a:avLst/>
+          </a:prstGeom>
+        </p:spPr>
+        <p:txBody>
+          <a:bodyPr lIns="91439" tIns="45719" rIns="91439" bIns="45719">
+            <a:noAutofit/>
+          </a:bodyPr>
+          <a:lstStyle/>
+          <a:p>
+            <a:endParaRPr/>
+          </a:p>
+        </p:txBody>
+      </p:sp>
+      <p:sp>
+        <p:nvSpPr>
+          <p:cNvPr id="125" name="915009552_2264x1509.jpg"/>
+          <p:cNvSpPr>
+            <a:spLocks noGrp="1"/>
+          </p:cNvSpPr>
+          <p:nvPr>
+            <p:ph type="pic" sz="quarter" idx="22"/>
+          </p:nvPr>
+        </p:nvSpPr>
+        <p:spPr>
+          <a:xfrm>
+            <a:off x="15363825" y="1270000"/>
+            <a:ext cx="8115300" cy="5409006"/>
+          </a:xfrm>
+          <a:prstGeom prst="rect">
+            <a:avLst/>
+          </a:prstGeom>
+        </p:spPr>
+        <p:txBody>
+          <a:bodyPr lIns="91439" tIns="45719" rIns="91439" bIns="45719">
+            <a:noAutofit/>
+          </a:bodyPr>
+          <a:lstStyle/>
+          <a:p>
+            <a:endParaRPr/>
+          </a:p>
+        </p:txBody>
+      </p:sp>
+      <p:sp>
+        <p:nvSpPr>
+          <p:cNvPr id="126" name="740519873_3318x2212.jpg"/>
+          <p:cNvSpPr>
+            <a:spLocks noGrp="1"/>
+          </p:cNvSpPr>
+          <p:nvPr>
+            <p:ph type="pic" idx="23"/>
+          </p:nvPr>
+        </p:nvSpPr>
+        <p:spPr>
+          <a:xfrm>
+            <a:off x="-63500" y="1270000"/>
+            <a:ext cx="16764000" cy="11176000"/>
+          </a:xfrm>
+          <a:prstGeom prst="rect">
+            <a:avLst/>
+          </a:prstGeom>
+        </p:spPr>
+        <p:txBody>
+          <a:bodyPr lIns="91439" tIns="45719" rIns="91439" bIns="45719">
+            <a:noAutofit/>
+          </a:bodyPr>
+          <a:lstStyle/>
+          <a:p>
+            <a:endParaRPr/>
+          </a:p>
+        </p:txBody>
+      </p:sp>
+      <p:sp>
+        <p:nvSpPr>
+          <p:cNvPr id="127" name="Номер слайда"/>
+          <p:cNvSpPr txBox="1">
+            <a:spLocks noGrp="1"/>
+          </p:cNvSpPr>
+          <p:nvPr>
+            <p:ph type="sldNum" sz="quarter" idx="2"/>
+          </p:nvPr>
+        </p:nvSpPr>
+        <p:spPr>
+          <a:xfrm>
+            <a:off x="11991339" y="12684760"/>
+            <a:ext cx="408941" cy="444501"/>
+          </a:xfrm>
+          <a:prstGeom prst="rect">
+            <a:avLst/>
+          </a:prstGeom>
+        </p:spPr>
+        <p:txBody>
+          <a:bodyPr/>
+          <a:lstStyle/>
+          <a:p>
+            <a:fld id="{86CB4B4D-7CA3-9044-876B-883B54F8677D}" type="slidenum">
+              <a:t>‹#›</a:t>
+            </a:fld>
+            <a:endParaRPr/>
+          </a:p>
+        </p:txBody>
+      </p:sp>
+    </p:spTree>
+  </p:cSld>
+  <p:clrMapOvr>
+    <a:masterClrMapping/>
+  </p:clrMapOvr>
+  <p:transition spd="med"/>
+</p:sldLayout>
+</file>
+
+<file path=ppt/slideLayouts/slideLayout13.xml><?xml version="1.0" encoding="utf-8"?>
+<p:sldLayout xmlns:a="http://schemas.openxmlformats.org/drawingml/2006/main" xmlns:r="http://schemas.openxmlformats.org/officeDocument/2006/relationships" xmlns:p="http://schemas.openxmlformats.org/presentationml/2006/main" type="tx">
+  <p:cSld name="Фото">
+    <p:spTree>
+      <p:nvGrpSpPr>
+        <p:cNvPr id="1" name=""/>
+        <p:cNvGrpSpPr/>
+        <p:nvPr/>
+      </p:nvGrpSpPr>
+      <p:grpSpPr>
+        <a:xfrm>
+          <a:off x="0" y="0"/>
+          <a:ext cx="0" cy="0"/>
+          <a:chOff x="0" y="0"/>
+          <a:chExt cx="0" cy="0"/>
+        </a:xfrm>
+      </p:grpSpPr>
+      <p:sp>
+        <p:nvSpPr>
+          <p:cNvPr id="134" name="740519873_3318x2212.jpg"/>
+          <p:cNvSpPr>
+            <a:spLocks noGrp="1"/>
+          </p:cNvSpPr>
+          <p:nvPr>
+            <p:ph type="pic" idx="21"/>
+          </p:nvPr>
+        </p:nvSpPr>
+        <p:spPr>
+          <a:xfrm>
+            <a:off x="1270000" y="-423334"/>
+            <a:ext cx="21844000" cy="14562668"/>
+          </a:xfrm>
+          <a:prstGeom prst="rect">
+            <a:avLst/>
+          </a:prstGeom>
+        </p:spPr>
+        <p:txBody>
+          <a:bodyPr lIns="91439" tIns="45719" rIns="91439" bIns="45719">
+            <a:noAutofit/>
+          </a:bodyPr>
+          <a:lstStyle/>
+          <a:p>
+            <a:endParaRPr/>
+          </a:p>
+        </p:txBody>
+      </p:sp>
+      <p:sp>
+        <p:nvSpPr>
+          <p:cNvPr id="135" name="Номер слайда"/>
+          <p:cNvSpPr txBox="1">
+            <a:spLocks noGrp="1"/>
+          </p:cNvSpPr>
+          <p:nvPr>
+            <p:ph type="sldNum" sz="quarter" idx="2"/>
+          </p:nvPr>
+        </p:nvSpPr>
+        <p:spPr>
+          <a:xfrm>
+            <a:off x="11991339" y="12684760"/>
+            <a:ext cx="408941" cy="444501"/>
+          </a:xfrm>
+          <a:prstGeom prst="rect">
+            <a:avLst/>
+          </a:prstGeom>
+        </p:spPr>
+        <p:txBody>
+          <a:bodyPr/>
+          <a:lstStyle/>
+          <a:p>
+            <a:fld id="{86CB4B4D-7CA3-9044-876B-883B54F8677D}" type="slidenum">
+              <a:t>‹#›</a:t>
+            </a:fld>
+            <a:endParaRPr/>
+          </a:p>
+        </p:txBody>
+      </p:sp>
+    </p:spTree>
+  </p:cSld>
+  <p:clrMapOvr>
+    <a:masterClrMapping/>
+  </p:clrMapOvr>
+  <p:transition spd="med"/>
+</p:sldLayout>
+</file>
+
+<file path=ppt/slideLayouts/slideLayout14.xml><?xml version="1.0" encoding="utf-8"?>
+<p:sldLayout xmlns:a="http://schemas.openxmlformats.org/drawingml/2006/main" xmlns:r="http://schemas.openxmlformats.org/officeDocument/2006/relationships" xmlns:p="http://schemas.openxmlformats.org/presentationml/2006/main" type="tx">
+  <p:cSld name="Пустой">
+    <p:spTree>
+      <p:nvGrpSpPr>
+        <p:cNvPr id="1" name=""/>
+        <p:cNvGrpSpPr/>
+        <p:nvPr/>
+      </p:nvGrpSpPr>
+      <p:grpSpPr>
+        <a:xfrm>
+          <a:off x="0" y="0"/>
+          <a:ext cx="0" cy="0"/>
+          <a:chOff x="0" y="0"/>
+          <a:chExt cx="0" cy="0"/>
+        </a:xfrm>
+      </p:grpSpPr>
+      <p:sp>
+        <p:nvSpPr>
+          <p:cNvPr id="142" name="Номер слайда"/>
+          <p:cNvSpPr txBox="1">
+            <a:spLocks noGrp="1"/>
+          </p:cNvSpPr>
+          <p:nvPr>
+            <p:ph type="sldNum" sz="quarter" idx="2"/>
+          </p:nvPr>
+        </p:nvSpPr>
+        <p:spPr>
+          <a:xfrm>
+            <a:off x="11991339" y="12684760"/>
+            <a:ext cx="408941" cy="444501"/>
+          </a:xfrm>
+          <a:prstGeom prst="rect">
+            <a:avLst/>
+          </a:prstGeom>
+        </p:spPr>
+        <p:txBody>
+          <a:bodyPr/>
+          <a:lstStyle/>
+          <a:p>
+            <a:fld id="{86CB4B4D-7CA3-9044-876B-883B54F8677D}" type="slidenum">
+              <a:t>‹#›</a:t>
+            </a:fld>
+            <a:endParaRPr/>
+          </a:p>
+        </p:txBody>
+      </p:sp>
+    </p:spTree>
+  </p:cSld>
+  <p:clrMapOvr>
+    <a:masterClrMapping/>
+  </p:clrMapOvr>
+  <p:transition spd="med"/>
+</p:sldLayout>
+</file>
+
+<file path=ppt/slideLayouts/slideLayout2.xml><?xml version="1.0" encoding="utf-8"?>
 <p:sldLayout xmlns:a="http://schemas.openxmlformats.org/drawingml/2006/main" xmlns:r="http://schemas.openxmlformats.org/officeDocument/2006/relationships" xmlns:p="http://schemas.openxmlformats.org/presentationml/2006/main" type="tx">
   <p:cSld name="Заголовок и фото (вариант)">
     <p:spTree>
@@ -2229,7 +1795,7 @@
 </p:sldLayout>
 </file>
 
-<file path=ppt/slideLayouts/slideLayout4.xml><?xml version="1.0" encoding="utf-8"?>
+<file path=ppt/slideLayouts/slideLayout3.xml><?xml version="1.0" encoding="utf-8"?>
 <p:sldLayout xmlns:a="http://schemas.openxmlformats.org/drawingml/2006/main" xmlns:r="http://schemas.openxmlformats.org/officeDocument/2006/relationships" xmlns:p="http://schemas.openxmlformats.org/presentationml/2006/main" type="tx">
   <p:cSld name="Заголовок и пункты">
     <p:spTree>
@@ -2393,7 +1959,7 @@
 </p:sldLayout>
 </file>
 
-<file path=ppt/slideLayouts/slideLayout5.xml><?xml version="1.0" encoding="utf-8"?>
+<file path=ppt/slideLayouts/slideLayout4.xml><?xml version="1.0" encoding="utf-8"?>
 <p:sldLayout xmlns:a="http://schemas.openxmlformats.org/drawingml/2006/main" xmlns:r="http://schemas.openxmlformats.org/officeDocument/2006/relationships" xmlns:p="http://schemas.openxmlformats.org/presentationml/2006/main" type="tx">
   <p:cSld name="Пункты">
     <p:spTree>
@@ -2494,7 +2060,7 @@
 </p:sldLayout>
 </file>
 
-<file path=ppt/slideLayouts/slideLayout6.xml><?xml version="1.0" encoding="utf-8"?>
+<file path=ppt/slideLayouts/slideLayout5.xml><?xml version="1.0" encoding="utf-8"?>
 <p:sldLayout xmlns:a="http://schemas.openxmlformats.org/drawingml/2006/main" xmlns:r="http://schemas.openxmlformats.org/officeDocument/2006/relationships" xmlns:p="http://schemas.openxmlformats.org/presentationml/2006/main" type="tx">
   <p:cSld name="Заголовок, пункты и фото">
     <p:spTree>
@@ -2699,7 +2265,7 @@
 </p:sldLayout>
 </file>
 
-<file path=ppt/slideLayouts/slideLayout7.xml><?xml version="1.0" encoding="utf-8"?>
+<file path=ppt/slideLayouts/slideLayout6.xml><?xml version="1.0" encoding="utf-8"?>
 <p:sldLayout xmlns:a="http://schemas.openxmlformats.org/drawingml/2006/main" xmlns:r="http://schemas.openxmlformats.org/officeDocument/2006/relationships" xmlns:p="http://schemas.openxmlformats.org/presentationml/2006/main" type="tx">
   <p:cSld name="Раздел">
     <p:spTree>
@@ -2788,7 +2354,7 @@
 </p:sldLayout>
 </file>
 
-<file path=ppt/slideLayouts/slideLayout8.xml><?xml version="1.0" encoding="utf-8"?>
+<file path=ppt/slideLayouts/slideLayout7.xml><?xml version="1.0" encoding="utf-8"?>
 <p:sldLayout xmlns:a="http://schemas.openxmlformats.org/drawingml/2006/main" xmlns:r="http://schemas.openxmlformats.org/officeDocument/2006/relationships" xmlns:p="http://schemas.openxmlformats.org/presentationml/2006/main" type="tx">
   <p:cSld name="Только заголовок">
     <p:spTree>
@@ -2915,7 +2481,7 @@
 </p:sldLayout>
 </file>
 
-<file path=ppt/slideLayouts/slideLayout9.xml><?xml version="1.0" encoding="utf-8"?>
+<file path=ppt/slideLayouts/slideLayout8.xml><?xml version="1.0" encoding="utf-8"?>
 <p:sldLayout xmlns:a="http://schemas.openxmlformats.org/drawingml/2006/main" xmlns:r="http://schemas.openxmlformats.org/officeDocument/2006/relationships" xmlns:p="http://schemas.openxmlformats.org/presentationml/2006/main" type="tx">
   <p:cSld name="Повестка дня">
     <p:spTree>
@@ -3153,6 +2719,184 @@
 </p:sldLayout>
 </file>
 
+<file path=ppt/slideLayouts/slideLayout9.xml><?xml version="1.0" encoding="utf-8"?>
+<p:sldLayout xmlns:a="http://schemas.openxmlformats.org/drawingml/2006/main" xmlns:r="http://schemas.openxmlformats.org/officeDocument/2006/relationships" xmlns:p="http://schemas.openxmlformats.org/presentationml/2006/main" type="tx">
+  <p:cSld name="Сообщение">
+    <p:spTree>
+      <p:nvGrpSpPr>
+        <p:cNvPr id="1" name=""/>
+        <p:cNvGrpSpPr/>
+        <p:nvPr/>
+      </p:nvGrpSpPr>
+      <p:grpSpPr>
+        <a:xfrm>
+          <a:off x="0" y="0"/>
+          <a:ext cx="0" cy="0"/>
+          <a:chOff x="0" y="0"/>
+          <a:chExt cx="0" cy="0"/>
+        </a:xfrm>
+      </p:grpSpPr>
+      <p:sp>
+        <p:nvSpPr>
+          <p:cNvPr id="98" name="Уровень текста 1…"/>
+          <p:cNvSpPr txBox="1">
+            <a:spLocks noGrp="1"/>
+          </p:cNvSpPr>
+          <p:nvPr>
+            <p:ph type="body" idx="1" hasCustomPrompt="1"/>
+          </p:nvPr>
+        </p:nvSpPr>
+        <p:spPr>
+          <a:xfrm>
+            <a:off x="1219200" y="3251200"/>
+            <a:ext cx="21945600" cy="6604000"/>
+          </a:xfrm>
+          <a:prstGeom prst="rect">
+            <a:avLst/>
+          </a:prstGeom>
+        </p:spPr>
+        <p:txBody>
+          <a:bodyPr anchor="ctr"/>
+          <a:lstStyle>
+            <a:lvl1pPr marL="0" indent="0" algn="ctr" defTabSz="2438400">
+              <a:lnSpc>
+                <a:spcPct val="80000"/>
+              </a:lnSpc>
+              <a:spcBef>
+                <a:spcPts val="0"/>
+              </a:spcBef>
+              <a:buSzTx/>
+              <a:buNone/>
+              <a:defRPr sz="12800">
+                <a:latin typeface="Canela Regular"/>
+                <a:ea typeface="Canela Regular"/>
+                <a:cs typeface="Canela Regular"/>
+                <a:sym typeface="Canela Regular"/>
+              </a:defRPr>
+            </a:lvl1pPr>
+            <a:lvl2pPr marL="0" indent="457200" algn="ctr" defTabSz="2438400">
+              <a:lnSpc>
+                <a:spcPct val="80000"/>
+              </a:lnSpc>
+              <a:spcBef>
+                <a:spcPts val="0"/>
+              </a:spcBef>
+              <a:buSzTx/>
+              <a:buNone/>
+              <a:defRPr sz="12800">
+                <a:latin typeface="Canela Regular"/>
+                <a:ea typeface="Canela Regular"/>
+                <a:cs typeface="Canela Regular"/>
+                <a:sym typeface="Canela Regular"/>
+              </a:defRPr>
+            </a:lvl2pPr>
+            <a:lvl3pPr marL="0" indent="914400" algn="ctr" defTabSz="2438400">
+              <a:lnSpc>
+                <a:spcPct val="80000"/>
+              </a:lnSpc>
+              <a:spcBef>
+                <a:spcPts val="0"/>
+              </a:spcBef>
+              <a:buSzTx/>
+              <a:buNone/>
+              <a:defRPr sz="12800">
+                <a:latin typeface="Canela Regular"/>
+                <a:ea typeface="Canela Regular"/>
+                <a:cs typeface="Canela Regular"/>
+                <a:sym typeface="Canela Regular"/>
+              </a:defRPr>
+            </a:lvl3pPr>
+            <a:lvl4pPr marL="0" indent="1371600" algn="ctr" defTabSz="2438400">
+              <a:lnSpc>
+                <a:spcPct val="80000"/>
+              </a:lnSpc>
+              <a:spcBef>
+                <a:spcPts val="0"/>
+              </a:spcBef>
+              <a:buSzTx/>
+              <a:buNone/>
+              <a:defRPr sz="12800">
+                <a:latin typeface="Canela Regular"/>
+                <a:ea typeface="Canela Regular"/>
+                <a:cs typeface="Canela Regular"/>
+                <a:sym typeface="Canela Regular"/>
+              </a:defRPr>
+            </a:lvl4pPr>
+            <a:lvl5pPr marL="0" indent="1828800" algn="ctr" defTabSz="2438400">
+              <a:lnSpc>
+                <a:spcPct val="80000"/>
+              </a:lnSpc>
+              <a:spcBef>
+                <a:spcPts val="0"/>
+              </a:spcBef>
+              <a:buSzTx/>
+              <a:buNone/>
+              <a:defRPr sz="12800">
+                <a:latin typeface="Canela Regular"/>
+                <a:ea typeface="Canela Regular"/>
+                <a:cs typeface="Canela Regular"/>
+                <a:sym typeface="Canela Regular"/>
+              </a:defRPr>
+            </a:lvl5pPr>
+          </a:lstStyle>
+          <a:p>
+            <a:r>
+              <a:t>Сообщение</a:t>
+            </a:r>
+          </a:p>
+          <a:p>
+            <a:pPr lvl="1"/>
+            <a:endParaRPr/>
+          </a:p>
+          <a:p>
+            <a:pPr lvl="2"/>
+            <a:endParaRPr/>
+          </a:p>
+          <a:p>
+            <a:pPr lvl="3"/>
+            <a:endParaRPr/>
+          </a:p>
+          <a:p>
+            <a:pPr lvl="4"/>
+            <a:endParaRPr/>
+          </a:p>
+        </p:txBody>
+      </p:sp>
+      <p:sp>
+        <p:nvSpPr>
+          <p:cNvPr id="99" name="Номер слайда"/>
+          <p:cNvSpPr txBox="1">
+            <a:spLocks noGrp="1"/>
+          </p:cNvSpPr>
+          <p:nvPr>
+            <p:ph type="sldNum" sz="quarter" idx="2"/>
+          </p:nvPr>
+        </p:nvSpPr>
+        <p:spPr>
+          <a:prstGeom prst="rect">
+            <a:avLst/>
+          </a:prstGeom>
+        </p:spPr>
+        <p:txBody>
+          <a:bodyPr/>
+          <a:lstStyle/>
+          <a:p>
+            <a:fld id="{86CB4B4D-7CA3-9044-876B-883B54F8677D}" type="slidenum">
+              <a:t>‹#›</a:t>
+            </a:fld>
+            <a:endParaRPr/>
+          </a:p>
+        </p:txBody>
+      </p:sp>
+    </p:spTree>
+  </p:cSld>
+  <p:clrMapOvr>
+    <a:masterClrMapping/>
+  </p:clrMapOvr>
+  <p:transition spd="med"/>
+</p:sldLayout>
+</file>
+
 <file path=ppt/slideMasters/slideMaster1.xml><?xml version="1.0" encoding="utf-8"?>
 <p:sldMaster xmlns:a="http://schemas.openxmlformats.org/drawingml/2006/main" xmlns:r="http://schemas.openxmlformats.org/officeDocument/2006/relationships" xmlns:p="http://schemas.openxmlformats.org/presentationml/2006/main">
   <p:cSld>
@@ -3201,7 +2945,7 @@
           </a:ln>
           <a:extLst>
             <a:ext uri="{C572A759-6A51-4108-AA02-DFA0A04FC94B}">
-              <ma14:wrappingTextBoxFlag xmlns:ma14="http://schemas.microsoft.com/office/mac/drawingml/2011/main" xmlns:a14="http://schemas.microsoft.com/office/drawing/2010/main" xmlns:m="http://schemas.openxmlformats.org/officeDocument/2006/math" xmlns="" val="1"/>
+              <ma14:wrappingTextBoxFlag xmlns="" xmlns:m="http://schemas.openxmlformats.org/officeDocument/2006/math" xmlns:a14="http://schemas.microsoft.com/office/drawing/2010/main" xmlns:ma14="http://schemas.microsoft.com/office/mac/drawingml/2011/main" val="1"/>
             </a:ext>
           </a:extLst>
         </p:spPr>
@@ -3240,7 +2984,7 @@
           </a:ln>
           <a:extLst>
             <a:ext uri="{C572A759-6A51-4108-AA02-DFA0A04FC94B}">
-              <ma14:wrappingTextBoxFlag xmlns:ma14="http://schemas.microsoft.com/office/mac/drawingml/2011/main" xmlns:a14="http://schemas.microsoft.com/office/drawing/2010/main" xmlns:m="http://schemas.openxmlformats.org/officeDocument/2006/math" xmlns="" val="1"/>
+              <ma14:wrappingTextBoxFlag xmlns="" xmlns:m="http://schemas.openxmlformats.org/officeDocument/2006/math" xmlns:a14="http://schemas.microsoft.com/office/drawing/2010/main" xmlns:ma14="http://schemas.microsoft.com/office/mac/drawingml/2011/main" val="1"/>
             </a:ext>
           </a:extLst>
         </p:spPr>
@@ -3326,21 +3070,20 @@
   </p:cSld>
   <p:clrMap bg1="lt1" tx1="dk1" bg2="lt2" tx2="dk2" accent1="accent1" accent2="accent2" accent3="accent3" accent4="accent4" accent5="accent5" accent6="accent6" hlink="hlink" folHlink="folHlink"/>
   <p:sldLayoutIdLst>
-    <p:sldLayoutId id="2147483649" r:id="rId1"/>
-    <p:sldLayoutId id="2147483650" r:id="rId2"/>
-    <p:sldLayoutId id="2147483651" r:id="rId3"/>
-    <p:sldLayoutId id="2147483652" r:id="rId4"/>
-    <p:sldLayoutId id="2147483653" r:id="rId5"/>
-    <p:sldLayoutId id="2147483654" r:id="rId6"/>
-    <p:sldLayoutId id="2147483655" r:id="rId7"/>
-    <p:sldLayoutId id="2147483656" r:id="rId8"/>
-    <p:sldLayoutId id="2147483657" r:id="rId9"/>
-    <p:sldLayoutId id="2147483658" r:id="rId10"/>
-    <p:sldLayoutId id="2147483659" r:id="rId11"/>
-    <p:sldLayoutId id="2147483660" r:id="rId12"/>
-    <p:sldLayoutId id="2147483661" r:id="rId13"/>
-    <p:sldLayoutId id="2147483662" r:id="rId14"/>
-    <p:sldLayoutId id="2147483663" r:id="rId15"/>
+    <p:sldLayoutId id="2147483650" r:id="rId1"/>
+    <p:sldLayoutId id="2147483651" r:id="rId2"/>
+    <p:sldLayoutId id="2147483652" r:id="rId3"/>
+    <p:sldLayoutId id="2147483653" r:id="rId4"/>
+    <p:sldLayoutId id="2147483654" r:id="rId5"/>
+    <p:sldLayoutId id="2147483655" r:id="rId6"/>
+    <p:sldLayoutId id="2147483656" r:id="rId7"/>
+    <p:sldLayoutId id="2147483657" r:id="rId8"/>
+    <p:sldLayoutId id="2147483658" r:id="rId9"/>
+    <p:sldLayoutId id="2147483659" r:id="rId10"/>
+    <p:sldLayoutId id="2147483660" r:id="rId11"/>
+    <p:sldLayoutId id="2147483661" r:id="rId12"/>
+    <p:sldLayoutId id="2147483662" r:id="rId13"/>
+    <p:sldLayoutId id="2147483663" r:id="rId14"/>
   </p:sldLayoutIdLst>
   <p:transition spd="med"/>
   <p:txStyles>
@@ -4075,65 +3818,100 @@
       </p:grpSpPr>
       <p:sp>
         <p:nvSpPr>
-          <p:cNvPr id="151" name="Черновик презентации"/>
-          <p:cNvSpPr txBox="1">
+          <p:cNvPr id="3" name="Заголовок 2">
+            <a:extLst>
+              <a:ext uri="{FF2B5EF4-FFF2-40B4-BE49-F238E27FC236}">
+                <a16:creationId xmlns:a16="http://schemas.microsoft.com/office/drawing/2014/main" id="{0BF15565-4E3F-4BB7-BA25-DA90534749CC}"/>
+              </a:ext>
+            </a:extLst>
+          </p:cNvPr>
+          <p:cNvSpPr>
             <a:spLocks noGrp="1"/>
           </p:cNvSpPr>
           <p:nvPr>
-            <p:ph type="ctrTitle"/>
+            <p:ph type="title"/>
           </p:nvPr>
         </p:nvSpPr>
         <p:spPr>
-          <a:prstGeom prst="rect">
-            <a:avLst/>
-          </a:prstGeom>
+          <a:xfrm>
+            <a:off x="1219200" y="4224528"/>
+            <a:ext cx="21945600" cy="2252112"/>
+          </a:xfrm>
         </p:spPr>
         <p:txBody>
           <a:bodyPr/>
           <a:lstStyle/>
           <a:p>
             <a:r>
-              <a:rPr dirty="0" err="1"/>
-              <a:t>Черновик</a:t>
+              <a:rPr lang="ru-RU" dirty="0">
+                <a:solidFill>
+                  <a:schemeClr val="tx1"/>
+                </a:solidFill>
+              </a:rPr>
+              <a:t>Мой проект</a:t>
             </a:r>
-            <a:r>
-              <a:rPr dirty="0"/>
-              <a:t> </a:t>
-            </a:r>
-            <a:r>
-              <a:rPr dirty="0" err="1"/>
-              <a:t>презентации</a:t>
-            </a:r>
-            <a:endParaRPr dirty="0"/>
           </a:p>
         </p:txBody>
       </p:sp>
       <p:sp>
         <p:nvSpPr>
-          <p:cNvPr id="152" name="Проект пятнашки Яндекс лицей 2 курс"/>
-          <p:cNvSpPr txBox="1">
+          <p:cNvPr id="4" name="Текст 3">
+            <a:extLst>
+              <a:ext uri="{FF2B5EF4-FFF2-40B4-BE49-F238E27FC236}">
+                <a16:creationId xmlns:a16="http://schemas.microsoft.com/office/drawing/2014/main" id="{6AF21A62-56EC-43B8-ACE7-2AF31F01F4EC}"/>
+              </a:ext>
+            </a:extLst>
+          </p:cNvPr>
+          <p:cNvSpPr>
             <a:spLocks noGrp="1"/>
           </p:cNvSpPr>
           <p:nvPr>
-            <p:ph type="subTitle" sz="quarter" idx="1"/>
+            <p:ph type="body" sz="quarter" idx="1"/>
           </p:nvPr>
         </p:nvSpPr>
         <p:spPr>
-          <a:prstGeom prst="rect">
-            <a:avLst/>
-          </a:prstGeom>
+          <a:xfrm>
+            <a:off x="1219200" y="6476640"/>
+            <a:ext cx="21945600" cy="1920240"/>
+          </a:xfrm>
         </p:spPr>
         <p:txBody>
           <a:bodyPr/>
           <a:lstStyle/>
           <a:p>
             <a:r>
-              <a:t>Проект пятнашки Яндекс лицей 2 курс</a:t>
+              <a:rPr lang="ru-RU" dirty="0">
+                <a:solidFill>
+                  <a:schemeClr val="tx1"/>
+                </a:solidFill>
+              </a:rPr>
+              <a:t>Состоит из трех окон</a:t>
+            </a:r>
+            <a:r>
+              <a:rPr lang="en-US" dirty="0">
+                <a:solidFill>
+                  <a:schemeClr val="tx1"/>
+                </a:solidFill>
+              </a:rPr>
+              <a:t>:</a:t>
+            </a:r>
+            <a:r>
+              <a:rPr lang="ru-RU" dirty="0">
+                <a:solidFill>
+                  <a:schemeClr val="tx1"/>
+                </a:solidFill>
+              </a:rPr>
+              <a:t> стартовое, основное и настройки</a:t>
             </a:r>
           </a:p>
         </p:txBody>
       </p:sp>
     </p:spTree>
+    <p:extLst>
+      <p:ext uri="{BB962C8B-B14F-4D97-AF65-F5344CB8AC3E}">
+        <p14:creationId xmlns:p14="http://schemas.microsoft.com/office/powerpoint/2010/main" val="1166887972"/>
+      </p:ext>
+    </p:extLst>
   </p:cSld>
   <p:clrMapOvr>
     <a:masterClrMapping/>
@@ -4164,7 +3942,7 @@
           <p:cNvPr id="3" name="Заголовок 2">
             <a:extLst>
               <a:ext uri="{FF2B5EF4-FFF2-40B4-BE49-F238E27FC236}">
-                <a16:creationId xmlns:a16="http://schemas.microsoft.com/office/drawing/2014/main" id="{0BF15565-4E3F-4BB7-BA25-DA90534749CC}"/>
+                <a16:creationId xmlns:a16="http://schemas.microsoft.com/office/drawing/2014/main" id="{15AB5031-F53A-4AE2-B167-CF407825D957}"/>
               </a:ext>
             </a:extLst>
           </p:cNvPr>
@@ -4177,8 +3955,8 @@
         </p:nvSpPr>
         <p:spPr>
           <a:xfrm>
-            <a:off x="1219200" y="4224528"/>
-            <a:ext cx="21945600" cy="2252112"/>
+            <a:off x="1078992" y="674369"/>
+            <a:ext cx="21945600" cy="1771904"/>
           </a:xfrm>
         </p:spPr>
         <p:txBody>
@@ -4191,68 +3969,51 @@
                   <a:schemeClr val="tx1"/>
                 </a:solidFill>
               </a:rPr>
-              <a:t>Мой проект</a:t>
+              <a:t>Стартовое</a:t>
             </a:r>
           </a:p>
         </p:txBody>
       </p:sp>
-      <p:sp>
-        <p:nvSpPr>
-          <p:cNvPr id="4" name="Текст 3">
+      <p:pic>
+        <p:nvPicPr>
+          <p:cNvPr id="7" name="Рисунок 6">
             <a:extLst>
               <a:ext uri="{FF2B5EF4-FFF2-40B4-BE49-F238E27FC236}">
-                <a16:creationId xmlns:a16="http://schemas.microsoft.com/office/drawing/2014/main" id="{6AF21A62-56EC-43B8-ACE7-2AF31F01F4EC}"/>
+                <a16:creationId xmlns:a16="http://schemas.microsoft.com/office/drawing/2014/main" id="{68B16E07-0169-4BD9-92FE-16C8D3BA6C8C}"/>
               </a:ext>
             </a:extLst>
           </p:cNvPr>
-          <p:cNvSpPr>
-            <a:spLocks noGrp="1"/>
-          </p:cNvSpPr>
-          <p:nvPr>
-            <p:ph type="body" sz="quarter" idx="1"/>
-          </p:nvPr>
-        </p:nvSpPr>
+          <p:cNvPicPr>
+            <a:picLocks noChangeAspect="1"/>
+          </p:cNvPicPr>
+          <p:nvPr/>
+        </p:nvPicPr>
+        <p:blipFill>
+          <a:blip r:embed="rId2">
+            <a:extLst>
+              <a:ext uri="{28A0092B-C50C-407E-A947-70E740481C1C}">
+                <a14:useLocalDpi xmlns:a14="http://schemas.microsoft.com/office/drawing/2010/main" val="0"/>
+              </a:ext>
+            </a:extLst>
+          </a:blip>
+          <a:stretch>
+            <a:fillRect/>
+          </a:stretch>
+        </p:blipFill>
         <p:spPr>
           <a:xfrm>
-            <a:off x="1219200" y="6476640"/>
-            <a:ext cx="21945600" cy="1920240"/>
+            <a:off x="5170762" y="2446273"/>
+            <a:ext cx="14042476" cy="9670761"/>
           </a:xfrm>
+          <a:prstGeom prst="rect">
+            <a:avLst/>
+          </a:prstGeom>
         </p:spPr>
-        <p:txBody>
-          <a:bodyPr/>
-          <a:lstStyle/>
-          <a:p>
-            <a:r>
-              <a:rPr lang="ru-RU" dirty="0">
-                <a:solidFill>
-                  <a:schemeClr val="tx1"/>
-                </a:solidFill>
-              </a:rPr>
-              <a:t>Состоит из трех окон</a:t>
-            </a:r>
-            <a:r>
-              <a:rPr lang="en-US" dirty="0">
-                <a:solidFill>
-                  <a:schemeClr val="tx1"/>
-                </a:solidFill>
-              </a:rPr>
-              <a:t>:</a:t>
-            </a:r>
-            <a:r>
-              <a:rPr lang="ru-RU" dirty="0">
-                <a:solidFill>
-                  <a:schemeClr val="tx1"/>
-                </a:solidFill>
-              </a:rPr>
-              <a:t> стартовое, основное и настройки</a:t>
-            </a:r>
-          </a:p>
-        </p:txBody>
-      </p:sp>
+      </p:pic>
     </p:spTree>
     <p:extLst>
       <p:ext uri="{BB962C8B-B14F-4D97-AF65-F5344CB8AC3E}">
-        <p14:creationId xmlns:p14="http://schemas.microsoft.com/office/powerpoint/2010/main" val="1166887972"/>
+        <p14:creationId xmlns:p14="http://schemas.microsoft.com/office/powerpoint/2010/main" val="1175827297"/>
       </p:ext>
     </p:extLst>
   </p:cSld>
@@ -4312,17 +4073,17 @@
                   <a:schemeClr val="tx1"/>
                 </a:solidFill>
               </a:rPr>
-              <a:t>Стартовое</a:t>
+              <a:t>Основное</a:t>
             </a:r>
           </a:p>
         </p:txBody>
       </p:sp>
       <p:pic>
         <p:nvPicPr>
-          <p:cNvPr id="7" name="Рисунок 6">
+          <p:cNvPr id="4" name="Рисунок 3">
             <a:extLst>
               <a:ext uri="{FF2B5EF4-FFF2-40B4-BE49-F238E27FC236}">
-                <a16:creationId xmlns:a16="http://schemas.microsoft.com/office/drawing/2014/main" id="{68B16E07-0169-4BD9-92FE-16C8D3BA6C8C}"/>
+                <a16:creationId xmlns:a16="http://schemas.microsoft.com/office/drawing/2014/main" id="{131BF7F5-70BA-4CFE-BEC6-B78DEF555C91}"/>
               </a:ext>
             </a:extLst>
           </p:cNvPr>
@@ -4345,8 +4106,8 @@
         </p:blipFill>
         <p:spPr>
           <a:xfrm>
-            <a:off x="5170762" y="2446273"/>
-            <a:ext cx="14042476" cy="9670761"/>
+            <a:off x="5134562" y="2446273"/>
+            <a:ext cx="14374856" cy="9772201"/>
           </a:xfrm>
           <a:prstGeom prst="rect">
             <a:avLst/>
@@ -4356,7 +4117,7 @@
     </p:spTree>
     <p:extLst>
       <p:ext uri="{BB962C8B-B14F-4D97-AF65-F5344CB8AC3E}">
-        <p14:creationId xmlns:p14="http://schemas.microsoft.com/office/powerpoint/2010/main" val="1175827297"/>
+        <p14:creationId xmlns:p14="http://schemas.microsoft.com/office/powerpoint/2010/main" val="3822202088"/>
       </p:ext>
     </p:extLst>
   </p:cSld>
@@ -4416,110 +4177,6 @@
                   <a:schemeClr val="tx1"/>
                 </a:solidFill>
               </a:rPr>
-              <a:t>Основное</a:t>
-            </a:r>
-          </a:p>
-        </p:txBody>
-      </p:sp>
-      <p:pic>
-        <p:nvPicPr>
-          <p:cNvPr id="4" name="Рисунок 3">
-            <a:extLst>
-              <a:ext uri="{FF2B5EF4-FFF2-40B4-BE49-F238E27FC236}">
-                <a16:creationId xmlns:a16="http://schemas.microsoft.com/office/drawing/2014/main" id="{131BF7F5-70BA-4CFE-BEC6-B78DEF555C91}"/>
-              </a:ext>
-            </a:extLst>
-          </p:cNvPr>
-          <p:cNvPicPr>
-            <a:picLocks noChangeAspect="1"/>
-          </p:cNvPicPr>
-          <p:nvPr/>
-        </p:nvPicPr>
-        <p:blipFill>
-          <a:blip r:embed="rId2">
-            <a:extLst>
-              <a:ext uri="{28A0092B-C50C-407E-A947-70E740481C1C}">
-                <a14:useLocalDpi xmlns:a14="http://schemas.microsoft.com/office/drawing/2010/main" val="0"/>
-              </a:ext>
-            </a:extLst>
-          </a:blip>
-          <a:stretch>
-            <a:fillRect/>
-          </a:stretch>
-        </p:blipFill>
-        <p:spPr>
-          <a:xfrm>
-            <a:off x="5134562" y="2446273"/>
-            <a:ext cx="14374856" cy="9772201"/>
-          </a:xfrm>
-          <a:prstGeom prst="rect">
-            <a:avLst/>
-          </a:prstGeom>
-        </p:spPr>
-      </p:pic>
-    </p:spTree>
-    <p:extLst>
-      <p:ext uri="{BB962C8B-B14F-4D97-AF65-F5344CB8AC3E}">
-        <p14:creationId xmlns:p14="http://schemas.microsoft.com/office/powerpoint/2010/main" val="3822202088"/>
-      </p:ext>
-    </p:extLst>
-  </p:cSld>
-  <p:clrMapOvr>
-    <a:masterClrMapping/>
-  </p:clrMapOvr>
-  <p:transition spd="med"/>
-</p:sld>
-</file>
-
-<file path=ppt/slides/slide5.xml><?xml version="1.0" encoding="utf-8"?>
-<p:sld xmlns:a="http://schemas.openxmlformats.org/drawingml/2006/main" xmlns:r="http://schemas.openxmlformats.org/officeDocument/2006/relationships" xmlns:p="http://schemas.openxmlformats.org/presentationml/2006/main">
-  <p:cSld>
-    <p:spTree>
-      <p:nvGrpSpPr>
-        <p:cNvPr id="1" name=""/>
-        <p:cNvGrpSpPr/>
-        <p:nvPr/>
-      </p:nvGrpSpPr>
-      <p:grpSpPr>
-        <a:xfrm>
-          <a:off x="0" y="0"/>
-          <a:ext cx="0" cy="0"/>
-          <a:chOff x="0" y="0"/>
-          <a:chExt cx="0" cy="0"/>
-        </a:xfrm>
-      </p:grpSpPr>
-      <p:sp>
-        <p:nvSpPr>
-          <p:cNvPr id="3" name="Заголовок 2">
-            <a:extLst>
-              <a:ext uri="{FF2B5EF4-FFF2-40B4-BE49-F238E27FC236}">
-                <a16:creationId xmlns:a16="http://schemas.microsoft.com/office/drawing/2014/main" id="{15AB5031-F53A-4AE2-B167-CF407825D957}"/>
-              </a:ext>
-            </a:extLst>
-          </p:cNvPr>
-          <p:cNvSpPr>
-            <a:spLocks noGrp="1"/>
-          </p:cNvSpPr>
-          <p:nvPr>
-            <p:ph type="title"/>
-          </p:nvPr>
-        </p:nvSpPr>
-        <p:spPr>
-          <a:xfrm>
-            <a:off x="1078992" y="674369"/>
-            <a:ext cx="21945600" cy="1771904"/>
-          </a:xfrm>
-        </p:spPr>
-        <p:txBody>
-          <a:bodyPr/>
-          <a:lstStyle/>
-          <a:p>
-            <a:r>
-              <a:rPr lang="ru-RU" dirty="0">
-                <a:solidFill>
-                  <a:schemeClr val="tx1"/>
-                </a:solidFill>
-              </a:rPr>
               <a:t>Настройки</a:t>
             </a:r>
           </a:p>
@@ -4565,6 +4222,258 @@
     <p:extLst>
       <p:ext uri="{BB962C8B-B14F-4D97-AF65-F5344CB8AC3E}">
         <p14:creationId xmlns:p14="http://schemas.microsoft.com/office/powerpoint/2010/main" val="1588404991"/>
+      </p:ext>
+    </p:extLst>
+  </p:cSld>
+  <p:clrMapOvr>
+    <a:masterClrMapping/>
+  </p:clrMapOvr>
+  <p:transition spd="med"/>
+</p:sld>
+</file>
+
+<file path=ppt/slides/slide5.xml><?xml version="1.0" encoding="utf-8"?>
+<p:sld xmlns:a="http://schemas.openxmlformats.org/drawingml/2006/main" xmlns:r="http://schemas.openxmlformats.org/officeDocument/2006/relationships" xmlns:p="http://schemas.openxmlformats.org/presentationml/2006/main">
+  <p:cSld>
+    <p:spTree>
+      <p:nvGrpSpPr>
+        <p:cNvPr id="1" name=""/>
+        <p:cNvGrpSpPr/>
+        <p:nvPr/>
+      </p:nvGrpSpPr>
+      <p:grpSpPr>
+        <a:xfrm>
+          <a:off x="0" y="0"/>
+          <a:ext cx="0" cy="0"/>
+          <a:chOff x="0" y="0"/>
+          <a:chExt cx="0" cy="0"/>
+        </a:xfrm>
+      </p:grpSpPr>
+      <p:sp>
+        <p:nvSpPr>
+          <p:cNvPr id="2" name="Заголовок 1">
+            <a:extLst>
+              <a:ext uri="{FF2B5EF4-FFF2-40B4-BE49-F238E27FC236}">
+                <a16:creationId xmlns:a16="http://schemas.microsoft.com/office/drawing/2014/main" id="{40952413-913B-44BC-BBE1-1106E2E228A5}"/>
+              </a:ext>
+            </a:extLst>
+          </p:cNvPr>
+          <p:cNvSpPr>
+            <a:spLocks noGrp="1"/>
+          </p:cNvSpPr>
+          <p:nvPr>
+            <p:ph type="title"/>
+          </p:nvPr>
+        </p:nvSpPr>
+        <p:spPr>
+          <a:xfrm>
+            <a:off x="372781" y="333374"/>
+            <a:ext cx="7161875" cy="2540001"/>
+          </a:xfrm>
+        </p:spPr>
+        <p:txBody>
+          <a:bodyPr/>
+          <a:lstStyle/>
+          <a:p>
+            <a:r>
+              <a:rPr lang="ru-RU" dirty="0"/>
+              <a:t>Технологии</a:t>
+            </a:r>
+          </a:p>
+        </p:txBody>
+      </p:sp>
+      <p:pic>
+        <p:nvPicPr>
+          <p:cNvPr id="1026" name="Picture 2" descr="PyQt5] Use icon from QStyle - Clay-Technology World">
+            <a:extLst>
+              <a:ext uri="{FF2B5EF4-FFF2-40B4-BE49-F238E27FC236}">
+                <a16:creationId xmlns:a16="http://schemas.microsoft.com/office/drawing/2014/main" id="{9A90F8D8-E0A9-4485-8467-51562D7C7BB6}"/>
+              </a:ext>
+            </a:extLst>
+          </p:cNvPr>
+          <p:cNvPicPr>
+            <a:picLocks noChangeAspect="1" noChangeArrowheads="1"/>
+          </p:cNvPicPr>
+          <p:nvPr/>
+        </p:nvPicPr>
+        <p:blipFill>
+          <a:blip r:embed="rId2">
+            <a:extLst>
+              <a:ext uri="{28A0092B-C50C-407E-A947-70E740481C1C}">
+                <a14:useLocalDpi xmlns:a14="http://schemas.microsoft.com/office/drawing/2010/main" val="0"/>
+              </a:ext>
+            </a:extLst>
+          </a:blip>
+          <a:srcRect/>
+          <a:stretch>
+            <a:fillRect/>
+          </a:stretch>
+        </p:blipFill>
+        <p:spPr bwMode="auto">
+          <a:xfrm>
+            <a:off x="1389889" y="6179785"/>
+            <a:ext cx="5815583" cy="6084512"/>
+          </a:xfrm>
+          <a:prstGeom prst="rect">
+            <a:avLst/>
+          </a:prstGeom>
+          <a:noFill/>
+          <a:extLst>
+            <a:ext uri="{909E8E84-426E-40DD-AFC4-6F175D3DCCD1}">
+              <a14:hiddenFill xmlns:a14="http://schemas.microsoft.com/office/drawing/2010/main">
+                <a:solidFill>
+                  <a:srgbClr val="FFFFFF"/>
+                </a:solidFill>
+              </a14:hiddenFill>
+            </a:ext>
+          </a:extLst>
+        </p:spPr>
+      </p:pic>
+      <p:pic>
+        <p:nvPicPr>
+          <p:cNvPr id="1028" name="Picture 4" descr="Qtdesigner Free Icon of Papirus Apps">
+            <a:extLst>
+              <a:ext uri="{FF2B5EF4-FFF2-40B4-BE49-F238E27FC236}">
+                <a16:creationId xmlns:a16="http://schemas.microsoft.com/office/drawing/2014/main" id="{714B7A17-F7BE-4EBA-9914-0F185B715AA1}"/>
+              </a:ext>
+            </a:extLst>
+          </p:cNvPr>
+          <p:cNvPicPr>
+            <a:picLocks noChangeAspect="1" noChangeArrowheads="1"/>
+          </p:cNvPicPr>
+          <p:nvPr/>
+        </p:nvPicPr>
+        <p:blipFill>
+          <a:blip r:embed="rId3">
+            <a:extLst>
+              <a:ext uri="{28A0092B-C50C-407E-A947-70E740481C1C}">
+                <a14:useLocalDpi xmlns:a14="http://schemas.microsoft.com/office/drawing/2010/main" val="0"/>
+              </a:ext>
+            </a:extLst>
+          </a:blip>
+          <a:srcRect/>
+          <a:stretch>
+            <a:fillRect/>
+          </a:stretch>
+        </p:blipFill>
+        <p:spPr bwMode="auto">
+          <a:xfrm>
+            <a:off x="8926353" y="6179785"/>
+            <a:ext cx="6531294" cy="6531294"/>
+          </a:xfrm>
+          <a:prstGeom prst="rect">
+            <a:avLst/>
+          </a:prstGeom>
+          <a:noFill/>
+          <a:extLst>
+            <a:ext uri="{909E8E84-426E-40DD-AFC4-6F175D3DCCD1}">
+              <a14:hiddenFill xmlns:a14="http://schemas.microsoft.com/office/drawing/2010/main">
+                <a:solidFill>
+                  <a:srgbClr val="FFFFFF"/>
+                </a:solidFill>
+              </a14:hiddenFill>
+            </a:ext>
+          </a:extLst>
+        </p:spPr>
+      </p:pic>
+      <p:pic>
+        <p:nvPicPr>
+          <p:cNvPr id="1030" name="Picture 6">
+            <a:extLst>
+              <a:ext uri="{FF2B5EF4-FFF2-40B4-BE49-F238E27FC236}">
+                <a16:creationId xmlns:a16="http://schemas.microsoft.com/office/drawing/2014/main" id="{1BF45A84-DEBE-4169-B8B0-5E07861566E3}"/>
+              </a:ext>
+            </a:extLst>
+          </p:cNvPr>
+          <p:cNvPicPr>
+            <a:picLocks noChangeAspect="1" noChangeArrowheads="1"/>
+          </p:cNvPicPr>
+          <p:nvPr/>
+        </p:nvPicPr>
+        <p:blipFill>
+          <a:blip r:embed="rId4">
+            <a:extLst>
+              <a:ext uri="{28A0092B-C50C-407E-A947-70E740481C1C}">
+                <a14:useLocalDpi xmlns:a14="http://schemas.microsoft.com/office/drawing/2010/main" val="0"/>
+              </a:ext>
+            </a:extLst>
+          </a:blip>
+          <a:srcRect/>
+          <a:stretch>
+            <a:fillRect/>
+          </a:stretch>
+        </p:blipFill>
+        <p:spPr bwMode="auto">
+          <a:xfrm>
+            <a:off x="17373600" y="6498039"/>
+            <a:ext cx="6205158" cy="6055200"/>
+          </a:xfrm>
+          <a:prstGeom prst="rect">
+            <a:avLst/>
+          </a:prstGeom>
+          <a:noFill/>
+          <a:extLst>
+            <a:ext uri="{909E8E84-426E-40DD-AFC4-6F175D3DCCD1}">
+              <a14:hiddenFill xmlns:a14="http://schemas.microsoft.com/office/drawing/2010/main">
+                <a:solidFill>
+                  <a:srgbClr val="FFFFFF"/>
+                </a:solidFill>
+              </a14:hiddenFill>
+            </a:ext>
+          </a:extLst>
+        </p:spPr>
+      </p:pic>
+      <p:pic>
+        <p:nvPicPr>
+          <p:cNvPr id="1032" name="Picture 8" descr="Sqlite Logo Icon - Download in Flat Style">
+            <a:extLst>
+              <a:ext uri="{FF2B5EF4-FFF2-40B4-BE49-F238E27FC236}">
+                <a16:creationId xmlns:a16="http://schemas.microsoft.com/office/drawing/2014/main" id="{56B40C0D-5E23-4A0A-BD33-C3901B66A232}"/>
+              </a:ext>
+            </a:extLst>
+          </p:cNvPr>
+          <p:cNvPicPr>
+            <a:picLocks noChangeAspect="1" noChangeArrowheads="1"/>
+          </p:cNvPicPr>
+          <p:nvPr/>
+        </p:nvPicPr>
+        <p:blipFill>
+          <a:blip r:embed="rId5">
+            <a:extLst>
+              <a:ext uri="{28A0092B-C50C-407E-A947-70E740481C1C}">
+                <a14:useLocalDpi xmlns:a14="http://schemas.microsoft.com/office/drawing/2010/main" val="0"/>
+              </a:ext>
+            </a:extLst>
+          </a:blip>
+          <a:srcRect/>
+          <a:stretch>
+            <a:fillRect/>
+          </a:stretch>
+        </p:blipFill>
+        <p:spPr bwMode="auto">
+          <a:xfrm>
+            <a:off x="11529345" y="937230"/>
+            <a:ext cx="5958270" cy="5560809"/>
+          </a:xfrm>
+          <a:prstGeom prst="rect">
+            <a:avLst/>
+          </a:prstGeom>
+          <a:noFill/>
+          <a:extLst>
+            <a:ext uri="{909E8E84-426E-40DD-AFC4-6F175D3DCCD1}">
+              <a14:hiddenFill xmlns:a14="http://schemas.microsoft.com/office/drawing/2010/main">
+                <a:solidFill>
+                  <a:srgbClr val="FFFFFF"/>
+                </a:solidFill>
+              </a14:hiddenFill>
+            </a:ext>
+          </a:extLst>
+        </p:spPr>
+      </p:pic>
+    </p:spTree>
+    <p:extLst>
+      <p:ext uri="{BB962C8B-B14F-4D97-AF65-F5344CB8AC3E}">
+        <p14:creationId xmlns:p14="http://schemas.microsoft.com/office/powerpoint/2010/main" val="1585148319"/>
       </p:ext>
     </p:extLst>
   </p:cSld>
@@ -4695,23 +4604,23 @@
                   <a:schemeClr val="tx1"/>
                 </a:solidFill>
               </a:rPr>
-              <a:t>1)</a:t>
+              <a:t>1)Искусственный интеллект</a:t>
             </a:r>
-            <a:r>
-              <a:rPr lang="ru-RU" dirty="0" err="1">
-                <a:solidFill>
-                  <a:schemeClr val="tx1"/>
-                </a:solidFill>
-              </a:rPr>
-              <a:t>Искуственный</a:t>
-            </a:r>
+            <a:endParaRPr lang="en-US" dirty="0">
+              <a:solidFill>
+                <a:schemeClr val="tx1"/>
+              </a:solidFill>
+            </a:endParaRPr>
+          </a:p>
+          <a:p>
+            <a:pPr algn="l"/>
             <a:r>
               <a:rPr lang="ru-RU" dirty="0">
                 <a:solidFill>
                   <a:schemeClr val="tx1"/>
                 </a:solidFill>
               </a:rPr>
-              <a:t> интеллект</a:t>
+              <a:t>	показывает как собирать пятнашки, если игрок запутался</a:t>
             </a:r>
           </a:p>
           <a:p>
@@ -4733,7 +4642,7 @@
                   <a:schemeClr val="tx1"/>
                 </a:solidFill>
               </a:rPr>
-              <a:t>3) Возможность многопользовательской игры </a:t>
+              <a:t>3)Возможность многопользовательской игры </a:t>
             </a:r>
           </a:p>
           <a:p>
@@ -4744,7 +4653,7 @@
                   <a:schemeClr val="tx1"/>
                 </a:solidFill>
               </a:rPr>
-              <a:t>4)Конфиги</a:t>
+              <a:t>4)Конфиги </a:t>
             </a:r>
           </a:p>
           <a:p>
@@ -4766,7 +4675,15 @@
                   <a:schemeClr val="tx1"/>
                 </a:solidFill>
               </a:rPr>
-              <a:t>6)Возможность сохранять игру с помощью </a:t>
+              <a:t>6</a:t>
+            </a:r>
+            <a:r>
+              <a:rPr lang="en-US" dirty="0">
+                <a:solidFill>
+                  <a:schemeClr val="tx1"/>
+                </a:solidFill>
+              </a:rPr>
+              <a:t>)</a:t>
             </a:r>
             <a:r>
               <a:rPr lang="ru-RU">
@@ -4774,7 +4691,7 @@
                   <a:schemeClr val="tx1"/>
                 </a:solidFill>
               </a:rPr>
-              <a:t>шортката</a:t>
+              <a:t>Оптимизация </a:t>
             </a:r>
             <a:endParaRPr lang="ru-RU" dirty="0">
               <a:solidFill>
